--- a/Docs/Apollo_Client_React.pptx
+++ b/Docs/Apollo_Client_React.pptx
@@ -3,23 +3,45 @@
 <p:presentation xmlns:a="http://schemas.openxmlformats.org/drawingml/2006/main" xmlns:r="http://schemas.openxmlformats.org/officeDocument/2006/relationships" xmlns:p="http://schemas.openxmlformats.org/presentationml/2006/main" saveSubsetFonts="1">
   <p:sldMasterIdLst>
     <p:sldMasterId id="2147483660" r:id="rId1"/>
-    <p:sldMasterId id="2147483684" r:id="rId2"/>
   </p:sldMasterIdLst>
   <p:sldIdLst>
-    <p:sldId id="256" r:id="rId3"/>
-    <p:sldId id="257" r:id="rId4"/>
-    <p:sldId id="262" r:id="rId5"/>
-    <p:sldId id="302" r:id="rId6"/>
-    <p:sldId id="259" r:id="rId7"/>
-    <p:sldId id="260" r:id="rId8"/>
-    <p:sldId id="303" r:id="rId9"/>
-    <p:sldId id="306" r:id="rId10"/>
-    <p:sldId id="307" r:id="rId11"/>
-    <p:sldId id="269" r:id="rId12"/>
-    <p:sldId id="305" r:id="rId13"/>
-    <p:sldId id="261" r:id="rId14"/>
-    <p:sldId id="276" r:id="rId15"/>
-    <p:sldId id="304" r:id="rId16"/>
+    <p:sldId id="256" r:id="rId2"/>
+    <p:sldId id="257" r:id="rId3"/>
+    <p:sldId id="262" r:id="rId4"/>
+    <p:sldId id="302" r:id="rId5"/>
+    <p:sldId id="259" r:id="rId6"/>
+    <p:sldId id="260" r:id="rId7"/>
+    <p:sldId id="303" r:id="rId8"/>
+    <p:sldId id="310" r:id="rId9"/>
+    <p:sldId id="307" r:id="rId10"/>
+    <p:sldId id="313" r:id="rId11"/>
+    <p:sldId id="314" r:id="rId12"/>
+    <p:sldId id="315" r:id="rId13"/>
+    <p:sldId id="316" r:id="rId14"/>
+    <p:sldId id="317" r:id="rId15"/>
+    <p:sldId id="318" r:id="rId16"/>
+    <p:sldId id="319" r:id="rId17"/>
+    <p:sldId id="320" r:id="rId18"/>
+    <p:sldId id="321" r:id="rId19"/>
+    <p:sldId id="322" r:id="rId20"/>
+    <p:sldId id="323" r:id="rId21"/>
+    <p:sldId id="324" r:id="rId22"/>
+    <p:sldId id="325" r:id="rId23"/>
+    <p:sldId id="308" r:id="rId24"/>
+    <p:sldId id="326" r:id="rId25"/>
+    <p:sldId id="327" r:id="rId26"/>
+    <p:sldId id="328" r:id="rId27"/>
+    <p:sldId id="332" r:id="rId28"/>
+    <p:sldId id="330" r:id="rId29"/>
+    <p:sldId id="331" r:id="rId30"/>
+    <p:sldId id="333" r:id="rId31"/>
+    <p:sldId id="309" r:id="rId32"/>
+    <p:sldId id="334" r:id="rId33"/>
+    <p:sldId id="269" r:id="rId34"/>
+    <p:sldId id="305" r:id="rId35"/>
+    <p:sldId id="312" r:id="rId36"/>
+    <p:sldId id="311" r:id="rId37"/>
+    <p:sldId id="261" r:id="rId38"/>
   </p:sldIdLst>
   <p:sldSz cx="12192000" cy="6858000"/>
   <p:notesSz cx="6858000" cy="9144000"/>
@@ -3719,7 +3741,7 @@
           <a:p>
             <a:fld id="{3670AB43-4AB1-4719-A1BC-54CEDAA9A926}" type="datetimeFigureOut">
               <a:rPr lang="en-US" smtClean="0"/>
-              <a:t>4/13/2020</a:t>
+              <a:t>4/14/2020</a:t>
             </a:fld>
             <a:endParaRPr lang="en-US"/>
           </a:p>
@@ -4054,7 +4076,7 @@
           <a:p>
             <a:fld id="{3670AB43-4AB1-4719-A1BC-54CEDAA9A926}" type="datetimeFigureOut">
               <a:rPr lang="en-US" smtClean="0"/>
-              <a:t>4/13/2020</a:t>
+              <a:t>4/14/2020</a:t>
             </a:fld>
             <a:endParaRPr lang="en-US"/>
           </a:p>
@@ -4357,7 +4379,7 @@
           <a:p>
             <a:fld id="{3670AB43-4AB1-4719-A1BC-54CEDAA9A926}" type="datetimeFigureOut">
               <a:rPr lang="en-US" smtClean="0"/>
-              <a:t>4/13/2020</a:t>
+              <a:t>4/14/2020</a:t>
             </a:fld>
             <a:endParaRPr lang="en-US"/>
           </a:p>
@@ -4409,1703 +4431,6 @@
     <p:extLst>
       <p:ext uri="{BB962C8B-B14F-4D97-AF65-F5344CB8AC3E}">
         <p14:creationId xmlns:p14="http://schemas.microsoft.com/office/powerpoint/2010/main" val="1983910507"/>
-      </p:ext>
-    </p:extLst>
-  </p:cSld>
-  <p:clrMapOvr>
-    <a:masterClrMapping/>
-  </p:clrMapOvr>
-</p:sldLayout>
-</file>
-
-<file path=ppt/slideLayouts/slideLayout12.xml><?xml version="1.0" encoding="utf-8"?>
-<p:sldLayout xmlns:a="http://schemas.openxmlformats.org/drawingml/2006/main" xmlns:r="http://schemas.openxmlformats.org/officeDocument/2006/relationships" xmlns:p="http://schemas.openxmlformats.org/presentationml/2006/main" type="title" preserve="1">
-  <p:cSld name="Title Slide">
-    <p:spTree>
-      <p:nvGrpSpPr>
-        <p:cNvPr id="1" name=""/>
-        <p:cNvGrpSpPr/>
-        <p:nvPr/>
-      </p:nvGrpSpPr>
-      <p:grpSpPr>
-        <a:xfrm>
-          <a:off x="0" y="0"/>
-          <a:ext cx="0" cy="0"/>
-          <a:chOff x="0" y="0"/>
-          <a:chExt cx="0" cy="0"/>
-        </a:xfrm>
-      </p:grpSpPr>
-      <p:sp>
-        <p:nvSpPr>
-          <p:cNvPr id="2" name="Title 1"/>
-          <p:cNvSpPr>
-            <a:spLocks noGrp="1"/>
-          </p:cNvSpPr>
-          <p:nvPr>
-            <p:ph type="ctrTitle"/>
-          </p:nvPr>
-        </p:nvSpPr>
-        <p:spPr>
-          <a:xfrm>
-            <a:off x="1524000" y="1122363"/>
-            <a:ext cx="9144000" cy="2387600"/>
-          </a:xfrm>
-        </p:spPr>
-        <p:txBody>
-          <a:bodyPr anchor="b"/>
-          <a:lstStyle>
-            <a:lvl1pPr algn="ctr">
-              <a:defRPr sz="6000"/>
-            </a:lvl1pPr>
-          </a:lstStyle>
-          <a:p>
-            <a:r>
-              <a:rPr lang="en-US"/>
-              <a:t>Click to edit Master title style</a:t>
-            </a:r>
-            <a:endParaRPr lang="en-US" dirty="0"/>
-          </a:p>
-        </p:txBody>
-      </p:sp>
-      <p:sp>
-        <p:nvSpPr>
-          <p:cNvPr id="3" name="Subtitle 2"/>
-          <p:cNvSpPr>
-            <a:spLocks noGrp="1"/>
-          </p:cNvSpPr>
-          <p:nvPr>
-            <p:ph type="subTitle" idx="1"/>
-          </p:nvPr>
-        </p:nvSpPr>
-        <p:spPr>
-          <a:xfrm>
-            <a:off x="1524000" y="3602038"/>
-            <a:ext cx="9144000" cy="1655762"/>
-          </a:xfrm>
-        </p:spPr>
-        <p:txBody>
-          <a:bodyPr/>
-          <a:lstStyle>
-            <a:lvl1pPr marL="0" indent="0" algn="ctr">
-              <a:buNone/>
-              <a:defRPr sz="2400"/>
-            </a:lvl1pPr>
-            <a:lvl2pPr marL="457200" indent="0" algn="ctr">
-              <a:buNone/>
-              <a:defRPr sz="2000"/>
-            </a:lvl2pPr>
-            <a:lvl3pPr marL="914400" indent="0" algn="ctr">
-              <a:buNone/>
-              <a:defRPr sz="1800"/>
-            </a:lvl3pPr>
-            <a:lvl4pPr marL="1371600" indent="0" algn="ctr">
-              <a:buNone/>
-              <a:defRPr sz="1600"/>
-            </a:lvl4pPr>
-            <a:lvl5pPr marL="1828800" indent="0" algn="ctr">
-              <a:buNone/>
-              <a:defRPr sz="1600"/>
-            </a:lvl5pPr>
-            <a:lvl6pPr marL="2286000" indent="0" algn="ctr">
-              <a:buNone/>
-              <a:defRPr sz="1600"/>
-            </a:lvl6pPr>
-            <a:lvl7pPr marL="2743200" indent="0" algn="ctr">
-              <a:buNone/>
-              <a:defRPr sz="1600"/>
-            </a:lvl7pPr>
-            <a:lvl8pPr marL="3200400" indent="0" algn="ctr">
-              <a:buNone/>
-              <a:defRPr sz="1600"/>
-            </a:lvl8pPr>
-            <a:lvl9pPr marL="3657600" indent="0" algn="ctr">
-              <a:buNone/>
-              <a:defRPr sz="1600"/>
-            </a:lvl9pPr>
-          </a:lstStyle>
-          <a:p>
-            <a:r>
-              <a:rPr lang="en-US"/>
-              <a:t>Click to edit Master subtitle style</a:t>
-            </a:r>
-            <a:endParaRPr lang="en-US" dirty="0"/>
-          </a:p>
-        </p:txBody>
-      </p:sp>
-      <p:sp>
-        <p:nvSpPr>
-          <p:cNvPr id="4" name="Date Placeholder 3"/>
-          <p:cNvSpPr>
-            <a:spLocks noGrp="1"/>
-          </p:cNvSpPr>
-          <p:nvPr>
-            <p:ph type="dt" sz="half" idx="10"/>
-          </p:nvPr>
-        </p:nvSpPr>
-        <p:spPr/>
-        <p:txBody>
-          <a:bodyPr/>
-          <a:lstStyle/>
-          <a:p>
-            <a:fld id="{3670AB43-4AB1-4719-A1BC-54CEDAA9A926}" type="datetimeFigureOut">
-              <a:rPr lang="en-US" smtClean="0"/>
-              <a:t>4/13/2020</a:t>
-            </a:fld>
-            <a:endParaRPr lang="en-US"/>
-          </a:p>
-        </p:txBody>
-      </p:sp>
-      <p:sp>
-        <p:nvSpPr>
-          <p:cNvPr id="5" name="Footer Placeholder 4"/>
-          <p:cNvSpPr>
-            <a:spLocks noGrp="1"/>
-          </p:cNvSpPr>
-          <p:nvPr>
-            <p:ph type="ftr" sz="quarter" idx="11"/>
-          </p:nvPr>
-        </p:nvSpPr>
-        <p:spPr/>
-        <p:txBody>
-          <a:bodyPr/>
-          <a:lstStyle/>
-          <a:p>
-            <a:endParaRPr lang="en-US"/>
-          </a:p>
-        </p:txBody>
-      </p:sp>
-      <p:sp>
-        <p:nvSpPr>
-          <p:cNvPr id="6" name="Slide Number Placeholder 5"/>
-          <p:cNvSpPr>
-            <a:spLocks noGrp="1"/>
-          </p:cNvSpPr>
-          <p:nvPr>
-            <p:ph type="sldNum" sz="quarter" idx="12"/>
-          </p:nvPr>
-        </p:nvSpPr>
-        <p:spPr/>
-        <p:txBody>
-          <a:bodyPr/>
-          <a:lstStyle/>
-          <a:p>
-            <a:fld id="{39790E93-DECC-4E3E-8905-F9B97D82F520}" type="slidenum">
-              <a:rPr lang="en-US" smtClean="0"/>
-              <a:t>‹#›</a:t>
-            </a:fld>
-            <a:endParaRPr lang="en-US"/>
-          </a:p>
-        </p:txBody>
-      </p:sp>
-    </p:spTree>
-    <p:extLst>
-      <p:ext uri="{BB962C8B-B14F-4D97-AF65-F5344CB8AC3E}">
-        <p14:creationId xmlns:p14="http://schemas.microsoft.com/office/powerpoint/2010/main" val="3706649733"/>
-      </p:ext>
-    </p:extLst>
-  </p:cSld>
-  <p:clrMapOvr>
-    <a:masterClrMapping/>
-  </p:clrMapOvr>
-</p:sldLayout>
-</file>
-
-<file path=ppt/slideLayouts/slideLayout13.xml><?xml version="1.0" encoding="utf-8"?>
-<p:sldLayout xmlns:a="http://schemas.openxmlformats.org/drawingml/2006/main" xmlns:r="http://schemas.openxmlformats.org/officeDocument/2006/relationships" xmlns:p="http://schemas.openxmlformats.org/presentationml/2006/main" type="obj" preserve="1">
-  <p:cSld name="Title and Content">
-    <p:spTree>
-      <p:nvGrpSpPr>
-        <p:cNvPr id="1" name=""/>
-        <p:cNvGrpSpPr/>
-        <p:nvPr/>
-      </p:nvGrpSpPr>
-      <p:grpSpPr>
-        <a:xfrm>
-          <a:off x="0" y="0"/>
-          <a:ext cx="0" cy="0"/>
-          <a:chOff x="0" y="0"/>
-          <a:chExt cx="0" cy="0"/>
-        </a:xfrm>
-      </p:grpSpPr>
-      <p:sp>
-        <p:nvSpPr>
-          <p:cNvPr id="2" name="Title 1"/>
-          <p:cNvSpPr>
-            <a:spLocks noGrp="1"/>
-          </p:cNvSpPr>
-          <p:nvPr>
-            <p:ph type="title"/>
-          </p:nvPr>
-        </p:nvSpPr>
-        <p:spPr/>
-        <p:txBody>
-          <a:bodyPr/>
-          <a:lstStyle/>
-          <a:p>
-            <a:r>
-              <a:rPr lang="en-US"/>
-              <a:t>Click to edit Master title style</a:t>
-            </a:r>
-            <a:endParaRPr lang="en-US" dirty="0"/>
-          </a:p>
-        </p:txBody>
-      </p:sp>
-      <p:sp>
-        <p:nvSpPr>
-          <p:cNvPr id="3" name="Content Placeholder 2"/>
-          <p:cNvSpPr>
-            <a:spLocks noGrp="1"/>
-          </p:cNvSpPr>
-          <p:nvPr>
-            <p:ph idx="1"/>
-          </p:nvPr>
-        </p:nvSpPr>
-        <p:spPr/>
-        <p:txBody>
-          <a:bodyPr/>
-          <a:lstStyle/>
-          <a:p>
-            <a:pPr lvl="0"/>
-            <a:r>
-              <a:rPr lang="en-US"/>
-              <a:t>Click to edit Master text styles</a:t>
-            </a:r>
-          </a:p>
-          <a:p>
-            <a:pPr lvl="1"/>
-            <a:r>
-              <a:rPr lang="en-US"/>
-              <a:t>Second level</a:t>
-            </a:r>
-          </a:p>
-          <a:p>
-            <a:pPr lvl="2"/>
-            <a:r>
-              <a:rPr lang="en-US"/>
-              <a:t>Third level</a:t>
-            </a:r>
-          </a:p>
-          <a:p>
-            <a:pPr lvl="3"/>
-            <a:r>
-              <a:rPr lang="en-US"/>
-              <a:t>Fourth level</a:t>
-            </a:r>
-          </a:p>
-          <a:p>
-            <a:pPr lvl="4"/>
-            <a:r>
-              <a:rPr lang="en-US"/>
-              <a:t>Fifth level</a:t>
-            </a:r>
-            <a:endParaRPr lang="en-US" dirty="0"/>
-          </a:p>
-        </p:txBody>
-      </p:sp>
-      <p:sp>
-        <p:nvSpPr>
-          <p:cNvPr id="4" name="Date Placeholder 3"/>
-          <p:cNvSpPr>
-            <a:spLocks noGrp="1"/>
-          </p:cNvSpPr>
-          <p:nvPr>
-            <p:ph type="dt" sz="half" idx="10"/>
-          </p:nvPr>
-        </p:nvSpPr>
-        <p:spPr/>
-        <p:txBody>
-          <a:bodyPr/>
-          <a:lstStyle/>
-          <a:p>
-            <a:fld id="{3670AB43-4AB1-4719-A1BC-54CEDAA9A926}" type="datetimeFigureOut">
-              <a:rPr lang="en-US" smtClean="0"/>
-              <a:t>4/13/2020</a:t>
-            </a:fld>
-            <a:endParaRPr lang="en-US"/>
-          </a:p>
-        </p:txBody>
-      </p:sp>
-      <p:sp>
-        <p:nvSpPr>
-          <p:cNvPr id="5" name="Footer Placeholder 4"/>
-          <p:cNvSpPr>
-            <a:spLocks noGrp="1"/>
-          </p:cNvSpPr>
-          <p:nvPr>
-            <p:ph type="ftr" sz="quarter" idx="11"/>
-          </p:nvPr>
-        </p:nvSpPr>
-        <p:spPr/>
-        <p:txBody>
-          <a:bodyPr/>
-          <a:lstStyle/>
-          <a:p>
-            <a:endParaRPr lang="en-US"/>
-          </a:p>
-        </p:txBody>
-      </p:sp>
-      <p:sp>
-        <p:nvSpPr>
-          <p:cNvPr id="6" name="Slide Number Placeholder 5"/>
-          <p:cNvSpPr>
-            <a:spLocks noGrp="1"/>
-          </p:cNvSpPr>
-          <p:nvPr>
-            <p:ph type="sldNum" sz="quarter" idx="12"/>
-          </p:nvPr>
-        </p:nvSpPr>
-        <p:spPr/>
-        <p:txBody>
-          <a:bodyPr/>
-          <a:lstStyle/>
-          <a:p>
-            <a:fld id="{39790E93-DECC-4E3E-8905-F9B97D82F520}" type="slidenum">
-              <a:rPr lang="en-US" smtClean="0"/>
-              <a:t>‹#›</a:t>
-            </a:fld>
-            <a:endParaRPr lang="en-US"/>
-          </a:p>
-        </p:txBody>
-      </p:sp>
-    </p:spTree>
-    <p:extLst>
-      <p:ext uri="{BB962C8B-B14F-4D97-AF65-F5344CB8AC3E}">
-        <p14:creationId xmlns:p14="http://schemas.microsoft.com/office/powerpoint/2010/main" val="2031753825"/>
-      </p:ext>
-    </p:extLst>
-  </p:cSld>
-  <p:clrMapOvr>
-    <a:masterClrMapping/>
-  </p:clrMapOvr>
-</p:sldLayout>
-</file>
-
-<file path=ppt/slideLayouts/slideLayout14.xml><?xml version="1.0" encoding="utf-8"?>
-<p:sldLayout xmlns:a="http://schemas.openxmlformats.org/drawingml/2006/main" xmlns:r="http://schemas.openxmlformats.org/officeDocument/2006/relationships" xmlns:p="http://schemas.openxmlformats.org/presentationml/2006/main" type="secHead" preserve="1">
-  <p:cSld name="Section Header">
-    <p:spTree>
-      <p:nvGrpSpPr>
-        <p:cNvPr id="1" name=""/>
-        <p:cNvGrpSpPr/>
-        <p:nvPr/>
-      </p:nvGrpSpPr>
-      <p:grpSpPr>
-        <a:xfrm>
-          <a:off x="0" y="0"/>
-          <a:ext cx="0" cy="0"/>
-          <a:chOff x="0" y="0"/>
-          <a:chExt cx="0" cy="0"/>
-        </a:xfrm>
-      </p:grpSpPr>
-      <p:sp>
-        <p:nvSpPr>
-          <p:cNvPr id="2" name="Title 1"/>
-          <p:cNvSpPr>
-            <a:spLocks noGrp="1"/>
-          </p:cNvSpPr>
-          <p:nvPr>
-            <p:ph type="title"/>
-          </p:nvPr>
-        </p:nvSpPr>
-        <p:spPr>
-          <a:xfrm>
-            <a:off x="831850" y="1709738"/>
-            <a:ext cx="10515600" cy="2852737"/>
-          </a:xfrm>
-        </p:spPr>
-        <p:txBody>
-          <a:bodyPr anchor="b"/>
-          <a:lstStyle>
-            <a:lvl1pPr>
-              <a:defRPr sz="6000"/>
-            </a:lvl1pPr>
-          </a:lstStyle>
-          <a:p>
-            <a:r>
-              <a:rPr lang="en-US"/>
-              <a:t>Click to edit Master title style</a:t>
-            </a:r>
-            <a:endParaRPr lang="en-US" dirty="0"/>
-          </a:p>
-        </p:txBody>
-      </p:sp>
-      <p:sp>
-        <p:nvSpPr>
-          <p:cNvPr id="3" name="Text Placeholder 2"/>
-          <p:cNvSpPr>
-            <a:spLocks noGrp="1"/>
-          </p:cNvSpPr>
-          <p:nvPr>
-            <p:ph type="body" idx="1"/>
-          </p:nvPr>
-        </p:nvSpPr>
-        <p:spPr>
-          <a:xfrm>
-            <a:off x="831850" y="4589463"/>
-            <a:ext cx="10515600" cy="1500187"/>
-          </a:xfrm>
-        </p:spPr>
-        <p:txBody>
-          <a:bodyPr/>
-          <a:lstStyle>
-            <a:lvl1pPr marL="0" indent="0">
-              <a:buNone/>
-              <a:defRPr sz="2400">
-                <a:solidFill>
-                  <a:schemeClr val="tx1">
-                    <a:tint val="75000"/>
-                  </a:schemeClr>
-                </a:solidFill>
-              </a:defRPr>
-            </a:lvl1pPr>
-            <a:lvl2pPr marL="457200" indent="0">
-              <a:buNone/>
-              <a:defRPr sz="2000">
-                <a:solidFill>
-                  <a:schemeClr val="tx1">
-                    <a:tint val="75000"/>
-                  </a:schemeClr>
-                </a:solidFill>
-              </a:defRPr>
-            </a:lvl2pPr>
-            <a:lvl3pPr marL="914400" indent="0">
-              <a:buNone/>
-              <a:defRPr sz="1800">
-                <a:solidFill>
-                  <a:schemeClr val="tx1">
-                    <a:tint val="75000"/>
-                  </a:schemeClr>
-                </a:solidFill>
-              </a:defRPr>
-            </a:lvl3pPr>
-            <a:lvl4pPr marL="1371600" indent="0">
-              <a:buNone/>
-              <a:defRPr sz="1600">
-                <a:solidFill>
-                  <a:schemeClr val="tx1">
-                    <a:tint val="75000"/>
-                  </a:schemeClr>
-                </a:solidFill>
-              </a:defRPr>
-            </a:lvl4pPr>
-            <a:lvl5pPr marL="1828800" indent="0">
-              <a:buNone/>
-              <a:defRPr sz="1600">
-                <a:solidFill>
-                  <a:schemeClr val="tx1">
-                    <a:tint val="75000"/>
-                  </a:schemeClr>
-                </a:solidFill>
-              </a:defRPr>
-            </a:lvl5pPr>
-            <a:lvl6pPr marL="2286000" indent="0">
-              <a:buNone/>
-              <a:defRPr sz="1600">
-                <a:solidFill>
-                  <a:schemeClr val="tx1">
-                    <a:tint val="75000"/>
-                  </a:schemeClr>
-                </a:solidFill>
-              </a:defRPr>
-            </a:lvl6pPr>
-            <a:lvl7pPr marL="2743200" indent="0">
-              <a:buNone/>
-              <a:defRPr sz="1600">
-                <a:solidFill>
-                  <a:schemeClr val="tx1">
-                    <a:tint val="75000"/>
-                  </a:schemeClr>
-                </a:solidFill>
-              </a:defRPr>
-            </a:lvl7pPr>
-            <a:lvl8pPr marL="3200400" indent="0">
-              <a:buNone/>
-              <a:defRPr sz="1600">
-                <a:solidFill>
-                  <a:schemeClr val="tx1">
-                    <a:tint val="75000"/>
-                  </a:schemeClr>
-                </a:solidFill>
-              </a:defRPr>
-            </a:lvl8pPr>
-            <a:lvl9pPr marL="3657600" indent="0">
-              <a:buNone/>
-              <a:defRPr sz="1600">
-                <a:solidFill>
-                  <a:schemeClr val="tx1">
-                    <a:tint val="75000"/>
-                  </a:schemeClr>
-                </a:solidFill>
-              </a:defRPr>
-            </a:lvl9pPr>
-          </a:lstStyle>
-          <a:p>
-            <a:pPr lvl="0"/>
-            <a:r>
-              <a:rPr lang="en-US"/>
-              <a:t>Click to edit Master text styles</a:t>
-            </a:r>
-          </a:p>
-        </p:txBody>
-      </p:sp>
-      <p:sp>
-        <p:nvSpPr>
-          <p:cNvPr id="4" name="Date Placeholder 3"/>
-          <p:cNvSpPr>
-            <a:spLocks noGrp="1"/>
-          </p:cNvSpPr>
-          <p:nvPr>
-            <p:ph type="dt" sz="half" idx="10"/>
-          </p:nvPr>
-        </p:nvSpPr>
-        <p:spPr/>
-        <p:txBody>
-          <a:bodyPr/>
-          <a:lstStyle/>
-          <a:p>
-            <a:fld id="{3670AB43-4AB1-4719-A1BC-54CEDAA9A926}" type="datetimeFigureOut">
-              <a:rPr lang="en-US" smtClean="0"/>
-              <a:t>4/13/2020</a:t>
-            </a:fld>
-            <a:endParaRPr lang="en-US"/>
-          </a:p>
-        </p:txBody>
-      </p:sp>
-      <p:sp>
-        <p:nvSpPr>
-          <p:cNvPr id="5" name="Footer Placeholder 4"/>
-          <p:cNvSpPr>
-            <a:spLocks noGrp="1"/>
-          </p:cNvSpPr>
-          <p:nvPr>
-            <p:ph type="ftr" sz="quarter" idx="11"/>
-          </p:nvPr>
-        </p:nvSpPr>
-        <p:spPr/>
-        <p:txBody>
-          <a:bodyPr/>
-          <a:lstStyle/>
-          <a:p>
-            <a:endParaRPr lang="en-US"/>
-          </a:p>
-        </p:txBody>
-      </p:sp>
-      <p:sp>
-        <p:nvSpPr>
-          <p:cNvPr id="6" name="Slide Number Placeholder 5"/>
-          <p:cNvSpPr>
-            <a:spLocks noGrp="1"/>
-          </p:cNvSpPr>
-          <p:nvPr>
-            <p:ph type="sldNum" sz="quarter" idx="12"/>
-          </p:nvPr>
-        </p:nvSpPr>
-        <p:spPr/>
-        <p:txBody>
-          <a:bodyPr/>
-          <a:lstStyle/>
-          <a:p>
-            <a:fld id="{39790E93-DECC-4E3E-8905-F9B97D82F520}" type="slidenum">
-              <a:rPr lang="en-US" smtClean="0"/>
-              <a:t>‹#›</a:t>
-            </a:fld>
-            <a:endParaRPr lang="en-US"/>
-          </a:p>
-        </p:txBody>
-      </p:sp>
-    </p:spTree>
-    <p:extLst>
-      <p:ext uri="{BB962C8B-B14F-4D97-AF65-F5344CB8AC3E}">
-        <p14:creationId xmlns:p14="http://schemas.microsoft.com/office/powerpoint/2010/main" val="4143518638"/>
-      </p:ext>
-    </p:extLst>
-  </p:cSld>
-  <p:clrMapOvr>
-    <a:masterClrMapping/>
-  </p:clrMapOvr>
-</p:sldLayout>
-</file>
-
-<file path=ppt/slideLayouts/slideLayout15.xml><?xml version="1.0" encoding="utf-8"?>
-<p:sldLayout xmlns:a="http://schemas.openxmlformats.org/drawingml/2006/main" xmlns:r="http://schemas.openxmlformats.org/officeDocument/2006/relationships" xmlns:p="http://schemas.openxmlformats.org/presentationml/2006/main" type="twoObj" preserve="1">
-  <p:cSld name="Two Content">
-    <p:spTree>
-      <p:nvGrpSpPr>
-        <p:cNvPr id="1" name=""/>
-        <p:cNvGrpSpPr/>
-        <p:nvPr/>
-      </p:nvGrpSpPr>
-      <p:grpSpPr>
-        <a:xfrm>
-          <a:off x="0" y="0"/>
-          <a:ext cx="0" cy="0"/>
-          <a:chOff x="0" y="0"/>
-          <a:chExt cx="0" cy="0"/>
-        </a:xfrm>
-      </p:grpSpPr>
-      <p:sp>
-        <p:nvSpPr>
-          <p:cNvPr id="2" name="Title 1"/>
-          <p:cNvSpPr>
-            <a:spLocks noGrp="1"/>
-          </p:cNvSpPr>
-          <p:nvPr>
-            <p:ph type="title"/>
-          </p:nvPr>
-        </p:nvSpPr>
-        <p:spPr/>
-        <p:txBody>
-          <a:bodyPr/>
-          <a:lstStyle/>
-          <a:p>
-            <a:r>
-              <a:rPr lang="en-US"/>
-              <a:t>Click to edit Master title style</a:t>
-            </a:r>
-            <a:endParaRPr lang="en-US" dirty="0"/>
-          </a:p>
-        </p:txBody>
-      </p:sp>
-      <p:sp>
-        <p:nvSpPr>
-          <p:cNvPr id="3" name="Content Placeholder 2"/>
-          <p:cNvSpPr>
-            <a:spLocks noGrp="1"/>
-          </p:cNvSpPr>
-          <p:nvPr>
-            <p:ph sz="half" idx="1"/>
-          </p:nvPr>
-        </p:nvSpPr>
-        <p:spPr>
-          <a:xfrm>
-            <a:off x="838200" y="1825625"/>
-            <a:ext cx="5181600" cy="4351338"/>
-          </a:xfrm>
-        </p:spPr>
-        <p:txBody>
-          <a:bodyPr/>
-          <a:lstStyle/>
-          <a:p>
-            <a:pPr lvl="0"/>
-            <a:r>
-              <a:rPr lang="en-US"/>
-              <a:t>Click to edit Master text styles</a:t>
-            </a:r>
-          </a:p>
-          <a:p>
-            <a:pPr lvl="1"/>
-            <a:r>
-              <a:rPr lang="en-US"/>
-              <a:t>Second level</a:t>
-            </a:r>
-          </a:p>
-          <a:p>
-            <a:pPr lvl="2"/>
-            <a:r>
-              <a:rPr lang="en-US"/>
-              <a:t>Third level</a:t>
-            </a:r>
-          </a:p>
-          <a:p>
-            <a:pPr lvl="3"/>
-            <a:r>
-              <a:rPr lang="en-US"/>
-              <a:t>Fourth level</a:t>
-            </a:r>
-          </a:p>
-          <a:p>
-            <a:pPr lvl="4"/>
-            <a:r>
-              <a:rPr lang="en-US"/>
-              <a:t>Fifth level</a:t>
-            </a:r>
-            <a:endParaRPr lang="en-US" dirty="0"/>
-          </a:p>
-        </p:txBody>
-      </p:sp>
-      <p:sp>
-        <p:nvSpPr>
-          <p:cNvPr id="4" name="Content Placeholder 3"/>
-          <p:cNvSpPr>
-            <a:spLocks noGrp="1"/>
-          </p:cNvSpPr>
-          <p:nvPr>
-            <p:ph sz="half" idx="2"/>
-          </p:nvPr>
-        </p:nvSpPr>
-        <p:spPr>
-          <a:xfrm>
-            <a:off x="6172200" y="1825625"/>
-            <a:ext cx="5181600" cy="4351338"/>
-          </a:xfrm>
-        </p:spPr>
-        <p:txBody>
-          <a:bodyPr/>
-          <a:lstStyle/>
-          <a:p>
-            <a:pPr lvl="0"/>
-            <a:r>
-              <a:rPr lang="en-US"/>
-              <a:t>Click to edit Master text styles</a:t>
-            </a:r>
-          </a:p>
-          <a:p>
-            <a:pPr lvl="1"/>
-            <a:r>
-              <a:rPr lang="en-US"/>
-              <a:t>Second level</a:t>
-            </a:r>
-          </a:p>
-          <a:p>
-            <a:pPr lvl="2"/>
-            <a:r>
-              <a:rPr lang="en-US"/>
-              <a:t>Third level</a:t>
-            </a:r>
-          </a:p>
-          <a:p>
-            <a:pPr lvl="3"/>
-            <a:r>
-              <a:rPr lang="en-US"/>
-              <a:t>Fourth level</a:t>
-            </a:r>
-          </a:p>
-          <a:p>
-            <a:pPr lvl="4"/>
-            <a:r>
-              <a:rPr lang="en-US"/>
-              <a:t>Fifth level</a:t>
-            </a:r>
-            <a:endParaRPr lang="en-US" dirty="0"/>
-          </a:p>
-        </p:txBody>
-      </p:sp>
-      <p:sp>
-        <p:nvSpPr>
-          <p:cNvPr id="5" name="Date Placeholder 4"/>
-          <p:cNvSpPr>
-            <a:spLocks noGrp="1"/>
-          </p:cNvSpPr>
-          <p:nvPr>
-            <p:ph type="dt" sz="half" idx="10"/>
-          </p:nvPr>
-        </p:nvSpPr>
-        <p:spPr/>
-        <p:txBody>
-          <a:bodyPr/>
-          <a:lstStyle/>
-          <a:p>
-            <a:fld id="{3670AB43-4AB1-4719-A1BC-54CEDAA9A926}" type="datetimeFigureOut">
-              <a:rPr lang="en-US" smtClean="0"/>
-              <a:t>4/13/2020</a:t>
-            </a:fld>
-            <a:endParaRPr lang="en-US"/>
-          </a:p>
-        </p:txBody>
-      </p:sp>
-      <p:sp>
-        <p:nvSpPr>
-          <p:cNvPr id="6" name="Footer Placeholder 5"/>
-          <p:cNvSpPr>
-            <a:spLocks noGrp="1"/>
-          </p:cNvSpPr>
-          <p:nvPr>
-            <p:ph type="ftr" sz="quarter" idx="11"/>
-          </p:nvPr>
-        </p:nvSpPr>
-        <p:spPr/>
-        <p:txBody>
-          <a:bodyPr/>
-          <a:lstStyle/>
-          <a:p>
-            <a:endParaRPr lang="en-US"/>
-          </a:p>
-        </p:txBody>
-      </p:sp>
-      <p:sp>
-        <p:nvSpPr>
-          <p:cNvPr id="7" name="Slide Number Placeholder 6"/>
-          <p:cNvSpPr>
-            <a:spLocks noGrp="1"/>
-          </p:cNvSpPr>
-          <p:nvPr>
-            <p:ph type="sldNum" sz="quarter" idx="12"/>
-          </p:nvPr>
-        </p:nvSpPr>
-        <p:spPr/>
-        <p:txBody>
-          <a:bodyPr/>
-          <a:lstStyle/>
-          <a:p>
-            <a:fld id="{39790E93-DECC-4E3E-8905-F9B97D82F520}" type="slidenum">
-              <a:rPr lang="en-US" smtClean="0"/>
-              <a:t>‹#›</a:t>
-            </a:fld>
-            <a:endParaRPr lang="en-US"/>
-          </a:p>
-        </p:txBody>
-      </p:sp>
-    </p:spTree>
-    <p:extLst>
-      <p:ext uri="{BB962C8B-B14F-4D97-AF65-F5344CB8AC3E}">
-        <p14:creationId xmlns:p14="http://schemas.microsoft.com/office/powerpoint/2010/main" val="2042861387"/>
-      </p:ext>
-    </p:extLst>
-  </p:cSld>
-  <p:clrMapOvr>
-    <a:masterClrMapping/>
-  </p:clrMapOvr>
-</p:sldLayout>
-</file>
-
-<file path=ppt/slideLayouts/slideLayout16.xml><?xml version="1.0" encoding="utf-8"?>
-<p:sldLayout xmlns:a="http://schemas.openxmlformats.org/drawingml/2006/main" xmlns:r="http://schemas.openxmlformats.org/officeDocument/2006/relationships" xmlns:p="http://schemas.openxmlformats.org/presentationml/2006/main" type="twoTxTwoObj" preserve="1">
-  <p:cSld name="Comparison">
-    <p:spTree>
-      <p:nvGrpSpPr>
-        <p:cNvPr id="1" name=""/>
-        <p:cNvGrpSpPr/>
-        <p:nvPr/>
-      </p:nvGrpSpPr>
-      <p:grpSpPr>
-        <a:xfrm>
-          <a:off x="0" y="0"/>
-          <a:ext cx="0" cy="0"/>
-          <a:chOff x="0" y="0"/>
-          <a:chExt cx="0" cy="0"/>
-        </a:xfrm>
-      </p:grpSpPr>
-      <p:sp>
-        <p:nvSpPr>
-          <p:cNvPr id="2" name="Title 1"/>
-          <p:cNvSpPr>
-            <a:spLocks noGrp="1"/>
-          </p:cNvSpPr>
-          <p:nvPr>
-            <p:ph type="title"/>
-          </p:nvPr>
-        </p:nvSpPr>
-        <p:spPr>
-          <a:xfrm>
-            <a:off x="839788" y="365125"/>
-            <a:ext cx="10515600" cy="1325563"/>
-          </a:xfrm>
-        </p:spPr>
-        <p:txBody>
-          <a:bodyPr/>
-          <a:lstStyle/>
-          <a:p>
-            <a:r>
-              <a:rPr lang="en-US"/>
-              <a:t>Click to edit Master title style</a:t>
-            </a:r>
-            <a:endParaRPr lang="en-US" dirty="0"/>
-          </a:p>
-        </p:txBody>
-      </p:sp>
-      <p:sp>
-        <p:nvSpPr>
-          <p:cNvPr id="3" name="Text Placeholder 2"/>
-          <p:cNvSpPr>
-            <a:spLocks noGrp="1"/>
-          </p:cNvSpPr>
-          <p:nvPr>
-            <p:ph type="body" idx="1"/>
-          </p:nvPr>
-        </p:nvSpPr>
-        <p:spPr>
-          <a:xfrm>
-            <a:off x="839788" y="1681163"/>
-            <a:ext cx="5157787" cy="823912"/>
-          </a:xfrm>
-        </p:spPr>
-        <p:txBody>
-          <a:bodyPr anchor="b"/>
-          <a:lstStyle>
-            <a:lvl1pPr marL="0" indent="0">
-              <a:buNone/>
-              <a:defRPr sz="2400" b="1"/>
-            </a:lvl1pPr>
-            <a:lvl2pPr marL="457200" indent="0">
-              <a:buNone/>
-              <a:defRPr sz="2000" b="1"/>
-            </a:lvl2pPr>
-            <a:lvl3pPr marL="914400" indent="0">
-              <a:buNone/>
-              <a:defRPr sz="1800" b="1"/>
-            </a:lvl3pPr>
-            <a:lvl4pPr marL="1371600" indent="0">
-              <a:buNone/>
-              <a:defRPr sz="1600" b="1"/>
-            </a:lvl4pPr>
-            <a:lvl5pPr marL="1828800" indent="0">
-              <a:buNone/>
-              <a:defRPr sz="1600" b="1"/>
-            </a:lvl5pPr>
-            <a:lvl6pPr marL="2286000" indent="0">
-              <a:buNone/>
-              <a:defRPr sz="1600" b="1"/>
-            </a:lvl6pPr>
-            <a:lvl7pPr marL="2743200" indent="0">
-              <a:buNone/>
-              <a:defRPr sz="1600" b="1"/>
-            </a:lvl7pPr>
-            <a:lvl8pPr marL="3200400" indent="0">
-              <a:buNone/>
-              <a:defRPr sz="1600" b="1"/>
-            </a:lvl8pPr>
-            <a:lvl9pPr marL="3657600" indent="0">
-              <a:buNone/>
-              <a:defRPr sz="1600" b="1"/>
-            </a:lvl9pPr>
-          </a:lstStyle>
-          <a:p>
-            <a:pPr lvl="0"/>
-            <a:r>
-              <a:rPr lang="en-US"/>
-              <a:t>Click to edit Master text styles</a:t>
-            </a:r>
-          </a:p>
-        </p:txBody>
-      </p:sp>
-      <p:sp>
-        <p:nvSpPr>
-          <p:cNvPr id="4" name="Content Placeholder 3"/>
-          <p:cNvSpPr>
-            <a:spLocks noGrp="1"/>
-          </p:cNvSpPr>
-          <p:nvPr>
-            <p:ph sz="half" idx="2"/>
-          </p:nvPr>
-        </p:nvSpPr>
-        <p:spPr>
-          <a:xfrm>
-            <a:off x="839788" y="2505075"/>
-            <a:ext cx="5157787" cy="3684588"/>
-          </a:xfrm>
-        </p:spPr>
-        <p:txBody>
-          <a:bodyPr/>
-          <a:lstStyle/>
-          <a:p>
-            <a:pPr lvl="0"/>
-            <a:r>
-              <a:rPr lang="en-US"/>
-              <a:t>Click to edit Master text styles</a:t>
-            </a:r>
-          </a:p>
-          <a:p>
-            <a:pPr lvl="1"/>
-            <a:r>
-              <a:rPr lang="en-US"/>
-              <a:t>Second level</a:t>
-            </a:r>
-          </a:p>
-          <a:p>
-            <a:pPr lvl="2"/>
-            <a:r>
-              <a:rPr lang="en-US"/>
-              <a:t>Third level</a:t>
-            </a:r>
-          </a:p>
-          <a:p>
-            <a:pPr lvl="3"/>
-            <a:r>
-              <a:rPr lang="en-US"/>
-              <a:t>Fourth level</a:t>
-            </a:r>
-          </a:p>
-          <a:p>
-            <a:pPr lvl="4"/>
-            <a:r>
-              <a:rPr lang="en-US"/>
-              <a:t>Fifth level</a:t>
-            </a:r>
-            <a:endParaRPr lang="en-US" dirty="0"/>
-          </a:p>
-        </p:txBody>
-      </p:sp>
-      <p:sp>
-        <p:nvSpPr>
-          <p:cNvPr id="5" name="Text Placeholder 4"/>
-          <p:cNvSpPr>
-            <a:spLocks noGrp="1"/>
-          </p:cNvSpPr>
-          <p:nvPr>
-            <p:ph type="body" sz="quarter" idx="3"/>
-          </p:nvPr>
-        </p:nvSpPr>
-        <p:spPr>
-          <a:xfrm>
-            <a:off x="6172200" y="1681163"/>
-            <a:ext cx="5183188" cy="823912"/>
-          </a:xfrm>
-        </p:spPr>
-        <p:txBody>
-          <a:bodyPr anchor="b"/>
-          <a:lstStyle>
-            <a:lvl1pPr marL="0" indent="0">
-              <a:buNone/>
-              <a:defRPr sz="2400" b="1"/>
-            </a:lvl1pPr>
-            <a:lvl2pPr marL="457200" indent="0">
-              <a:buNone/>
-              <a:defRPr sz="2000" b="1"/>
-            </a:lvl2pPr>
-            <a:lvl3pPr marL="914400" indent="0">
-              <a:buNone/>
-              <a:defRPr sz="1800" b="1"/>
-            </a:lvl3pPr>
-            <a:lvl4pPr marL="1371600" indent="0">
-              <a:buNone/>
-              <a:defRPr sz="1600" b="1"/>
-            </a:lvl4pPr>
-            <a:lvl5pPr marL="1828800" indent="0">
-              <a:buNone/>
-              <a:defRPr sz="1600" b="1"/>
-            </a:lvl5pPr>
-            <a:lvl6pPr marL="2286000" indent="0">
-              <a:buNone/>
-              <a:defRPr sz="1600" b="1"/>
-            </a:lvl6pPr>
-            <a:lvl7pPr marL="2743200" indent="0">
-              <a:buNone/>
-              <a:defRPr sz="1600" b="1"/>
-            </a:lvl7pPr>
-            <a:lvl8pPr marL="3200400" indent="0">
-              <a:buNone/>
-              <a:defRPr sz="1600" b="1"/>
-            </a:lvl8pPr>
-            <a:lvl9pPr marL="3657600" indent="0">
-              <a:buNone/>
-              <a:defRPr sz="1600" b="1"/>
-            </a:lvl9pPr>
-          </a:lstStyle>
-          <a:p>
-            <a:pPr lvl="0"/>
-            <a:r>
-              <a:rPr lang="en-US"/>
-              <a:t>Click to edit Master text styles</a:t>
-            </a:r>
-          </a:p>
-        </p:txBody>
-      </p:sp>
-      <p:sp>
-        <p:nvSpPr>
-          <p:cNvPr id="6" name="Content Placeholder 5"/>
-          <p:cNvSpPr>
-            <a:spLocks noGrp="1"/>
-          </p:cNvSpPr>
-          <p:nvPr>
-            <p:ph sz="quarter" idx="4"/>
-          </p:nvPr>
-        </p:nvSpPr>
-        <p:spPr>
-          <a:xfrm>
-            <a:off x="6172200" y="2505075"/>
-            <a:ext cx="5183188" cy="3684588"/>
-          </a:xfrm>
-        </p:spPr>
-        <p:txBody>
-          <a:bodyPr/>
-          <a:lstStyle/>
-          <a:p>
-            <a:pPr lvl="0"/>
-            <a:r>
-              <a:rPr lang="en-US"/>
-              <a:t>Click to edit Master text styles</a:t>
-            </a:r>
-          </a:p>
-          <a:p>
-            <a:pPr lvl="1"/>
-            <a:r>
-              <a:rPr lang="en-US"/>
-              <a:t>Second level</a:t>
-            </a:r>
-          </a:p>
-          <a:p>
-            <a:pPr lvl="2"/>
-            <a:r>
-              <a:rPr lang="en-US"/>
-              <a:t>Third level</a:t>
-            </a:r>
-          </a:p>
-          <a:p>
-            <a:pPr lvl="3"/>
-            <a:r>
-              <a:rPr lang="en-US"/>
-              <a:t>Fourth level</a:t>
-            </a:r>
-          </a:p>
-          <a:p>
-            <a:pPr lvl="4"/>
-            <a:r>
-              <a:rPr lang="en-US"/>
-              <a:t>Fifth level</a:t>
-            </a:r>
-            <a:endParaRPr lang="en-US" dirty="0"/>
-          </a:p>
-        </p:txBody>
-      </p:sp>
-      <p:sp>
-        <p:nvSpPr>
-          <p:cNvPr id="7" name="Date Placeholder 6"/>
-          <p:cNvSpPr>
-            <a:spLocks noGrp="1"/>
-          </p:cNvSpPr>
-          <p:nvPr>
-            <p:ph type="dt" sz="half" idx="10"/>
-          </p:nvPr>
-        </p:nvSpPr>
-        <p:spPr/>
-        <p:txBody>
-          <a:bodyPr/>
-          <a:lstStyle/>
-          <a:p>
-            <a:fld id="{3670AB43-4AB1-4719-A1BC-54CEDAA9A926}" type="datetimeFigureOut">
-              <a:rPr lang="en-US" smtClean="0"/>
-              <a:t>4/13/2020</a:t>
-            </a:fld>
-            <a:endParaRPr lang="en-US"/>
-          </a:p>
-        </p:txBody>
-      </p:sp>
-      <p:sp>
-        <p:nvSpPr>
-          <p:cNvPr id="8" name="Footer Placeholder 7"/>
-          <p:cNvSpPr>
-            <a:spLocks noGrp="1"/>
-          </p:cNvSpPr>
-          <p:nvPr>
-            <p:ph type="ftr" sz="quarter" idx="11"/>
-          </p:nvPr>
-        </p:nvSpPr>
-        <p:spPr/>
-        <p:txBody>
-          <a:bodyPr/>
-          <a:lstStyle/>
-          <a:p>
-            <a:endParaRPr lang="en-US"/>
-          </a:p>
-        </p:txBody>
-      </p:sp>
-      <p:sp>
-        <p:nvSpPr>
-          <p:cNvPr id="9" name="Slide Number Placeholder 8"/>
-          <p:cNvSpPr>
-            <a:spLocks noGrp="1"/>
-          </p:cNvSpPr>
-          <p:nvPr>
-            <p:ph type="sldNum" sz="quarter" idx="12"/>
-          </p:nvPr>
-        </p:nvSpPr>
-        <p:spPr/>
-        <p:txBody>
-          <a:bodyPr/>
-          <a:lstStyle/>
-          <a:p>
-            <a:fld id="{39790E93-DECC-4E3E-8905-F9B97D82F520}" type="slidenum">
-              <a:rPr lang="en-US" smtClean="0"/>
-              <a:t>‹#›</a:t>
-            </a:fld>
-            <a:endParaRPr lang="en-US"/>
-          </a:p>
-        </p:txBody>
-      </p:sp>
-    </p:spTree>
-    <p:extLst>
-      <p:ext uri="{BB962C8B-B14F-4D97-AF65-F5344CB8AC3E}">
-        <p14:creationId xmlns:p14="http://schemas.microsoft.com/office/powerpoint/2010/main" val="2492250421"/>
-      </p:ext>
-    </p:extLst>
-  </p:cSld>
-  <p:clrMapOvr>
-    <a:masterClrMapping/>
-  </p:clrMapOvr>
-</p:sldLayout>
-</file>
-
-<file path=ppt/slideLayouts/slideLayout17.xml><?xml version="1.0" encoding="utf-8"?>
-<p:sldLayout xmlns:a="http://schemas.openxmlformats.org/drawingml/2006/main" xmlns:r="http://schemas.openxmlformats.org/officeDocument/2006/relationships" xmlns:p="http://schemas.openxmlformats.org/presentationml/2006/main" type="titleOnly" preserve="1">
-  <p:cSld name="Title Only">
-    <p:spTree>
-      <p:nvGrpSpPr>
-        <p:cNvPr id="1" name=""/>
-        <p:cNvGrpSpPr/>
-        <p:nvPr/>
-      </p:nvGrpSpPr>
-      <p:grpSpPr>
-        <a:xfrm>
-          <a:off x="0" y="0"/>
-          <a:ext cx="0" cy="0"/>
-          <a:chOff x="0" y="0"/>
-          <a:chExt cx="0" cy="0"/>
-        </a:xfrm>
-      </p:grpSpPr>
-      <p:sp>
-        <p:nvSpPr>
-          <p:cNvPr id="2" name="Title 1"/>
-          <p:cNvSpPr>
-            <a:spLocks noGrp="1"/>
-          </p:cNvSpPr>
-          <p:nvPr>
-            <p:ph type="title"/>
-          </p:nvPr>
-        </p:nvSpPr>
-        <p:spPr/>
-        <p:txBody>
-          <a:bodyPr/>
-          <a:lstStyle/>
-          <a:p>
-            <a:r>
-              <a:rPr lang="en-US"/>
-              <a:t>Click to edit Master title style</a:t>
-            </a:r>
-            <a:endParaRPr lang="en-US" dirty="0"/>
-          </a:p>
-        </p:txBody>
-      </p:sp>
-      <p:sp>
-        <p:nvSpPr>
-          <p:cNvPr id="3" name="Date Placeholder 2"/>
-          <p:cNvSpPr>
-            <a:spLocks noGrp="1"/>
-          </p:cNvSpPr>
-          <p:nvPr>
-            <p:ph type="dt" sz="half" idx="10"/>
-          </p:nvPr>
-        </p:nvSpPr>
-        <p:spPr/>
-        <p:txBody>
-          <a:bodyPr/>
-          <a:lstStyle/>
-          <a:p>
-            <a:fld id="{3670AB43-4AB1-4719-A1BC-54CEDAA9A926}" type="datetimeFigureOut">
-              <a:rPr lang="en-US" smtClean="0"/>
-              <a:t>4/13/2020</a:t>
-            </a:fld>
-            <a:endParaRPr lang="en-US"/>
-          </a:p>
-        </p:txBody>
-      </p:sp>
-      <p:sp>
-        <p:nvSpPr>
-          <p:cNvPr id="4" name="Footer Placeholder 3"/>
-          <p:cNvSpPr>
-            <a:spLocks noGrp="1"/>
-          </p:cNvSpPr>
-          <p:nvPr>
-            <p:ph type="ftr" sz="quarter" idx="11"/>
-          </p:nvPr>
-        </p:nvSpPr>
-        <p:spPr/>
-        <p:txBody>
-          <a:bodyPr/>
-          <a:lstStyle/>
-          <a:p>
-            <a:endParaRPr lang="en-US"/>
-          </a:p>
-        </p:txBody>
-      </p:sp>
-      <p:sp>
-        <p:nvSpPr>
-          <p:cNvPr id="5" name="Slide Number Placeholder 4"/>
-          <p:cNvSpPr>
-            <a:spLocks noGrp="1"/>
-          </p:cNvSpPr>
-          <p:nvPr>
-            <p:ph type="sldNum" sz="quarter" idx="12"/>
-          </p:nvPr>
-        </p:nvSpPr>
-        <p:spPr/>
-        <p:txBody>
-          <a:bodyPr/>
-          <a:lstStyle/>
-          <a:p>
-            <a:fld id="{39790E93-DECC-4E3E-8905-F9B97D82F520}" type="slidenum">
-              <a:rPr lang="en-US" smtClean="0"/>
-              <a:t>‹#›</a:t>
-            </a:fld>
-            <a:endParaRPr lang="en-US"/>
-          </a:p>
-        </p:txBody>
-      </p:sp>
-    </p:spTree>
-    <p:extLst>
-      <p:ext uri="{BB962C8B-B14F-4D97-AF65-F5344CB8AC3E}">
-        <p14:creationId xmlns:p14="http://schemas.microsoft.com/office/powerpoint/2010/main" val="2618735307"/>
-      </p:ext>
-    </p:extLst>
-  </p:cSld>
-  <p:clrMapOvr>
-    <a:masterClrMapping/>
-  </p:clrMapOvr>
-</p:sldLayout>
-</file>
-
-<file path=ppt/slideLayouts/slideLayout18.xml><?xml version="1.0" encoding="utf-8"?>
-<p:sldLayout xmlns:a="http://schemas.openxmlformats.org/drawingml/2006/main" xmlns:r="http://schemas.openxmlformats.org/officeDocument/2006/relationships" xmlns:p="http://schemas.openxmlformats.org/presentationml/2006/main" type="blank" preserve="1">
-  <p:cSld name="Blank">
-    <p:spTree>
-      <p:nvGrpSpPr>
-        <p:cNvPr id="1" name=""/>
-        <p:cNvGrpSpPr/>
-        <p:nvPr/>
-      </p:nvGrpSpPr>
-      <p:grpSpPr>
-        <a:xfrm>
-          <a:off x="0" y="0"/>
-          <a:ext cx="0" cy="0"/>
-          <a:chOff x="0" y="0"/>
-          <a:chExt cx="0" cy="0"/>
-        </a:xfrm>
-      </p:grpSpPr>
-      <p:sp>
-        <p:nvSpPr>
-          <p:cNvPr id="2" name="Date Placeholder 1"/>
-          <p:cNvSpPr>
-            <a:spLocks noGrp="1"/>
-          </p:cNvSpPr>
-          <p:nvPr>
-            <p:ph type="dt" sz="half" idx="10"/>
-          </p:nvPr>
-        </p:nvSpPr>
-        <p:spPr/>
-        <p:txBody>
-          <a:bodyPr/>
-          <a:lstStyle/>
-          <a:p>
-            <a:fld id="{3670AB43-4AB1-4719-A1BC-54CEDAA9A926}" type="datetimeFigureOut">
-              <a:rPr lang="en-US" smtClean="0"/>
-              <a:t>4/13/2020</a:t>
-            </a:fld>
-            <a:endParaRPr lang="en-US"/>
-          </a:p>
-        </p:txBody>
-      </p:sp>
-      <p:sp>
-        <p:nvSpPr>
-          <p:cNvPr id="3" name="Footer Placeholder 2"/>
-          <p:cNvSpPr>
-            <a:spLocks noGrp="1"/>
-          </p:cNvSpPr>
-          <p:nvPr>
-            <p:ph type="ftr" sz="quarter" idx="11"/>
-          </p:nvPr>
-        </p:nvSpPr>
-        <p:spPr/>
-        <p:txBody>
-          <a:bodyPr/>
-          <a:lstStyle/>
-          <a:p>
-            <a:endParaRPr lang="en-US"/>
-          </a:p>
-        </p:txBody>
-      </p:sp>
-      <p:sp>
-        <p:nvSpPr>
-          <p:cNvPr id="4" name="Slide Number Placeholder 3"/>
-          <p:cNvSpPr>
-            <a:spLocks noGrp="1"/>
-          </p:cNvSpPr>
-          <p:nvPr>
-            <p:ph type="sldNum" sz="quarter" idx="12"/>
-          </p:nvPr>
-        </p:nvSpPr>
-        <p:spPr/>
-        <p:txBody>
-          <a:bodyPr/>
-          <a:lstStyle/>
-          <a:p>
-            <a:fld id="{39790E93-DECC-4E3E-8905-F9B97D82F520}" type="slidenum">
-              <a:rPr lang="en-US" smtClean="0"/>
-              <a:t>‹#›</a:t>
-            </a:fld>
-            <a:endParaRPr lang="en-US"/>
-          </a:p>
-        </p:txBody>
-      </p:sp>
-    </p:spTree>
-    <p:extLst>
-      <p:ext uri="{BB962C8B-B14F-4D97-AF65-F5344CB8AC3E}">
-        <p14:creationId xmlns:p14="http://schemas.microsoft.com/office/powerpoint/2010/main" val="2106340676"/>
-      </p:ext>
-    </p:extLst>
-  </p:cSld>
-  <p:clrMapOvr>
-    <a:masterClrMapping/>
-  </p:clrMapOvr>
-</p:sldLayout>
-</file>
-
-<file path=ppt/slideLayouts/slideLayout19.xml><?xml version="1.0" encoding="utf-8"?>
-<p:sldLayout xmlns:a="http://schemas.openxmlformats.org/drawingml/2006/main" xmlns:r="http://schemas.openxmlformats.org/officeDocument/2006/relationships" xmlns:p="http://schemas.openxmlformats.org/presentationml/2006/main" type="objTx" preserve="1">
-  <p:cSld name="Content with Caption">
-    <p:spTree>
-      <p:nvGrpSpPr>
-        <p:cNvPr id="1" name=""/>
-        <p:cNvGrpSpPr/>
-        <p:nvPr/>
-      </p:nvGrpSpPr>
-      <p:grpSpPr>
-        <a:xfrm>
-          <a:off x="0" y="0"/>
-          <a:ext cx="0" cy="0"/>
-          <a:chOff x="0" y="0"/>
-          <a:chExt cx="0" cy="0"/>
-        </a:xfrm>
-      </p:grpSpPr>
-      <p:sp>
-        <p:nvSpPr>
-          <p:cNvPr id="2" name="Title 1"/>
-          <p:cNvSpPr>
-            <a:spLocks noGrp="1"/>
-          </p:cNvSpPr>
-          <p:nvPr>
-            <p:ph type="title"/>
-          </p:nvPr>
-        </p:nvSpPr>
-        <p:spPr>
-          <a:xfrm>
-            <a:off x="839788" y="457200"/>
-            <a:ext cx="3932237" cy="1600200"/>
-          </a:xfrm>
-        </p:spPr>
-        <p:txBody>
-          <a:bodyPr anchor="b"/>
-          <a:lstStyle>
-            <a:lvl1pPr>
-              <a:defRPr sz="3200"/>
-            </a:lvl1pPr>
-          </a:lstStyle>
-          <a:p>
-            <a:r>
-              <a:rPr lang="en-US"/>
-              <a:t>Click to edit Master title style</a:t>
-            </a:r>
-            <a:endParaRPr lang="en-US" dirty="0"/>
-          </a:p>
-        </p:txBody>
-      </p:sp>
-      <p:sp>
-        <p:nvSpPr>
-          <p:cNvPr id="3" name="Content Placeholder 2"/>
-          <p:cNvSpPr>
-            <a:spLocks noGrp="1"/>
-          </p:cNvSpPr>
-          <p:nvPr>
-            <p:ph idx="1"/>
-          </p:nvPr>
-        </p:nvSpPr>
-        <p:spPr>
-          <a:xfrm>
-            <a:off x="5183188" y="987425"/>
-            <a:ext cx="6172200" cy="4873625"/>
-          </a:xfrm>
-        </p:spPr>
-        <p:txBody>
-          <a:bodyPr/>
-          <a:lstStyle>
-            <a:lvl1pPr>
-              <a:defRPr sz="3200"/>
-            </a:lvl1pPr>
-            <a:lvl2pPr>
-              <a:defRPr sz="2800"/>
-            </a:lvl2pPr>
-            <a:lvl3pPr>
-              <a:defRPr sz="2400"/>
-            </a:lvl3pPr>
-            <a:lvl4pPr>
-              <a:defRPr sz="2000"/>
-            </a:lvl4pPr>
-            <a:lvl5pPr>
-              <a:defRPr sz="2000"/>
-            </a:lvl5pPr>
-            <a:lvl6pPr>
-              <a:defRPr sz="2000"/>
-            </a:lvl6pPr>
-            <a:lvl7pPr>
-              <a:defRPr sz="2000"/>
-            </a:lvl7pPr>
-            <a:lvl8pPr>
-              <a:defRPr sz="2000"/>
-            </a:lvl8pPr>
-            <a:lvl9pPr>
-              <a:defRPr sz="2000"/>
-            </a:lvl9pPr>
-          </a:lstStyle>
-          <a:p>
-            <a:pPr lvl="0"/>
-            <a:r>
-              <a:rPr lang="en-US"/>
-              <a:t>Click to edit Master text styles</a:t>
-            </a:r>
-          </a:p>
-          <a:p>
-            <a:pPr lvl="1"/>
-            <a:r>
-              <a:rPr lang="en-US"/>
-              <a:t>Second level</a:t>
-            </a:r>
-          </a:p>
-          <a:p>
-            <a:pPr lvl="2"/>
-            <a:r>
-              <a:rPr lang="en-US"/>
-              <a:t>Third level</a:t>
-            </a:r>
-          </a:p>
-          <a:p>
-            <a:pPr lvl="3"/>
-            <a:r>
-              <a:rPr lang="en-US"/>
-              <a:t>Fourth level</a:t>
-            </a:r>
-          </a:p>
-          <a:p>
-            <a:pPr lvl="4"/>
-            <a:r>
-              <a:rPr lang="en-US"/>
-              <a:t>Fifth level</a:t>
-            </a:r>
-            <a:endParaRPr lang="en-US" dirty="0"/>
-          </a:p>
-        </p:txBody>
-      </p:sp>
-      <p:sp>
-        <p:nvSpPr>
-          <p:cNvPr id="4" name="Text Placeholder 3"/>
-          <p:cNvSpPr>
-            <a:spLocks noGrp="1"/>
-          </p:cNvSpPr>
-          <p:nvPr>
-            <p:ph type="body" sz="half" idx="2"/>
-          </p:nvPr>
-        </p:nvSpPr>
-        <p:spPr>
-          <a:xfrm>
-            <a:off x="839788" y="2057400"/>
-            <a:ext cx="3932237" cy="3811588"/>
-          </a:xfrm>
-        </p:spPr>
-        <p:txBody>
-          <a:bodyPr/>
-          <a:lstStyle>
-            <a:lvl1pPr marL="0" indent="0">
-              <a:buNone/>
-              <a:defRPr sz="1600"/>
-            </a:lvl1pPr>
-            <a:lvl2pPr marL="457200" indent="0">
-              <a:buNone/>
-              <a:defRPr sz="1400"/>
-            </a:lvl2pPr>
-            <a:lvl3pPr marL="914400" indent="0">
-              <a:buNone/>
-              <a:defRPr sz="1200"/>
-            </a:lvl3pPr>
-            <a:lvl4pPr marL="1371600" indent="0">
-              <a:buNone/>
-              <a:defRPr sz="1000"/>
-            </a:lvl4pPr>
-            <a:lvl5pPr marL="1828800" indent="0">
-              <a:buNone/>
-              <a:defRPr sz="1000"/>
-            </a:lvl5pPr>
-            <a:lvl6pPr marL="2286000" indent="0">
-              <a:buNone/>
-              <a:defRPr sz="1000"/>
-            </a:lvl6pPr>
-            <a:lvl7pPr marL="2743200" indent="0">
-              <a:buNone/>
-              <a:defRPr sz="1000"/>
-            </a:lvl7pPr>
-            <a:lvl8pPr marL="3200400" indent="0">
-              <a:buNone/>
-              <a:defRPr sz="1000"/>
-            </a:lvl8pPr>
-            <a:lvl9pPr marL="3657600" indent="0">
-              <a:buNone/>
-              <a:defRPr sz="1000"/>
-            </a:lvl9pPr>
-          </a:lstStyle>
-          <a:p>
-            <a:pPr lvl="0"/>
-            <a:r>
-              <a:rPr lang="en-US"/>
-              <a:t>Click to edit Master text styles</a:t>
-            </a:r>
-          </a:p>
-        </p:txBody>
-      </p:sp>
-      <p:sp>
-        <p:nvSpPr>
-          <p:cNvPr id="5" name="Date Placeholder 4"/>
-          <p:cNvSpPr>
-            <a:spLocks noGrp="1"/>
-          </p:cNvSpPr>
-          <p:nvPr>
-            <p:ph type="dt" sz="half" idx="10"/>
-          </p:nvPr>
-        </p:nvSpPr>
-        <p:spPr/>
-        <p:txBody>
-          <a:bodyPr/>
-          <a:lstStyle/>
-          <a:p>
-            <a:fld id="{3670AB43-4AB1-4719-A1BC-54CEDAA9A926}" type="datetimeFigureOut">
-              <a:rPr lang="en-US" smtClean="0"/>
-              <a:t>4/13/2020</a:t>
-            </a:fld>
-            <a:endParaRPr lang="en-US"/>
-          </a:p>
-        </p:txBody>
-      </p:sp>
-      <p:sp>
-        <p:nvSpPr>
-          <p:cNvPr id="6" name="Footer Placeholder 5"/>
-          <p:cNvSpPr>
-            <a:spLocks noGrp="1"/>
-          </p:cNvSpPr>
-          <p:nvPr>
-            <p:ph type="ftr" sz="quarter" idx="11"/>
-          </p:nvPr>
-        </p:nvSpPr>
-        <p:spPr/>
-        <p:txBody>
-          <a:bodyPr/>
-          <a:lstStyle/>
-          <a:p>
-            <a:endParaRPr lang="en-US"/>
-          </a:p>
-        </p:txBody>
-      </p:sp>
-      <p:sp>
-        <p:nvSpPr>
-          <p:cNvPr id="7" name="Slide Number Placeholder 6"/>
-          <p:cNvSpPr>
-            <a:spLocks noGrp="1"/>
-          </p:cNvSpPr>
-          <p:nvPr>
-            <p:ph type="sldNum" sz="quarter" idx="12"/>
-          </p:nvPr>
-        </p:nvSpPr>
-        <p:spPr/>
-        <p:txBody>
-          <a:bodyPr/>
-          <a:lstStyle/>
-          <a:p>
-            <a:fld id="{39790E93-DECC-4E3E-8905-F9B97D82F520}" type="slidenum">
-              <a:rPr lang="en-US" smtClean="0"/>
-              <a:t>‹#›</a:t>
-            </a:fld>
-            <a:endParaRPr lang="en-US"/>
-          </a:p>
-        </p:txBody>
-      </p:sp>
-    </p:spTree>
-    <p:extLst>
-      <p:ext uri="{BB962C8B-B14F-4D97-AF65-F5344CB8AC3E}">
-        <p14:creationId xmlns:p14="http://schemas.microsoft.com/office/powerpoint/2010/main" val="477762796"/>
       </p:ext>
     </p:extLst>
   </p:cSld>
@@ -6302,7 +4627,7 @@
           <a:p>
             <a:fld id="{3670AB43-4AB1-4719-A1BC-54CEDAA9A926}" type="datetimeFigureOut">
               <a:rPr lang="en-US" smtClean="0"/>
-              <a:t>4/13/2020</a:t>
+              <a:t>4/14/2020</a:t>
             </a:fld>
             <a:endParaRPr lang="en-US"/>
           </a:p>
@@ -6395,613 +4720,6 @@
     <p:extLst>
       <p:ext uri="{BB962C8B-B14F-4D97-AF65-F5344CB8AC3E}">
         <p14:creationId xmlns:p14="http://schemas.microsoft.com/office/powerpoint/2010/main" val="1432112414"/>
-      </p:ext>
-    </p:extLst>
-  </p:cSld>
-  <p:clrMapOvr>
-    <a:masterClrMapping/>
-  </p:clrMapOvr>
-</p:sldLayout>
-</file>
-
-<file path=ppt/slideLayouts/slideLayout20.xml><?xml version="1.0" encoding="utf-8"?>
-<p:sldLayout xmlns:a="http://schemas.openxmlformats.org/drawingml/2006/main" xmlns:r="http://schemas.openxmlformats.org/officeDocument/2006/relationships" xmlns:p="http://schemas.openxmlformats.org/presentationml/2006/main" type="picTx" preserve="1">
-  <p:cSld name="Picture with Caption">
-    <p:spTree>
-      <p:nvGrpSpPr>
-        <p:cNvPr id="1" name=""/>
-        <p:cNvGrpSpPr/>
-        <p:nvPr/>
-      </p:nvGrpSpPr>
-      <p:grpSpPr>
-        <a:xfrm>
-          <a:off x="0" y="0"/>
-          <a:ext cx="0" cy="0"/>
-          <a:chOff x="0" y="0"/>
-          <a:chExt cx="0" cy="0"/>
-        </a:xfrm>
-      </p:grpSpPr>
-      <p:sp>
-        <p:nvSpPr>
-          <p:cNvPr id="2" name="Title 1"/>
-          <p:cNvSpPr>
-            <a:spLocks noGrp="1"/>
-          </p:cNvSpPr>
-          <p:nvPr>
-            <p:ph type="title"/>
-          </p:nvPr>
-        </p:nvSpPr>
-        <p:spPr>
-          <a:xfrm>
-            <a:off x="839788" y="457200"/>
-            <a:ext cx="3932237" cy="1600200"/>
-          </a:xfrm>
-        </p:spPr>
-        <p:txBody>
-          <a:bodyPr anchor="b"/>
-          <a:lstStyle>
-            <a:lvl1pPr>
-              <a:defRPr sz="3200"/>
-            </a:lvl1pPr>
-          </a:lstStyle>
-          <a:p>
-            <a:r>
-              <a:rPr lang="en-US"/>
-              <a:t>Click to edit Master title style</a:t>
-            </a:r>
-            <a:endParaRPr lang="en-US" dirty="0"/>
-          </a:p>
-        </p:txBody>
-      </p:sp>
-      <p:sp>
-        <p:nvSpPr>
-          <p:cNvPr id="3" name="Picture Placeholder 2"/>
-          <p:cNvSpPr>
-            <a:spLocks noGrp="1" noChangeAspect="1"/>
-          </p:cNvSpPr>
-          <p:nvPr>
-            <p:ph type="pic" idx="1"/>
-          </p:nvPr>
-        </p:nvSpPr>
-        <p:spPr>
-          <a:xfrm>
-            <a:off x="5183188" y="987425"/>
-            <a:ext cx="6172200" cy="4873625"/>
-          </a:xfrm>
-        </p:spPr>
-        <p:txBody>
-          <a:bodyPr anchor="t"/>
-          <a:lstStyle>
-            <a:lvl1pPr marL="0" indent="0">
-              <a:buNone/>
-              <a:defRPr sz="3200"/>
-            </a:lvl1pPr>
-            <a:lvl2pPr marL="457200" indent="0">
-              <a:buNone/>
-              <a:defRPr sz="2800"/>
-            </a:lvl2pPr>
-            <a:lvl3pPr marL="914400" indent="0">
-              <a:buNone/>
-              <a:defRPr sz="2400"/>
-            </a:lvl3pPr>
-            <a:lvl4pPr marL="1371600" indent="0">
-              <a:buNone/>
-              <a:defRPr sz="2000"/>
-            </a:lvl4pPr>
-            <a:lvl5pPr marL="1828800" indent="0">
-              <a:buNone/>
-              <a:defRPr sz="2000"/>
-            </a:lvl5pPr>
-            <a:lvl6pPr marL="2286000" indent="0">
-              <a:buNone/>
-              <a:defRPr sz="2000"/>
-            </a:lvl6pPr>
-            <a:lvl7pPr marL="2743200" indent="0">
-              <a:buNone/>
-              <a:defRPr sz="2000"/>
-            </a:lvl7pPr>
-            <a:lvl8pPr marL="3200400" indent="0">
-              <a:buNone/>
-              <a:defRPr sz="2000"/>
-            </a:lvl8pPr>
-            <a:lvl9pPr marL="3657600" indent="0">
-              <a:buNone/>
-              <a:defRPr sz="2000"/>
-            </a:lvl9pPr>
-          </a:lstStyle>
-          <a:p>
-            <a:r>
-              <a:rPr lang="en-US"/>
-              <a:t>Click icon to add picture</a:t>
-            </a:r>
-            <a:endParaRPr lang="en-US" dirty="0"/>
-          </a:p>
-        </p:txBody>
-      </p:sp>
-      <p:sp>
-        <p:nvSpPr>
-          <p:cNvPr id="4" name="Text Placeholder 3"/>
-          <p:cNvSpPr>
-            <a:spLocks noGrp="1"/>
-          </p:cNvSpPr>
-          <p:nvPr>
-            <p:ph type="body" sz="half" idx="2"/>
-          </p:nvPr>
-        </p:nvSpPr>
-        <p:spPr>
-          <a:xfrm>
-            <a:off x="839788" y="2057400"/>
-            <a:ext cx="3932237" cy="3811588"/>
-          </a:xfrm>
-        </p:spPr>
-        <p:txBody>
-          <a:bodyPr/>
-          <a:lstStyle>
-            <a:lvl1pPr marL="0" indent="0">
-              <a:buNone/>
-              <a:defRPr sz="1600"/>
-            </a:lvl1pPr>
-            <a:lvl2pPr marL="457200" indent="0">
-              <a:buNone/>
-              <a:defRPr sz="1400"/>
-            </a:lvl2pPr>
-            <a:lvl3pPr marL="914400" indent="0">
-              <a:buNone/>
-              <a:defRPr sz="1200"/>
-            </a:lvl3pPr>
-            <a:lvl4pPr marL="1371600" indent="0">
-              <a:buNone/>
-              <a:defRPr sz="1000"/>
-            </a:lvl4pPr>
-            <a:lvl5pPr marL="1828800" indent="0">
-              <a:buNone/>
-              <a:defRPr sz="1000"/>
-            </a:lvl5pPr>
-            <a:lvl6pPr marL="2286000" indent="0">
-              <a:buNone/>
-              <a:defRPr sz="1000"/>
-            </a:lvl6pPr>
-            <a:lvl7pPr marL="2743200" indent="0">
-              <a:buNone/>
-              <a:defRPr sz="1000"/>
-            </a:lvl7pPr>
-            <a:lvl8pPr marL="3200400" indent="0">
-              <a:buNone/>
-              <a:defRPr sz="1000"/>
-            </a:lvl8pPr>
-            <a:lvl9pPr marL="3657600" indent="0">
-              <a:buNone/>
-              <a:defRPr sz="1000"/>
-            </a:lvl9pPr>
-          </a:lstStyle>
-          <a:p>
-            <a:pPr lvl="0"/>
-            <a:r>
-              <a:rPr lang="en-US"/>
-              <a:t>Click to edit Master text styles</a:t>
-            </a:r>
-          </a:p>
-        </p:txBody>
-      </p:sp>
-      <p:sp>
-        <p:nvSpPr>
-          <p:cNvPr id="5" name="Date Placeholder 4"/>
-          <p:cNvSpPr>
-            <a:spLocks noGrp="1"/>
-          </p:cNvSpPr>
-          <p:nvPr>
-            <p:ph type="dt" sz="half" idx="10"/>
-          </p:nvPr>
-        </p:nvSpPr>
-        <p:spPr/>
-        <p:txBody>
-          <a:bodyPr/>
-          <a:lstStyle/>
-          <a:p>
-            <a:fld id="{3670AB43-4AB1-4719-A1BC-54CEDAA9A926}" type="datetimeFigureOut">
-              <a:rPr lang="en-US" smtClean="0"/>
-              <a:t>4/13/2020</a:t>
-            </a:fld>
-            <a:endParaRPr lang="en-US"/>
-          </a:p>
-        </p:txBody>
-      </p:sp>
-      <p:sp>
-        <p:nvSpPr>
-          <p:cNvPr id="6" name="Footer Placeholder 5"/>
-          <p:cNvSpPr>
-            <a:spLocks noGrp="1"/>
-          </p:cNvSpPr>
-          <p:nvPr>
-            <p:ph type="ftr" sz="quarter" idx="11"/>
-          </p:nvPr>
-        </p:nvSpPr>
-        <p:spPr/>
-        <p:txBody>
-          <a:bodyPr/>
-          <a:lstStyle/>
-          <a:p>
-            <a:endParaRPr lang="en-US"/>
-          </a:p>
-        </p:txBody>
-      </p:sp>
-      <p:sp>
-        <p:nvSpPr>
-          <p:cNvPr id="7" name="Slide Number Placeholder 6"/>
-          <p:cNvSpPr>
-            <a:spLocks noGrp="1"/>
-          </p:cNvSpPr>
-          <p:nvPr>
-            <p:ph type="sldNum" sz="quarter" idx="12"/>
-          </p:nvPr>
-        </p:nvSpPr>
-        <p:spPr/>
-        <p:txBody>
-          <a:bodyPr/>
-          <a:lstStyle/>
-          <a:p>
-            <a:fld id="{39790E93-DECC-4E3E-8905-F9B97D82F520}" type="slidenum">
-              <a:rPr lang="en-US" smtClean="0"/>
-              <a:t>‹#›</a:t>
-            </a:fld>
-            <a:endParaRPr lang="en-US"/>
-          </a:p>
-        </p:txBody>
-      </p:sp>
-    </p:spTree>
-    <p:extLst>
-      <p:ext uri="{BB962C8B-B14F-4D97-AF65-F5344CB8AC3E}">
-        <p14:creationId xmlns:p14="http://schemas.microsoft.com/office/powerpoint/2010/main" val="2790732854"/>
-      </p:ext>
-    </p:extLst>
-  </p:cSld>
-  <p:clrMapOvr>
-    <a:masterClrMapping/>
-  </p:clrMapOvr>
-</p:sldLayout>
-</file>
-
-<file path=ppt/slideLayouts/slideLayout21.xml><?xml version="1.0" encoding="utf-8"?>
-<p:sldLayout xmlns:a="http://schemas.openxmlformats.org/drawingml/2006/main" xmlns:r="http://schemas.openxmlformats.org/officeDocument/2006/relationships" xmlns:p="http://schemas.openxmlformats.org/presentationml/2006/main" type="vertTx" preserve="1">
-  <p:cSld name="Title and Vertical Text">
-    <p:spTree>
-      <p:nvGrpSpPr>
-        <p:cNvPr id="1" name=""/>
-        <p:cNvGrpSpPr/>
-        <p:nvPr/>
-      </p:nvGrpSpPr>
-      <p:grpSpPr>
-        <a:xfrm>
-          <a:off x="0" y="0"/>
-          <a:ext cx="0" cy="0"/>
-          <a:chOff x="0" y="0"/>
-          <a:chExt cx="0" cy="0"/>
-        </a:xfrm>
-      </p:grpSpPr>
-      <p:sp>
-        <p:nvSpPr>
-          <p:cNvPr id="2" name="Title 1"/>
-          <p:cNvSpPr>
-            <a:spLocks noGrp="1"/>
-          </p:cNvSpPr>
-          <p:nvPr>
-            <p:ph type="title"/>
-          </p:nvPr>
-        </p:nvSpPr>
-        <p:spPr/>
-        <p:txBody>
-          <a:bodyPr/>
-          <a:lstStyle/>
-          <a:p>
-            <a:r>
-              <a:rPr lang="en-US"/>
-              <a:t>Click to edit Master title style</a:t>
-            </a:r>
-            <a:endParaRPr lang="en-US" dirty="0"/>
-          </a:p>
-        </p:txBody>
-      </p:sp>
-      <p:sp>
-        <p:nvSpPr>
-          <p:cNvPr id="3" name="Vertical Text Placeholder 2"/>
-          <p:cNvSpPr>
-            <a:spLocks noGrp="1"/>
-          </p:cNvSpPr>
-          <p:nvPr>
-            <p:ph type="body" orient="vert" idx="1"/>
-          </p:nvPr>
-        </p:nvSpPr>
-        <p:spPr/>
-        <p:txBody>
-          <a:bodyPr vert="eaVert"/>
-          <a:lstStyle/>
-          <a:p>
-            <a:pPr lvl="0"/>
-            <a:r>
-              <a:rPr lang="en-US"/>
-              <a:t>Click to edit Master text styles</a:t>
-            </a:r>
-          </a:p>
-          <a:p>
-            <a:pPr lvl="1"/>
-            <a:r>
-              <a:rPr lang="en-US"/>
-              <a:t>Second level</a:t>
-            </a:r>
-          </a:p>
-          <a:p>
-            <a:pPr lvl="2"/>
-            <a:r>
-              <a:rPr lang="en-US"/>
-              <a:t>Third level</a:t>
-            </a:r>
-          </a:p>
-          <a:p>
-            <a:pPr lvl="3"/>
-            <a:r>
-              <a:rPr lang="en-US"/>
-              <a:t>Fourth level</a:t>
-            </a:r>
-          </a:p>
-          <a:p>
-            <a:pPr lvl="4"/>
-            <a:r>
-              <a:rPr lang="en-US"/>
-              <a:t>Fifth level</a:t>
-            </a:r>
-            <a:endParaRPr lang="en-US" dirty="0"/>
-          </a:p>
-        </p:txBody>
-      </p:sp>
-      <p:sp>
-        <p:nvSpPr>
-          <p:cNvPr id="4" name="Date Placeholder 3"/>
-          <p:cNvSpPr>
-            <a:spLocks noGrp="1"/>
-          </p:cNvSpPr>
-          <p:nvPr>
-            <p:ph type="dt" sz="half" idx="10"/>
-          </p:nvPr>
-        </p:nvSpPr>
-        <p:spPr/>
-        <p:txBody>
-          <a:bodyPr/>
-          <a:lstStyle/>
-          <a:p>
-            <a:fld id="{3670AB43-4AB1-4719-A1BC-54CEDAA9A926}" type="datetimeFigureOut">
-              <a:rPr lang="en-US" smtClean="0"/>
-              <a:t>4/13/2020</a:t>
-            </a:fld>
-            <a:endParaRPr lang="en-US"/>
-          </a:p>
-        </p:txBody>
-      </p:sp>
-      <p:sp>
-        <p:nvSpPr>
-          <p:cNvPr id="5" name="Footer Placeholder 4"/>
-          <p:cNvSpPr>
-            <a:spLocks noGrp="1"/>
-          </p:cNvSpPr>
-          <p:nvPr>
-            <p:ph type="ftr" sz="quarter" idx="11"/>
-          </p:nvPr>
-        </p:nvSpPr>
-        <p:spPr/>
-        <p:txBody>
-          <a:bodyPr/>
-          <a:lstStyle/>
-          <a:p>
-            <a:endParaRPr lang="en-US"/>
-          </a:p>
-        </p:txBody>
-      </p:sp>
-      <p:sp>
-        <p:nvSpPr>
-          <p:cNvPr id="6" name="Slide Number Placeholder 5"/>
-          <p:cNvSpPr>
-            <a:spLocks noGrp="1"/>
-          </p:cNvSpPr>
-          <p:nvPr>
-            <p:ph type="sldNum" sz="quarter" idx="12"/>
-          </p:nvPr>
-        </p:nvSpPr>
-        <p:spPr/>
-        <p:txBody>
-          <a:bodyPr/>
-          <a:lstStyle/>
-          <a:p>
-            <a:fld id="{39790E93-DECC-4E3E-8905-F9B97D82F520}" type="slidenum">
-              <a:rPr lang="en-US" smtClean="0"/>
-              <a:t>‹#›</a:t>
-            </a:fld>
-            <a:endParaRPr lang="en-US"/>
-          </a:p>
-        </p:txBody>
-      </p:sp>
-    </p:spTree>
-    <p:extLst>
-      <p:ext uri="{BB962C8B-B14F-4D97-AF65-F5344CB8AC3E}">
-        <p14:creationId xmlns:p14="http://schemas.microsoft.com/office/powerpoint/2010/main" val="685735414"/>
-      </p:ext>
-    </p:extLst>
-  </p:cSld>
-  <p:clrMapOvr>
-    <a:masterClrMapping/>
-  </p:clrMapOvr>
-</p:sldLayout>
-</file>
-
-<file path=ppt/slideLayouts/slideLayout22.xml><?xml version="1.0" encoding="utf-8"?>
-<p:sldLayout xmlns:a="http://schemas.openxmlformats.org/drawingml/2006/main" xmlns:r="http://schemas.openxmlformats.org/officeDocument/2006/relationships" xmlns:p="http://schemas.openxmlformats.org/presentationml/2006/main" type="vertTitleAndTx" preserve="1">
-  <p:cSld name="Vertical Title and Text">
-    <p:spTree>
-      <p:nvGrpSpPr>
-        <p:cNvPr id="1" name=""/>
-        <p:cNvGrpSpPr/>
-        <p:nvPr/>
-      </p:nvGrpSpPr>
-      <p:grpSpPr>
-        <a:xfrm>
-          <a:off x="0" y="0"/>
-          <a:ext cx="0" cy="0"/>
-          <a:chOff x="0" y="0"/>
-          <a:chExt cx="0" cy="0"/>
-        </a:xfrm>
-      </p:grpSpPr>
-      <p:sp>
-        <p:nvSpPr>
-          <p:cNvPr id="2" name="Vertical Title 1"/>
-          <p:cNvSpPr>
-            <a:spLocks noGrp="1"/>
-          </p:cNvSpPr>
-          <p:nvPr>
-            <p:ph type="title" orient="vert"/>
-          </p:nvPr>
-        </p:nvSpPr>
-        <p:spPr>
-          <a:xfrm>
-            <a:off x="8724900" y="365125"/>
-            <a:ext cx="2628900" cy="5811838"/>
-          </a:xfrm>
-        </p:spPr>
-        <p:txBody>
-          <a:bodyPr vert="eaVert"/>
-          <a:lstStyle/>
-          <a:p>
-            <a:r>
-              <a:rPr lang="en-US"/>
-              <a:t>Click to edit Master title style</a:t>
-            </a:r>
-            <a:endParaRPr lang="en-US" dirty="0"/>
-          </a:p>
-        </p:txBody>
-      </p:sp>
-      <p:sp>
-        <p:nvSpPr>
-          <p:cNvPr id="3" name="Vertical Text Placeholder 2"/>
-          <p:cNvSpPr>
-            <a:spLocks noGrp="1"/>
-          </p:cNvSpPr>
-          <p:nvPr>
-            <p:ph type="body" orient="vert" idx="1"/>
-          </p:nvPr>
-        </p:nvSpPr>
-        <p:spPr>
-          <a:xfrm>
-            <a:off x="838200" y="365125"/>
-            <a:ext cx="7734300" cy="5811838"/>
-          </a:xfrm>
-        </p:spPr>
-        <p:txBody>
-          <a:bodyPr vert="eaVert"/>
-          <a:lstStyle/>
-          <a:p>
-            <a:pPr lvl="0"/>
-            <a:r>
-              <a:rPr lang="en-US"/>
-              <a:t>Click to edit Master text styles</a:t>
-            </a:r>
-          </a:p>
-          <a:p>
-            <a:pPr lvl="1"/>
-            <a:r>
-              <a:rPr lang="en-US"/>
-              <a:t>Second level</a:t>
-            </a:r>
-          </a:p>
-          <a:p>
-            <a:pPr lvl="2"/>
-            <a:r>
-              <a:rPr lang="en-US"/>
-              <a:t>Third level</a:t>
-            </a:r>
-          </a:p>
-          <a:p>
-            <a:pPr lvl="3"/>
-            <a:r>
-              <a:rPr lang="en-US"/>
-              <a:t>Fourth level</a:t>
-            </a:r>
-          </a:p>
-          <a:p>
-            <a:pPr lvl="4"/>
-            <a:r>
-              <a:rPr lang="en-US"/>
-              <a:t>Fifth level</a:t>
-            </a:r>
-            <a:endParaRPr lang="en-US" dirty="0"/>
-          </a:p>
-        </p:txBody>
-      </p:sp>
-      <p:sp>
-        <p:nvSpPr>
-          <p:cNvPr id="4" name="Date Placeholder 3"/>
-          <p:cNvSpPr>
-            <a:spLocks noGrp="1"/>
-          </p:cNvSpPr>
-          <p:nvPr>
-            <p:ph type="dt" sz="half" idx="10"/>
-          </p:nvPr>
-        </p:nvSpPr>
-        <p:spPr/>
-        <p:txBody>
-          <a:bodyPr/>
-          <a:lstStyle/>
-          <a:p>
-            <a:fld id="{3670AB43-4AB1-4719-A1BC-54CEDAA9A926}" type="datetimeFigureOut">
-              <a:rPr lang="en-US" smtClean="0"/>
-              <a:t>4/13/2020</a:t>
-            </a:fld>
-            <a:endParaRPr lang="en-US"/>
-          </a:p>
-        </p:txBody>
-      </p:sp>
-      <p:sp>
-        <p:nvSpPr>
-          <p:cNvPr id="5" name="Footer Placeholder 4"/>
-          <p:cNvSpPr>
-            <a:spLocks noGrp="1"/>
-          </p:cNvSpPr>
-          <p:nvPr>
-            <p:ph type="ftr" sz="quarter" idx="11"/>
-          </p:nvPr>
-        </p:nvSpPr>
-        <p:spPr/>
-        <p:txBody>
-          <a:bodyPr/>
-          <a:lstStyle/>
-          <a:p>
-            <a:endParaRPr lang="en-US"/>
-          </a:p>
-        </p:txBody>
-      </p:sp>
-      <p:sp>
-        <p:nvSpPr>
-          <p:cNvPr id="6" name="Slide Number Placeholder 5"/>
-          <p:cNvSpPr>
-            <a:spLocks noGrp="1"/>
-          </p:cNvSpPr>
-          <p:nvPr>
-            <p:ph type="sldNum" sz="quarter" idx="12"/>
-          </p:nvPr>
-        </p:nvSpPr>
-        <p:spPr/>
-        <p:txBody>
-          <a:bodyPr/>
-          <a:lstStyle/>
-          <a:p>
-            <a:fld id="{39790E93-DECC-4E3E-8905-F9B97D82F520}" type="slidenum">
-              <a:rPr lang="en-US" smtClean="0"/>
-              <a:t>‹#›</a:t>
-            </a:fld>
-            <a:endParaRPr lang="en-US"/>
-          </a:p>
-        </p:txBody>
-      </p:sp>
-    </p:spTree>
-    <p:extLst>
-      <p:ext uri="{BB962C8B-B14F-4D97-AF65-F5344CB8AC3E}">
-        <p14:creationId xmlns:p14="http://schemas.microsoft.com/office/powerpoint/2010/main" val="2880322014"/>
       </p:ext>
     </p:extLst>
   </p:cSld>
@@ -7317,7 +5035,7 @@
           <a:p>
             <a:fld id="{3670AB43-4AB1-4719-A1BC-54CEDAA9A926}" type="datetimeFigureOut">
               <a:rPr lang="en-US" smtClean="0"/>
-              <a:t>4/13/2020</a:t>
+              <a:t>4/14/2020</a:t>
             </a:fld>
             <a:endParaRPr lang="en-US"/>
           </a:p>
@@ -7632,7 +5350,7 @@
           <a:p>
             <a:fld id="{3670AB43-4AB1-4719-A1BC-54CEDAA9A926}" type="datetimeFigureOut">
               <a:rPr lang="en-US" smtClean="0"/>
-              <a:t>4/13/2020</a:t>
+              <a:t>4/14/2020</a:t>
             </a:fld>
             <a:endParaRPr lang="en-US"/>
           </a:p>
@@ -8177,7 +5895,7 @@
           <a:p>
             <a:fld id="{3670AB43-4AB1-4719-A1BC-54CEDAA9A926}" type="datetimeFigureOut">
               <a:rPr lang="en-US" smtClean="0"/>
-              <a:t>4/13/2020</a:t>
+              <a:t>4/14/2020</a:t>
             </a:fld>
             <a:endParaRPr lang="en-US"/>
           </a:p>
@@ -8373,7 +6091,7 @@
           <a:p>
             <a:fld id="{3670AB43-4AB1-4719-A1BC-54CEDAA9A926}" type="datetimeFigureOut">
               <a:rPr lang="en-US" smtClean="0"/>
-              <a:t>4/13/2020</a:t>
+              <a:t>4/14/2020</a:t>
             </a:fld>
             <a:endParaRPr lang="en-US"/>
           </a:p>
@@ -8587,7 +6305,7 @@
           <a:p>
             <a:fld id="{3670AB43-4AB1-4719-A1BC-54CEDAA9A926}" type="datetimeFigureOut">
               <a:rPr lang="en-US" smtClean="0"/>
-              <a:t>4/13/2020</a:t>
+              <a:t>4/14/2020</a:t>
             </a:fld>
             <a:endParaRPr lang="en-US"/>
           </a:p>
@@ -8957,7 +6675,7 @@
           <a:p>
             <a:fld id="{3670AB43-4AB1-4719-A1BC-54CEDAA9A926}" type="datetimeFigureOut">
               <a:rPr lang="en-US" smtClean="0"/>
-              <a:t>4/13/2020</a:t>
+              <a:t>4/14/2020</a:t>
             </a:fld>
             <a:endParaRPr lang="en-US"/>
           </a:p>
@@ -9361,7 +7079,7 @@
           <a:p>
             <a:fld id="{3670AB43-4AB1-4719-A1BC-54CEDAA9A926}" type="datetimeFigureOut">
               <a:rPr lang="en-US" smtClean="0"/>
-              <a:t>4/13/2020</a:t>
+              <a:t>4/14/2020</a:t>
             </a:fld>
             <a:endParaRPr lang="en-US"/>
           </a:p>
@@ -9673,7 +7391,7 @@
           <a:p>
             <a:fld id="{3670AB43-4AB1-4719-A1BC-54CEDAA9A926}" type="datetimeFigureOut">
               <a:rPr lang="en-US" smtClean="0"/>
-              <a:t>4/13/2020</a:t>
+              <a:t>4/14/2020</a:t>
             </a:fld>
             <a:endParaRPr lang="en-US"/>
           </a:p>
@@ -10172,546 +7890,6 @@
 </p:sldMaster>
 </file>
 
-<file path=ppt/slideMasters/slideMaster2.xml><?xml version="1.0" encoding="utf-8"?>
-<p:sldMaster xmlns:a="http://schemas.openxmlformats.org/drawingml/2006/main" xmlns:r="http://schemas.openxmlformats.org/officeDocument/2006/relationships" xmlns:p="http://schemas.openxmlformats.org/presentationml/2006/main">
-  <p:cSld>
-    <p:bg>
-      <p:bgRef idx="1001">
-        <a:schemeClr val="bg1"/>
-      </p:bgRef>
-    </p:bg>
-    <p:spTree>
-      <p:nvGrpSpPr>
-        <p:cNvPr id="1" name=""/>
-        <p:cNvGrpSpPr/>
-        <p:nvPr/>
-      </p:nvGrpSpPr>
-      <p:grpSpPr>
-        <a:xfrm>
-          <a:off x="0" y="0"/>
-          <a:ext cx="0" cy="0"/>
-          <a:chOff x="0" y="0"/>
-          <a:chExt cx="0" cy="0"/>
-        </a:xfrm>
-      </p:grpSpPr>
-      <p:sp>
-        <p:nvSpPr>
-          <p:cNvPr id="2" name="Title Placeholder 1"/>
-          <p:cNvSpPr>
-            <a:spLocks noGrp="1"/>
-          </p:cNvSpPr>
-          <p:nvPr>
-            <p:ph type="title"/>
-          </p:nvPr>
-        </p:nvSpPr>
-        <p:spPr>
-          <a:xfrm>
-            <a:off x="838200" y="365125"/>
-            <a:ext cx="10515600" cy="1325563"/>
-          </a:xfrm>
-          <a:prstGeom prst="rect">
-            <a:avLst/>
-          </a:prstGeom>
-        </p:spPr>
-        <p:txBody>
-          <a:bodyPr vert="horz" lIns="91440" tIns="45720" rIns="91440" bIns="45720" rtlCol="0" anchor="ctr">
-            <a:normAutofit/>
-          </a:bodyPr>
-          <a:lstStyle/>
-          <a:p>
-            <a:r>
-              <a:rPr lang="en-US"/>
-              <a:t>Click to edit Master title style</a:t>
-            </a:r>
-            <a:endParaRPr lang="en-US" dirty="0"/>
-          </a:p>
-        </p:txBody>
-      </p:sp>
-      <p:sp>
-        <p:nvSpPr>
-          <p:cNvPr id="3" name="Text Placeholder 2"/>
-          <p:cNvSpPr>
-            <a:spLocks noGrp="1"/>
-          </p:cNvSpPr>
-          <p:nvPr>
-            <p:ph type="body" idx="1"/>
-          </p:nvPr>
-        </p:nvSpPr>
-        <p:spPr>
-          <a:xfrm>
-            <a:off x="838200" y="1825625"/>
-            <a:ext cx="10515600" cy="4351338"/>
-          </a:xfrm>
-          <a:prstGeom prst="rect">
-            <a:avLst/>
-          </a:prstGeom>
-        </p:spPr>
-        <p:txBody>
-          <a:bodyPr vert="horz" lIns="91440" tIns="45720" rIns="91440" bIns="45720" rtlCol="0">
-            <a:normAutofit/>
-          </a:bodyPr>
-          <a:lstStyle/>
-          <a:p>
-            <a:pPr lvl="0"/>
-            <a:r>
-              <a:rPr lang="en-US"/>
-              <a:t>Click to edit Master text styles</a:t>
-            </a:r>
-          </a:p>
-          <a:p>
-            <a:pPr lvl="1"/>
-            <a:r>
-              <a:rPr lang="en-US"/>
-              <a:t>Second level</a:t>
-            </a:r>
-          </a:p>
-          <a:p>
-            <a:pPr lvl="2"/>
-            <a:r>
-              <a:rPr lang="en-US"/>
-              <a:t>Third level</a:t>
-            </a:r>
-          </a:p>
-          <a:p>
-            <a:pPr lvl="3"/>
-            <a:r>
-              <a:rPr lang="en-US"/>
-              <a:t>Fourth level</a:t>
-            </a:r>
-          </a:p>
-          <a:p>
-            <a:pPr lvl="4"/>
-            <a:r>
-              <a:rPr lang="en-US"/>
-              <a:t>Fifth level</a:t>
-            </a:r>
-            <a:endParaRPr lang="en-US" dirty="0"/>
-          </a:p>
-        </p:txBody>
-      </p:sp>
-      <p:sp>
-        <p:nvSpPr>
-          <p:cNvPr id="4" name="Date Placeholder 3"/>
-          <p:cNvSpPr>
-            <a:spLocks noGrp="1"/>
-          </p:cNvSpPr>
-          <p:nvPr>
-            <p:ph type="dt" sz="half" idx="2"/>
-          </p:nvPr>
-        </p:nvSpPr>
-        <p:spPr>
-          <a:xfrm>
-            <a:off x="838200" y="6356350"/>
-            <a:ext cx="2743200" cy="365125"/>
-          </a:xfrm>
-          <a:prstGeom prst="rect">
-            <a:avLst/>
-          </a:prstGeom>
-        </p:spPr>
-        <p:txBody>
-          <a:bodyPr vert="horz" lIns="91440" tIns="45720" rIns="91440" bIns="45720" rtlCol="0" anchor="ctr"/>
-          <a:lstStyle>
-            <a:lvl1pPr algn="l">
-              <a:defRPr sz="1200">
-                <a:solidFill>
-                  <a:schemeClr val="tx1">
-                    <a:tint val="75000"/>
-                  </a:schemeClr>
-                </a:solidFill>
-              </a:defRPr>
-            </a:lvl1pPr>
-          </a:lstStyle>
-          <a:p>
-            <a:fld id="{3670AB43-4AB1-4719-A1BC-54CEDAA9A926}" type="datetimeFigureOut">
-              <a:rPr lang="en-US" smtClean="0"/>
-              <a:t>4/13/2020</a:t>
-            </a:fld>
-            <a:endParaRPr lang="en-US"/>
-          </a:p>
-        </p:txBody>
-      </p:sp>
-      <p:sp>
-        <p:nvSpPr>
-          <p:cNvPr id="5" name="Footer Placeholder 4"/>
-          <p:cNvSpPr>
-            <a:spLocks noGrp="1"/>
-          </p:cNvSpPr>
-          <p:nvPr>
-            <p:ph type="ftr" sz="quarter" idx="3"/>
-          </p:nvPr>
-        </p:nvSpPr>
-        <p:spPr>
-          <a:xfrm>
-            <a:off x="4038600" y="6356350"/>
-            <a:ext cx="4114800" cy="365125"/>
-          </a:xfrm>
-          <a:prstGeom prst="rect">
-            <a:avLst/>
-          </a:prstGeom>
-        </p:spPr>
-        <p:txBody>
-          <a:bodyPr vert="horz" lIns="91440" tIns="45720" rIns="91440" bIns="45720" rtlCol="0" anchor="ctr"/>
-          <a:lstStyle>
-            <a:lvl1pPr algn="ctr">
-              <a:defRPr sz="1200">
-                <a:solidFill>
-                  <a:schemeClr val="tx1">
-                    <a:tint val="75000"/>
-                  </a:schemeClr>
-                </a:solidFill>
-              </a:defRPr>
-            </a:lvl1pPr>
-          </a:lstStyle>
-          <a:p>
-            <a:endParaRPr lang="en-US"/>
-          </a:p>
-        </p:txBody>
-      </p:sp>
-      <p:sp>
-        <p:nvSpPr>
-          <p:cNvPr id="6" name="Slide Number Placeholder 5"/>
-          <p:cNvSpPr>
-            <a:spLocks noGrp="1"/>
-          </p:cNvSpPr>
-          <p:nvPr>
-            <p:ph type="sldNum" sz="quarter" idx="4"/>
-          </p:nvPr>
-        </p:nvSpPr>
-        <p:spPr>
-          <a:xfrm>
-            <a:off x="8610600" y="6356350"/>
-            <a:ext cx="2743200" cy="365125"/>
-          </a:xfrm>
-          <a:prstGeom prst="rect">
-            <a:avLst/>
-          </a:prstGeom>
-        </p:spPr>
-        <p:txBody>
-          <a:bodyPr vert="horz" lIns="91440" tIns="45720" rIns="91440" bIns="45720" rtlCol="0" anchor="ctr"/>
-          <a:lstStyle>
-            <a:lvl1pPr algn="r">
-              <a:defRPr sz="1200">
-                <a:solidFill>
-                  <a:schemeClr val="tx1">
-                    <a:tint val="75000"/>
-                  </a:schemeClr>
-                </a:solidFill>
-              </a:defRPr>
-            </a:lvl1pPr>
-          </a:lstStyle>
-          <a:p>
-            <a:fld id="{39790E93-DECC-4E3E-8905-F9B97D82F520}" type="slidenum">
-              <a:rPr lang="en-US" smtClean="0"/>
-              <a:t>‹#›</a:t>
-            </a:fld>
-            <a:endParaRPr lang="en-US"/>
-          </a:p>
-        </p:txBody>
-      </p:sp>
-    </p:spTree>
-    <p:extLst>
-      <p:ext uri="{BB962C8B-B14F-4D97-AF65-F5344CB8AC3E}">
-        <p14:creationId xmlns:p14="http://schemas.microsoft.com/office/powerpoint/2010/main" val="2854839734"/>
-      </p:ext>
-    </p:extLst>
-  </p:cSld>
-  <p:clrMap bg1="dk1" tx1="lt1" bg2="dk2" tx2="lt2" accent1="accent1" accent2="accent2" accent3="accent3" accent4="accent4" accent5="accent5" accent6="accent6" hlink="hlink" folHlink="folHlink"/>
-  <p:sldLayoutIdLst>
-    <p:sldLayoutId id="2147483685" r:id="rId1"/>
-    <p:sldLayoutId id="2147483686" r:id="rId2"/>
-    <p:sldLayoutId id="2147483687" r:id="rId3"/>
-    <p:sldLayoutId id="2147483688" r:id="rId4"/>
-    <p:sldLayoutId id="2147483689" r:id="rId5"/>
-    <p:sldLayoutId id="2147483690" r:id="rId6"/>
-    <p:sldLayoutId id="2147483691" r:id="rId7"/>
-    <p:sldLayoutId id="2147483692" r:id="rId8"/>
-    <p:sldLayoutId id="2147483693" r:id="rId9"/>
-    <p:sldLayoutId id="2147483694" r:id="rId10"/>
-    <p:sldLayoutId id="2147483695" r:id="rId11"/>
-  </p:sldLayoutIdLst>
-  <p:txStyles>
-    <p:titleStyle>
-      <a:lvl1pPr algn="l" defTabSz="914400" rtl="0" eaLnBrk="1" latinLnBrk="0" hangingPunct="1">
-        <a:lnSpc>
-          <a:spcPct val="90000"/>
-        </a:lnSpc>
-        <a:spcBef>
-          <a:spcPct val="0"/>
-        </a:spcBef>
-        <a:buNone/>
-        <a:defRPr sz="4400" kern="1200">
-          <a:solidFill>
-            <a:schemeClr val="tx1"/>
-          </a:solidFill>
-          <a:latin typeface="+mj-lt"/>
-          <a:ea typeface="+mj-ea"/>
-          <a:cs typeface="+mj-cs"/>
-        </a:defRPr>
-      </a:lvl1pPr>
-    </p:titleStyle>
-    <p:bodyStyle>
-      <a:lvl1pPr marL="228600" indent="-228600" algn="l" defTabSz="914400" rtl="0" eaLnBrk="1" latinLnBrk="0" hangingPunct="1">
-        <a:lnSpc>
-          <a:spcPct val="90000"/>
-        </a:lnSpc>
-        <a:spcBef>
-          <a:spcPts val="1000"/>
-        </a:spcBef>
-        <a:buFont typeface="Arial" panose="020B0604020202020204" pitchFamily="34" charset="0"/>
-        <a:buChar char="•"/>
-        <a:defRPr sz="2800" kern="1200">
-          <a:solidFill>
-            <a:schemeClr val="tx1"/>
-          </a:solidFill>
-          <a:latin typeface="+mn-lt"/>
-          <a:ea typeface="+mn-ea"/>
-          <a:cs typeface="+mn-cs"/>
-        </a:defRPr>
-      </a:lvl1pPr>
-      <a:lvl2pPr marL="685800" indent="-228600" algn="l" defTabSz="914400" rtl="0" eaLnBrk="1" latinLnBrk="0" hangingPunct="1">
-        <a:lnSpc>
-          <a:spcPct val="90000"/>
-        </a:lnSpc>
-        <a:spcBef>
-          <a:spcPts val="500"/>
-        </a:spcBef>
-        <a:buFont typeface="Arial" panose="020B0604020202020204" pitchFamily="34" charset="0"/>
-        <a:buChar char="•"/>
-        <a:defRPr sz="2400" kern="1200">
-          <a:solidFill>
-            <a:schemeClr val="tx1"/>
-          </a:solidFill>
-          <a:latin typeface="+mn-lt"/>
-          <a:ea typeface="+mn-ea"/>
-          <a:cs typeface="+mn-cs"/>
-        </a:defRPr>
-      </a:lvl2pPr>
-      <a:lvl3pPr marL="1143000" indent="-228600" algn="l" defTabSz="914400" rtl="0" eaLnBrk="1" latinLnBrk="0" hangingPunct="1">
-        <a:lnSpc>
-          <a:spcPct val="90000"/>
-        </a:lnSpc>
-        <a:spcBef>
-          <a:spcPts val="500"/>
-        </a:spcBef>
-        <a:buFont typeface="Arial" panose="020B0604020202020204" pitchFamily="34" charset="0"/>
-        <a:buChar char="•"/>
-        <a:defRPr sz="2000" kern="1200">
-          <a:solidFill>
-            <a:schemeClr val="tx1"/>
-          </a:solidFill>
-          <a:latin typeface="+mn-lt"/>
-          <a:ea typeface="+mn-ea"/>
-          <a:cs typeface="+mn-cs"/>
-        </a:defRPr>
-      </a:lvl3pPr>
-      <a:lvl4pPr marL="1600200" indent="-228600" algn="l" defTabSz="914400" rtl="0" eaLnBrk="1" latinLnBrk="0" hangingPunct="1">
-        <a:lnSpc>
-          <a:spcPct val="90000"/>
-        </a:lnSpc>
-        <a:spcBef>
-          <a:spcPts val="500"/>
-        </a:spcBef>
-        <a:buFont typeface="Arial" panose="020B0604020202020204" pitchFamily="34" charset="0"/>
-        <a:buChar char="•"/>
-        <a:defRPr sz="1800" kern="1200">
-          <a:solidFill>
-            <a:schemeClr val="tx1"/>
-          </a:solidFill>
-          <a:latin typeface="+mn-lt"/>
-          <a:ea typeface="+mn-ea"/>
-          <a:cs typeface="+mn-cs"/>
-        </a:defRPr>
-      </a:lvl4pPr>
-      <a:lvl5pPr marL="2057400" indent="-228600" algn="l" defTabSz="914400" rtl="0" eaLnBrk="1" latinLnBrk="0" hangingPunct="1">
-        <a:lnSpc>
-          <a:spcPct val="90000"/>
-        </a:lnSpc>
-        <a:spcBef>
-          <a:spcPts val="500"/>
-        </a:spcBef>
-        <a:buFont typeface="Arial" panose="020B0604020202020204" pitchFamily="34" charset="0"/>
-        <a:buChar char="•"/>
-        <a:defRPr sz="1800" kern="1200">
-          <a:solidFill>
-            <a:schemeClr val="tx1"/>
-          </a:solidFill>
-          <a:latin typeface="+mn-lt"/>
-          <a:ea typeface="+mn-ea"/>
-          <a:cs typeface="+mn-cs"/>
-        </a:defRPr>
-      </a:lvl5pPr>
-      <a:lvl6pPr marL="2514600" indent="-228600" algn="l" defTabSz="914400" rtl="0" eaLnBrk="1" latinLnBrk="0" hangingPunct="1">
-        <a:lnSpc>
-          <a:spcPct val="90000"/>
-        </a:lnSpc>
-        <a:spcBef>
-          <a:spcPts val="500"/>
-        </a:spcBef>
-        <a:buFont typeface="Arial" panose="020B0604020202020204" pitchFamily="34" charset="0"/>
-        <a:buChar char="•"/>
-        <a:defRPr sz="1800" kern="1200">
-          <a:solidFill>
-            <a:schemeClr val="tx1"/>
-          </a:solidFill>
-          <a:latin typeface="+mn-lt"/>
-          <a:ea typeface="+mn-ea"/>
-          <a:cs typeface="+mn-cs"/>
-        </a:defRPr>
-      </a:lvl6pPr>
-      <a:lvl7pPr marL="2971800" indent="-228600" algn="l" defTabSz="914400" rtl="0" eaLnBrk="1" latinLnBrk="0" hangingPunct="1">
-        <a:lnSpc>
-          <a:spcPct val="90000"/>
-        </a:lnSpc>
-        <a:spcBef>
-          <a:spcPts val="500"/>
-        </a:spcBef>
-        <a:buFont typeface="Arial" panose="020B0604020202020204" pitchFamily="34" charset="0"/>
-        <a:buChar char="•"/>
-        <a:defRPr sz="1800" kern="1200">
-          <a:solidFill>
-            <a:schemeClr val="tx1"/>
-          </a:solidFill>
-          <a:latin typeface="+mn-lt"/>
-          <a:ea typeface="+mn-ea"/>
-          <a:cs typeface="+mn-cs"/>
-        </a:defRPr>
-      </a:lvl7pPr>
-      <a:lvl8pPr marL="3429000" indent="-228600" algn="l" defTabSz="914400" rtl="0" eaLnBrk="1" latinLnBrk="0" hangingPunct="1">
-        <a:lnSpc>
-          <a:spcPct val="90000"/>
-        </a:lnSpc>
-        <a:spcBef>
-          <a:spcPts val="500"/>
-        </a:spcBef>
-        <a:buFont typeface="Arial" panose="020B0604020202020204" pitchFamily="34" charset="0"/>
-        <a:buChar char="•"/>
-        <a:defRPr sz="1800" kern="1200">
-          <a:solidFill>
-            <a:schemeClr val="tx1"/>
-          </a:solidFill>
-          <a:latin typeface="+mn-lt"/>
-          <a:ea typeface="+mn-ea"/>
-          <a:cs typeface="+mn-cs"/>
-        </a:defRPr>
-      </a:lvl8pPr>
-      <a:lvl9pPr marL="3886200" indent="-228600" algn="l" defTabSz="914400" rtl="0" eaLnBrk="1" latinLnBrk="0" hangingPunct="1">
-        <a:lnSpc>
-          <a:spcPct val="90000"/>
-        </a:lnSpc>
-        <a:spcBef>
-          <a:spcPts val="500"/>
-        </a:spcBef>
-        <a:buFont typeface="Arial" panose="020B0604020202020204" pitchFamily="34" charset="0"/>
-        <a:buChar char="•"/>
-        <a:defRPr sz="1800" kern="1200">
-          <a:solidFill>
-            <a:schemeClr val="tx1"/>
-          </a:solidFill>
-          <a:latin typeface="+mn-lt"/>
-          <a:ea typeface="+mn-ea"/>
-          <a:cs typeface="+mn-cs"/>
-        </a:defRPr>
-      </a:lvl9pPr>
-    </p:bodyStyle>
-    <p:otherStyle>
-      <a:defPPr>
-        <a:defRPr lang="en-US"/>
-      </a:defPPr>
-      <a:lvl1pPr marL="0" algn="l" defTabSz="914400" rtl="0" eaLnBrk="1" latinLnBrk="0" hangingPunct="1">
-        <a:defRPr sz="1800" kern="1200">
-          <a:solidFill>
-            <a:schemeClr val="tx1"/>
-          </a:solidFill>
-          <a:latin typeface="+mn-lt"/>
-          <a:ea typeface="+mn-ea"/>
-          <a:cs typeface="+mn-cs"/>
-        </a:defRPr>
-      </a:lvl1pPr>
-      <a:lvl2pPr marL="457200" algn="l" defTabSz="914400" rtl="0" eaLnBrk="1" latinLnBrk="0" hangingPunct="1">
-        <a:defRPr sz="1800" kern="1200">
-          <a:solidFill>
-            <a:schemeClr val="tx1"/>
-          </a:solidFill>
-          <a:latin typeface="+mn-lt"/>
-          <a:ea typeface="+mn-ea"/>
-          <a:cs typeface="+mn-cs"/>
-        </a:defRPr>
-      </a:lvl2pPr>
-      <a:lvl3pPr marL="914400" algn="l" defTabSz="914400" rtl="0" eaLnBrk="1" latinLnBrk="0" hangingPunct="1">
-        <a:defRPr sz="1800" kern="1200">
-          <a:solidFill>
-            <a:schemeClr val="tx1"/>
-          </a:solidFill>
-          <a:latin typeface="+mn-lt"/>
-          <a:ea typeface="+mn-ea"/>
-          <a:cs typeface="+mn-cs"/>
-        </a:defRPr>
-      </a:lvl3pPr>
-      <a:lvl4pPr marL="1371600" algn="l" defTabSz="914400" rtl="0" eaLnBrk="1" latinLnBrk="0" hangingPunct="1">
-        <a:defRPr sz="1800" kern="1200">
-          <a:solidFill>
-            <a:schemeClr val="tx1"/>
-          </a:solidFill>
-          <a:latin typeface="+mn-lt"/>
-          <a:ea typeface="+mn-ea"/>
-          <a:cs typeface="+mn-cs"/>
-        </a:defRPr>
-      </a:lvl4pPr>
-      <a:lvl5pPr marL="1828800" algn="l" defTabSz="914400" rtl="0" eaLnBrk="1" latinLnBrk="0" hangingPunct="1">
-        <a:defRPr sz="1800" kern="1200">
-          <a:solidFill>
-            <a:schemeClr val="tx1"/>
-          </a:solidFill>
-          <a:latin typeface="+mn-lt"/>
-          <a:ea typeface="+mn-ea"/>
-          <a:cs typeface="+mn-cs"/>
-        </a:defRPr>
-      </a:lvl5pPr>
-      <a:lvl6pPr marL="2286000" algn="l" defTabSz="914400" rtl="0" eaLnBrk="1" latinLnBrk="0" hangingPunct="1">
-        <a:defRPr sz="1800" kern="1200">
-          <a:solidFill>
-            <a:schemeClr val="tx1"/>
-          </a:solidFill>
-          <a:latin typeface="+mn-lt"/>
-          <a:ea typeface="+mn-ea"/>
-          <a:cs typeface="+mn-cs"/>
-        </a:defRPr>
-      </a:lvl6pPr>
-      <a:lvl7pPr marL="2743200" algn="l" defTabSz="914400" rtl="0" eaLnBrk="1" latinLnBrk="0" hangingPunct="1">
-        <a:defRPr sz="1800" kern="1200">
-          <a:solidFill>
-            <a:schemeClr val="tx1"/>
-          </a:solidFill>
-          <a:latin typeface="+mn-lt"/>
-          <a:ea typeface="+mn-ea"/>
-          <a:cs typeface="+mn-cs"/>
-        </a:defRPr>
-      </a:lvl7pPr>
-      <a:lvl8pPr marL="3200400" algn="l" defTabSz="914400" rtl="0" eaLnBrk="1" latinLnBrk="0" hangingPunct="1">
-        <a:defRPr sz="1800" kern="1200">
-          <a:solidFill>
-            <a:schemeClr val="tx1"/>
-          </a:solidFill>
-          <a:latin typeface="+mn-lt"/>
-          <a:ea typeface="+mn-ea"/>
-          <a:cs typeface="+mn-cs"/>
-        </a:defRPr>
-      </a:lvl8pPr>
-      <a:lvl9pPr marL="3657600" algn="l" defTabSz="914400" rtl="0" eaLnBrk="1" latinLnBrk="0" hangingPunct="1">
-        <a:defRPr sz="1800" kern="1200">
-          <a:solidFill>
-            <a:schemeClr val="tx1"/>
-          </a:solidFill>
-          <a:latin typeface="+mn-lt"/>
-          <a:ea typeface="+mn-ea"/>
-          <a:cs typeface="+mn-cs"/>
-        </a:defRPr>
-      </a:lvl9pPr>
-    </p:otherStyle>
-  </p:txStyles>
-</p:sldMaster>
-</file>
-
 <file path=ppt/slides/slide1.xml><?xml version="1.0" encoding="utf-8"?>
 <p:sld xmlns:a="http://schemas.openxmlformats.org/drawingml/2006/main" xmlns:r="http://schemas.openxmlformats.org/officeDocument/2006/relationships" xmlns:p="http://schemas.openxmlformats.org/presentationml/2006/main">
   <p:cSld>
@@ -10828,7 +8006,7 @@
           <p:cNvPr id="2" name="Title 1">
             <a:extLst>
               <a:ext uri="{FF2B5EF4-FFF2-40B4-BE49-F238E27FC236}">
-                <a16:creationId xmlns:a16="http://schemas.microsoft.com/office/drawing/2014/main" id="{A0E6B26E-2CF5-4D3B-9BBE-FA0A43A888FE}"/>
+                <a16:creationId xmlns:a16="http://schemas.microsoft.com/office/drawing/2014/main" id="{7DAA2B9A-2033-41C5-AC34-7AE7841D47AD}"/>
               </a:ext>
             </a:extLst>
           </p:cNvPr>
@@ -10844,22 +8022,117 @@
           <a:bodyPr/>
           <a:lstStyle/>
           <a:p>
-            <a:pPr algn="ctr"/>
-            <a:r>
-              <a:rPr lang="en-US" dirty="0">
-                <a:solidFill>
-                  <a:srgbClr val="FFFF00"/>
-                </a:solidFill>
-              </a:rPr>
-              <a:t>PRODUCTION</a:t>
-            </a:r>
-          </a:p>
-        </p:txBody>
-      </p:sp>
+            <a:r>
+              <a:rPr lang="en-US" dirty="0"/>
+              <a:t>Development – Data</a:t>
+            </a:r>
+          </a:p>
+        </p:txBody>
+      </p:sp>
+      <p:sp>
+        <p:nvSpPr>
+          <p:cNvPr id="3" name="Content Placeholder 2">
+            <a:extLst>
+              <a:ext uri="{FF2B5EF4-FFF2-40B4-BE49-F238E27FC236}">
+                <a16:creationId xmlns:a16="http://schemas.microsoft.com/office/drawing/2014/main" id="{6BD6949E-202D-426F-B07E-B156C2903FEA}"/>
+              </a:ext>
+            </a:extLst>
+          </p:cNvPr>
+          <p:cNvSpPr>
+            <a:spLocks noGrp="1"/>
+          </p:cNvSpPr>
+          <p:nvPr>
+            <p:ph idx="1"/>
+          </p:nvPr>
+        </p:nvSpPr>
+        <p:spPr/>
+        <p:txBody>
+          <a:bodyPr anchor="t"/>
+          <a:lstStyle/>
+          <a:p>
+            <a:r>
+              <a:rPr lang="en-US" dirty="0"/>
+              <a:t>Mutation</a:t>
+            </a:r>
+          </a:p>
+        </p:txBody>
+      </p:sp>
+      <p:pic>
+        <p:nvPicPr>
+          <p:cNvPr id="6" name="Picture 5" descr="A screenshot of a cell phone&#10;&#10;Description automatically generated">
+            <a:extLst>
+              <a:ext uri="{FF2B5EF4-FFF2-40B4-BE49-F238E27FC236}">
+                <a16:creationId xmlns:a16="http://schemas.microsoft.com/office/drawing/2014/main" id="{8F326B2B-C84C-46BB-8F09-7A4FA6AD1213}"/>
+              </a:ext>
+            </a:extLst>
+          </p:cNvPr>
+          <p:cNvPicPr>
+            <a:picLocks noChangeAspect="1"/>
+          </p:cNvPicPr>
+          <p:nvPr/>
+        </p:nvPicPr>
+        <p:blipFill>
+          <a:blip r:embed="rId2">
+            <a:extLst>
+              <a:ext uri="{28A0092B-C50C-407E-A947-70E740481C1C}">
+                <a14:useLocalDpi xmlns:a14="http://schemas.microsoft.com/office/drawing/2010/main" val="0"/>
+              </a:ext>
+            </a:extLst>
+          </a:blip>
+          <a:stretch>
+            <a:fillRect/>
+          </a:stretch>
+        </p:blipFill>
+        <p:spPr>
+          <a:xfrm>
+            <a:off x="1848365" y="2791436"/>
+            <a:ext cx="3830076" cy="1877635"/>
+          </a:xfrm>
+          <a:prstGeom prst="rect">
+            <a:avLst/>
+          </a:prstGeom>
+        </p:spPr>
+      </p:pic>
+      <p:pic>
+        <p:nvPicPr>
+          <p:cNvPr id="8" name="Picture 7" descr="A screen shot of a smart phone&#10;&#10;Description automatically generated">
+            <a:extLst>
+              <a:ext uri="{FF2B5EF4-FFF2-40B4-BE49-F238E27FC236}">
+                <a16:creationId xmlns:a16="http://schemas.microsoft.com/office/drawing/2014/main" id="{382EEFAB-E076-478E-B636-88733FE30C1D}"/>
+              </a:ext>
+            </a:extLst>
+          </p:cNvPr>
+          <p:cNvPicPr>
+            <a:picLocks noChangeAspect="1"/>
+          </p:cNvPicPr>
+          <p:nvPr/>
+        </p:nvPicPr>
+        <p:blipFill>
+          <a:blip r:embed="rId3">
+            <a:extLst>
+              <a:ext uri="{28A0092B-C50C-407E-A947-70E740481C1C}">
+                <a14:useLocalDpi xmlns:a14="http://schemas.microsoft.com/office/drawing/2010/main" val="0"/>
+              </a:ext>
+            </a:extLst>
+          </a:blip>
+          <a:stretch>
+            <a:fillRect/>
+          </a:stretch>
+        </p:blipFill>
+        <p:spPr>
+          <a:xfrm>
+            <a:off x="6118370" y="1549724"/>
+            <a:ext cx="4753880" cy="5122715"/>
+          </a:xfrm>
+          <a:prstGeom prst="rect">
+            <a:avLst/>
+          </a:prstGeom>
+        </p:spPr>
+      </p:pic>
     </p:spTree>
     <p:extLst>
       <p:ext uri="{BB962C8B-B14F-4D97-AF65-F5344CB8AC3E}">
-        <p14:creationId xmlns:p14="http://schemas.microsoft.com/office/powerpoint/2010/main" val="4200618044"/>
+        <p14:creationId xmlns:p14="http://schemas.microsoft.com/office/powerpoint/2010/main" val="1458952392"/>
       </p:ext>
     </p:extLst>
   </p:cSld>
@@ -10888,10 +8161,10 @@
       </p:grpSpPr>
       <p:sp>
         <p:nvSpPr>
-          <p:cNvPr id="6" name="Title 5">
+          <p:cNvPr id="2" name="Title 1">
             <a:extLst>
               <a:ext uri="{FF2B5EF4-FFF2-40B4-BE49-F238E27FC236}">
-                <a16:creationId xmlns:a16="http://schemas.microsoft.com/office/drawing/2014/main" id="{4483E157-A5BA-4595-8F81-42FE95530350}"/>
+                <a16:creationId xmlns:a16="http://schemas.microsoft.com/office/drawing/2014/main" id="{7DAA2B9A-2033-41C5-AC34-7AE7841D47AD}"/>
               </a:ext>
             </a:extLst>
           </p:cNvPr>
@@ -10907,16 +8180,19 @@
           <a:bodyPr/>
           <a:lstStyle/>
           <a:p>
-            <a:endParaRPr lang="en-US"/>
-          </a:p>
-        </p:txBody>
-      </p:sp>
-      <p:sp>
-        <p:nvSpPr>
-          <p:cNvPr id="7" name="Content Placeholder 6">
+            <a:r>
+              <a:rPr lang="en-US" dirty="0"/>
+              <a:t>Development – Data</a:t>
+            </a:r>
+          </a:p>
+        </p:txBody>
+      </p:sp>
+      <p:sp>
+        <p:nvSpPr>
+          <p:cNvPr id="3" name="Content Placeholder 2">
             <a:extLst>
               <a:ext uri="{FF2B5EF4-FFF2-40B4-BE49-F238E27FC236}">
-                <a16:creationId xmlns:a16="http://schemas.microsoft.com/office/drawing/2014/main" id="{BC19E8C1-280C-4A6E-B956-E776D978D872}"/>
+                <a16:creationId xmlns:a16="http://schemas.microsoft.com/office/drawing/2014/main" id="{6BD6949E-202D-426F-B07E-B156C2903FEA}"/>
               </a:ext>
             </a:extLst>
           </p:cNvPr>
@@ -10929,17 +8205,63 @@
         </p:nvSpPr>
         <p:spPr/>
         <p:txBody>
-          <a:bodyPr/>
-          <a:lstStyle/>
-          <a:p>
-            <a:endParaRPr lang="en-US"/>
-          </a:p>
-        </p:txBody>
-      </p:sp>
+          <a:bodyPr anchor="t"/>
+          <a:lstStyle/>
+          <a:p>
+            <a:r>
+              <a:rPr lang="en-US" dirty="0"/>
+              <a:t>Local State: store inside Apollo cache by 2 way</a:t>
+            </a:r>
+          </a:p>
+          <a:p>
+            <a:pPr lvl="1"/>
+            <a:r>
+              <a:rPr lang="en-US" dirty="0"/>
+              <a:t>Leverage Apollo Client</a:t>
+            </a:r>
+          </a:p>
+        </p:txBody>
+      </p:sp>
+      <p:pic>
+        <p:nvPicPr>
+          <p:cNvPr id="9" name="Picture 8" descr="A screenshot of a cell phone&#10;&#10;Description automatically generated">
+            <a:extLst>
+              <a:ext uri="{FF2B5EF4-FFF2-40B4-BE49-F238E27FC236}">
+                <a16:creationId xmlns:a16="http://schemas.microsoft.com/office/drawing/2014/main" id="{9304DC85-8DAC-4F6E-BEFB-65AD7F36C8FE}"/>
+              </a:ext>
+            </a:extLst>
+          </p:cNvPr>
+          <p:cNvPicPr>
+            <a:picLocks noChangeAspect="1"/>
+          </p:cNvPicPr>
+          <p:nvPr/>
+        </p:nvPicPr>
+        <p:blipFill>
+          <a:blip r:embed="rId2">
+            <a:extLst>
+              <a:ext uri="{28A0092B-C50C-407E-A947-70E740481C1C}">
+                <a14:useLocalDpi xmlns:a14="http://schemas.microsoft.com/office/drawing/2010/main" val="0"/>
+              </a:ext>
+            </a:extLst>
+          </a:blip>
+          <a:stretch>
+            <a:fillRect/>
+          </a:stretch>
+        </p:blipFill>
+        <p:spPr>
+          <a:xfrm>
+            <a:off x="4155217" y="3112316"/>
+            <a:ext cx="5022289" cy="3456797"/>
+          </a:xfrm>
+          <a:prstGeom prst="rect">
+            <a:avLst/>
+          </a:prstGeom>
+        </p:spPr>
+      </p:pic>
     </p:spTree>
     <p:extLst>
       <p:ext uri="{BB962C8B-B14F-4D97-AF65-F5344CB8AC3E}">
-        <p14:creationId xmlns:p14="http://schemas.microsoft.com/office/powerpoint/2010/main" val="2982627848"/>
+        <p14:creationId xmlns:p14="http://schemas.microsoft.com/office/powerpoint/2010/main" val="617526321"/>
       </p:ext>
     </p:extLst>
   </p:cSld>
@@ -10968,10 +8290,10 @@
       </p:grpSpPr>
       <p:sp>
         <p:nvSpPr>
-          <p:cNvPr id="4" name="Title 3">
+          <p:cNvPr id="2" name="Title 1">
             <a:extLst>
               <a:ext uri="{FF2B5EF4-FFF2-40B4-BE49-F238E27FC236}">
-                <a16:creationId xmlns:a16="http://schemas.microsoft.com/office/drawing/2014/main" id="{AE6FE9D2-9C7E-497C-90C4-E6199C7CA3CD}"/>
+                <a16:creationId xmlns:a16="http://schemas.microsoft.com/office/drawing/2014/main" id="{7DAA2B9A-2033-41C5-AC34-7AE7841D47AD}"/>
               </a:ext>
             </a:extLst>
           </p:cNvPr>
@@ -10987,18 +8309,88 @@
           <a:bodyPr/>
           <a:lstStyle/>
           <a:p>
-            <a:pPr algn="ctr"/>
             <a:r>
               <a:rPr lang="en-US" dirty="0"/>
-              <a:t>END</a:t>
-            </a:r>
-          </a:p>
-        </p:txBody>
-      </p:sp>
+              <a:t>Development – Data</a:t>
+            </a:r>
+          </a:p>
+        </p:txBody>
+      </p:sp>
+      <p:sp>
+        <p:nvSpPr>
+          <p:cNvPr id="3" name="Content Placeholder 2">
+            <a:extLst>
+              <a:ext uri="{FF2B5EF4-FFF2-40B4-BE49-F238E27FC236}">
+                <a16:creationId xmlns:a16="http://schemas.microsoft.com/office/drawing/2014/main" id="{6BD6949E-202D-426F-B07E-B156C2903FEA}"/>
+              </a:ext>
+            </a:extLst>
+          </p:cNvPr>
+          <p:cNvSpPr>
+            <a:spLocks noGrp="1"/>
+          </p:cNvSpPr>
+          <p:nvPr>
+            <p:ph idx="1"/>
+          </p:nvPr>
+        </p:nvSpPr>
+        <p:spPr/>
+        <p:txBody>
+          <a:bodyPr anchor="t"/>
+          <a:lstStyle/>
+          <a:p>
+            <a:r>
+              <a:rPr lang="en-US" dirty="0"/>
+              <a:t>Local State: store inside Apollo cache by 2 way</a:t>
+            </a:r>
+          </a:p>
+          <a:p>
+            <a:pPr lvl="1"/>
+            <a:r>
+              <a:rPr lang="en-US" dirty="0"/>
+              <a:t>Leverage Apollo Client</a:t>
+            </a:r>
+          </a:p>
+        </p:txBody>
+      </p:sp>
+      <p:pic>
+        <p:nvPicPr>
+          <p:cNvPr id="9" name="Picture 8" descr="A screenshot of a cell phone&#10;&#10;Description automatically generated">
+            <a:extLst>
+              <a:ext uri="{FF2B5EF4-FFF2-40B4-BE49-F238E27FC236}">
+                <a16:creationId xmlns:a16="http://schemas.microsoft.com/office/drawing/2014/main" id="{9304DC85-8DAC-4F6E-BEFB-65AD7F36C8FE}"/>
+              </a:ext>
+            </a:extLst>
+          </p:cNvPr>
+          <p:cNvPicPr>
+            <a:picLocks noChangeAspect="1"/>
+          </p:cNvPicPr>
+          <p:nvPr/>
+        </p:nvPicPr>
+        <p:blipFill>
+          <a:blip r:embed="rId2">
+            <a:extLst>
+              <a:ext uri="{28A0092B-C50C-407E-A947-70E740481C1C}">
+                <a14:useLocalDpi xmlns:a14="http://schemas.microsoft.com/office/drawing/2010/main" val="0"/>
+              </a:ext>
+            </a:extLst>
+          </a:blip>
+          <a:stretch>
+            <a:fillRect/>
+          </a:stretch>
+        </p:blipFill>
+        <p:spPr>
+          <a:xfrm>
+            <a:off x="4155217" y="3112316"/>
+            <a:ext cx="5022289" cy="3456797"/>
+          </a:xfrm>
+          <a:prstGeom prst="rect">
+            <a:avLst/>
+          </a:prstGeom>
+        </p:spPr>
+      </p:pic>
     </p:spTree>
     <p:extLst>
       <p:ext uri="{BB962C8B-B14F-4D97-AF65-F5344CB8AC3E}">
-        <p14:creationId xmlns:p14="http://schemas.microsoft.com/office/powerpoint/2010/main" val="557842199"/>
+        <p14:creationId xmlns:p14="http://schemas.microsoft.com/office/powerpoint/2010/main" val="4238597519"/>
       </p:ext>
     </p:extLst>
   </p:cSld>
@@ -11027,10 +8419,10 @@
       </p:grpSpPr>
       <p:sp>
         <p:nvSpPr>
-          <p:cNvPr id="4" name="Title 3">
+          <p:cNvPr id="2" name="Title 1">
             <a:extLst>
               <a:ext uri="{FF2B5EF4-FFF2-40B4-BE49-F238E27FC236}">
-                <a16:creationId xmlns:a16="http://schemas.microsoft.com/office/drawing/2014/main" id="{63142B43-98D9-453D-A45B-66E847AC048D}"/>
+                <a16:creationId xmlns:a16="http://schemas.microsoft.com/office/drawing/2014/main" id="{7DAA2B9A-2033-41C5-AC34-7AE7841D47AD}"/>
               </a:ext>
             </a:extLst>
           </p:cNvPr>
@@ -11046,18 +8438,124 @@
           <a:bodyPr/>
           <a:lstStyle/>
           <a:p>
-            <a:pPr algn="ctr"/>
             <a:r>
               <a:rPr lang="en-US" dirty="0"/>
-              <a:t>APPENDIX</a:t>
-            </a:r>
-          </a:p>
-        </p:txBody>
-      </p:sp>
+              <a:t>Development – Data</a:t>
+            </a:r>
+          </a:p>
+        </p:txBody>
+      </p:sp>
+      <p:sp>
+        <p:nvSpPr>
+          <p:cNvPr id="3" name="Content Placeholder 2">
+            <a:extLst>
+              <a:ext uri="{FF2B5EF4-FFF2-40B4-BE49-F238E27FC236}">
+                <a16:creationId xmlns:a16="http://schemas.microsoft.com/office/drawing/2014/main" id="{6BD6949E-202D-426F-B07E-B156C2903FEA}"/>
+              </a:ext>
+            </a:extLst>
+          </p:cNvPr>
+          <p:cNvSpPr>
+            <a:spLocks noGrp="1"/>
+          </p:cNvSpPr>
+          <p:nvPr>
+            <p:ph idx="1"/>
+          </p:nvPr>
+        </p:nvSpPr>
+        <p:spPr/>
+        <p:txBody>
+          <a:bodyPr anchor="t"/>
+          <a:lstStyle/>
+          <a:p>
+            <a:r>
+              <a:rPr lang="en-US" dirty="0"/>
+              <a:t>Local State: store inside Apollo cache by 2 way</a:t>
+            </a:r>
+          </a:p>
+          <a:p>
+            <a:pPr lvl="1"/>
+            <a:r>
+              <a:rPr lang="en-US" dirty="0"/>
+              <a:t>Local resolver</a:t>
+            </a:r>
+          </a:p>
+        </p:txBody>
+      </p:sp>
+      <p:pic>
+        <p:nvPicPr>
+          <p:cNvPr id="5" name="Picture 4" descr="A screenshot of a cell phone&#10;&#10;Description automatically generated">
+            <a:extLst>
+              <a:ext uri="{FF2B5EF4-FFF2-40B4-BE49-F238E27FC236}">
+                <a16:creationId xmlns:a16="http://schemas.microsoft.com/office/drawing/2014/main" id="{129935A4-080D-4EEC-BC0F-AB751C40AD44}"/>
+              </a:ext>
+            </a:extLst>
+          </p:cNvPr>
+          <p:cNvPicPr>
+            <a:picLocks noChangeAspect="1"/>
+          </p:cNvPicPr>
+          <p:nvPr/>
+        </p:nvPicPr>
+        <p:blipFill>
+          <a:blip r:embed="rId2">
+            <a:extLst>
+              <a:ext uri="{28A0092B-C50C-407E-A947-70E740481C1C}">
+                <a14:useLocalDpi xmlns:a14="http://schemas.microsoft.com/office/drawing/2010/main" val="0"/>
+              </a:ext>
+            </a:extLst>
+          </a:blip>
+          <a:stretch>
+            <a:fillRect/>
+          </a:stretch>
+        </p:blipFill>
+        <p:spPr>
+          <a:xfrm>
+            <a:off x="5931121" y="2655107"/>
+            <a:ext cx="5157590" cy="3960292"/>
+          </a:xfrm>
+          <a:prstGeom prst="rect">
+            <a:avLst/>
+          </a:prstGeom>
+        </p:spPr>
+      </p:pic>
+      <p:pic>
+        <p:nvPicPr>
+          <p:cNvPr id="7" name="Picture 6" descr="A screenshot of a cell phone&#10;&#10;Description automatically generated">
+            <a:extLst>
+              <a:ext uri="{FF2B5EF4-FFF2-40B4-BE49-F238E27FC236}">
+                <a16:creationId xmlns:a16="http://schemas.microsoft.com/office/drawing/2014/main" id="{BD1EE2B9-6C4B-42BC-9315-1AF9592DCBA4}"/>
+              </a:ext>
+            </a:extLst>
+          </p:cNvPr>
+          <p:cNvPicPr>
+            <a:picLocks noChangeAspect="1"/>
+          </p:cNvPicPr>
+          <p:nvPr/>
+        </p:nvPicPr>
+        <p:blipFill>
+          <a:blip r:embed="rId3">
+            <a:extLst>
+              <a:ext uri="{28A0092B-C50C-407E-A947-70E740481C1C}">
+                <a14:useLocalDpi xmlns:a14="http://schemas.microsoft.com/office/drawing/2010/main" val="0"/>
+              </a:ext>
+            </a:extLst>
+          </a:blip>
+          <a:stretch>
+            <a:fillRect/>
+          </a:stretch>
+        </p:blipFill>
+        <p:spPr>
+          <a:xfrm>
+            <a:off x="1547905" y="3053731"/>
+            <a:ext cx="4057570" cy="3163044"/>
+          </a:xfrm>
+          <a:prstGeom prst="rect">
+            <a:avLst/>
+          </a:prstGeom>
+        </p:spPr>
+      </p:pic>
     </p:spTree>
     <p:extLst>
       <p:ext uri="{BB962C8B-B14F-4D97-AF65-F5344CB8AC3E}">
-        <p14:creationId xmlns:p14="http://schemas.microsoft.com/office/powerpoint/2010/main" val="1377142889"/>
+        <p14:creationId xmlns:p14="http://schemas.microsoft.com/office/powerpoint/2010/main" val="4125078158"/>
       </p:ext>
     </p:extLst>
   </p:cSld>
@@ -11086,10 +8584,10 @@
       </p:grpSpPr>
       <p:sp>
         <p:nvSpPr>
-          <p:cNvPr id="4" name="Title 3">
+          <p:cNvPr id="2" name="Title 1">
             <a:extLst>
               <a:ext uri="{FF2B5EF4-FFF2-40B4-BE49-F238E27FC236}">
-                <a16:creationId xmlns:a16="http://schemas.microsoft.com/office/drawing/2014/main" id="{63142B43-98D9-453D-A45B-66E847AC048D}"/>
+                <a16:creationId xmlns:a16="http://schemas.microsoft.com/office/drawing/2014/main" id="{7DAA2B9A-2033-41C5-AC34-7AE7841D47AD}"/>
               </a:ext>
             </a:extLst>
           </p:cNvPr>
@@ -11105,7 +8603,122 @@
           <a:bodyPr/>
           <a:lstStyle/>
           <a:p>
-            <a:pPr algn="ctr"/>
+            <a:r>
+              <a:rPr lang="en-US" dirty="0"/>
+              <a:t>Development – Data</a:t>
+            </a:r>
+          </a:p>
+        </p:txBody>
+      </p:sp>
+      <p:sp>
+        <p:nvSpPr>
+          <p:cNvPr id="3" name="Content Placeholder 2">
+            <a:extLst>
+              <a:ext uri="{FF2B5EF4-FFF2-40B4-BE49-F238E27FC236}">
+                <a16:creationId xmlns:a16="http://schemas.microsoft.com/office/drawing/2014/main" id="{6BD6949E-202D-426F-B07E-B156C2903FEA}"/>
+              </a:ext>
+            </a:extLst>
+          </p:cNvPr>
+          <p:cNvSpPr>
+            <a:spLocks noGrp="1"/>
+          </p:cNvSpPr>
+          <p:nvPr>
+            <p:ph idx="1"/>
+          </p:nvPr>
+        </p:nvSpPr>
+        <p:spPr/>
+        <p:txBody>
+          <a:bodyPr anchor="t"/>
+          <a:lstStyle/>
+          <a:p>
+            <a:r>
+              <a:rPr lang="en-US" dirty="0"/>
+              <a:t>Local State: store inside Apollo cache by 2 way</a:t>
+            </a:r>
+          </a:p>
+          <a:p>
+            <a:pPr lvl="1"/>
+            <a:r>
+              <a:rPr lang="en-US" dirty="0"/>
+              <a:t>Local resolver</a:t>
+            </a:r>
+          </a:p>
+        </p:txBody>
+      </p:sp>
+      <p:pic>
+        <p:nvPicPr>
+          <p:cNvPr id="6" name="Picture 5" descr="A screenshot of a cell phone&#10;&#10;Description automatically generated">
+            <a:extLst>
+              <a:ext uri="{FF2B5EF4-FFF2-40B4-BE49-F238E27FC236}">
+                <a16:creationId xmlns:a16="http://schemas.microsoft.com/office/drawing/2014/main" id="{5C0CFD35-0FCB-4FFC-9901-9BE924437132}"/>
+              </a:ext>
+            </a:extLst>
+          </p:cNvPr>
+          <p:cNvPicPr>
+            <a:picLocks noChangeAspect="1"/>
+          </p:cNvPicPr>
+          <p:nvPr/>
+        </p:nvPicPr>
+        <p:blipFill>
+          <a:blip r:embed="rId2">
+            <a:extLst>
+              <a:ext uri="{28A0092B-C50C-407E-A947-70E740481C1C}">
+                <a14:useLocalDpi xmlns:a14="http://schemas.microsoft.com/office/drawing/2010/main" val="0"/>
+              </a:ext>
+            </a:extLst>
+          </a:blip>
+          <a:stretch>
+            <a:fillRect/>
+          </a:stretch>
+        </p:blipFill>
+        <p:spPr>
+          <a:xfrm>
+            <a:off x="5828735" y="2592198"/>
+            <a:ext cx="4445728" cy="4165980"/>
+          </a:xfrm>
+          <a:prstGeom prst="rect">
+            <a:avLst/>
+          </a:prstGeom>
+        </p:spPr>
+      </p:pic>
+      <p:sp>
+        <p:nvSpPr>
+          <p:cNvPr id="8" name="TextBox 7">
+            <a:extLst>
+              <a:ext uri="{FF2B5EF4-FFF2-40B4-BE49-F238E27FC236}">
+                <a16:creationId xmlns:a16="http://schemas.microsoft.com/office/drawing/2014/main" id="{F4BB48A1-7CA5-4F2C-95EA-F9E08B265024}"/>
+              </a:ext>
+            </a:extLst>
+          </p:cNvPr>
+          <p:cNvSpPr txBox="1"/>
+          <p:nvPr/>
+        </p:nvSpPr>
+        <p:spPr>
+          <a:xfrm>
+            <a:off x="1359017" y="3244334"/>
+            <a:ext cx="3850547" cy="923330"/>
+          </a:xfrm>
+          <a:prstGeom prst="rect">
+            <a:avLst/>
+          </a:prstGeom>
+          <a:noFill/>
+        </p:spPr>
+        <p:txBody>
+          <a:bodyPr wrap="square" rtlCol="0">
+            <a:spAutoFit/>
+          </a:bodyPr>
+          <a:lstStyle/>
+          <a:p>
+            <a:r>
+              <a:rPr lang="en-US" dirty="0"/>
+              <a:t>Details at </a:t>
+            </a:r>
+            <a:r>
+              <a:rPr lang="en-US" dirty="0">
+                <a:hlinkClick r:id="rId3"/>
+              </a:rPr>
+              <a:t>https://www.apollographql.com/docs/react/data/local-state/</a:t>
+            </a:r>
             <a:endParaRPr lang="en-US" dirty="0"/>
           </a:p>
         </p:txBody>
@@ -11113,7 +8726,716 @@
     </p:spTree>
     <p:extLst>
       <p:ext uri="{BB962C8B-B14F-4D97-AF65-F5344CB8AC3E}">
-        <p14:creationId xmlns:p14="http://schemas.microsoft.com/office/powerpoint/2010/main" val="346254841"/>
+        <p14:creationId xmlns:p14="http://schemas.microsoft.com/office/powerpoint/2010/main" val="4277445353"/>
+      </p:ext>
+    </p:extLst>
+  </p:cSld>
+  <p:clrMapOvr>
+    <a:masterClrMapping/>
+  </p:clrMapOvr>
+</p:sld>
+</file>
+
+<file path=ppt/slides/slide15.xml><?xml version="1.0" encoding="utf-8"?>
+<p:sld xmlns:a="http://schemas.openxmlformats.org/drawingml/2006/main" xmlns:r="http://schemas.openxmlformats.org/officeDocument/2006/relationships" xmlns:p="http://schemas.openxmlformats.org/presentationml/2006/main">
+  <p:cSld>
+    <p:spTree>
+      <p:nvGrpSpPr>
+        <p:cNvPr id="1" name=""/>
+        <p:cNvGrpSpPr/>
+        <p:nvPr/>
+      </p:nvGrpSpPr>
+      <p:grpSpPr>
+        <a:xfrm>
+          <a:off x="0" y="0"/>
+          <a:ext cx="0" cy="0"/>
+          <a:chOff x="0" y="0"/>
+          <a:chExt cx="0" cy="0"/>
+        </a:xfrm>
+      </p:grpSpPr>
+      <p:sp>
+        <p:nvSpPr>
+          <p:cNvPr id="2" name="Title 1">
+            <a:extLst>
+              <a:ext uri="{FF2B5EF4-FFF2-40B4-BE49-F238E27FC236}">
+                <a16:creationId xmlns:a16="http://schemas.microsoft.com/office/drawing/2014/main" id="{7DAA2B9A-2033-41C5-AC34-7AE7841D47AD}"/>
+              </a:ext>
+            </a:extLst>
+          </p:cNvPr>
+          <p:cNvSpPr>
+            <a:spLocks noGrp="1"/>
+          </p:cNvSpPr>
+          <p:nvPr>
+            <p:ph type="title"/>
+          </p:nvPr>
+        </p:nvSpPr>
+        <p:spPr/>
+        <p:txBody>
+          <a:bodyPr/>
+          <a:lstStyle/>
+          <a:p>
+            <a:r>
+              <a:rPr lang="en-US" dirty="0"/>
+              <a:t>Development – Data</a:t>
+            </a:r>
+          </a:p>
+        </p:txBody>
+      </p:sp>
+      <p:sp>
+        <p:nvSpPr>
+          <p:cNvPr id="3" name="Content Placeholder 2">
+            <a:extLst>
+              <a:ext uri="{FF2B5EF4-FFF2-40B4-BE49-F238E27FC236}">
+                <a16:creationId xmlns:a16="http://schemas.microsoft.com/office/drawing/2014/main" id="{6BD6949E-202D-426F-B07E-B156C2903FEA}"/>
+              </a:ext>
+            </a:extLst>
+          </p:cNvPr>
+          <p:cNvSpPr>
+            <a:spLocks noGrp="1"/>
+          </p:cNvSpPr>
+          <p:nvPr>
+            <p:ph idx="1"/>
+          </p:nvPr>
+        </p:nvSpPr>
+        <p:spPr/>
+        <p:txBody>
+          <a:bodyPr anchor="t"/>
+          <a:lstStyle/>
+          <a:p>
+            <a:r>
+              <a:rPr lang="en-US" dirty="0"/>
+              <a:t>Subscriptions (notify event from the server to clients)</a:t>
+            </a:r>
+          </a:p>
+          <a:p>
+            <a:endParaRPr lang="en-US" dirty="0"/>
+          </a:p>
+          <a:p>
+            <a:r>
+              <a:rPr lang="en-US" dirty="0"/>
+              <a:t>Details at </a:t>
+            </a:r>
+            <a:r>
+              <a:rPr lang="en-US" dirty="0">
+                <a:hlinkClick r:id="rId2"/>
+              </a:rPr>
+              <a:t>https://www.apollographql.com/docs/react/data/subscriptions/</a:t>
+            </a:r>
+            <a:endParaRPr lang="en-US" dirty="0"/>
+          </a:p>
+          <a:p>
+            <a:endParaRPr lang="en-US" dirty="0"/>
+          </a:p>
+          <a:p>
+            <a:r>
+              <a:rPr lang="en-US" dirty="0"/>
+              <a:t>Example at </a:t>
+            </a:r>
+            <a:r>
+              <a:rPr lang="en-US" dirty="0">
+                <a:hlinkClick r:id="rId3"/>
+              </a:rPr>
+              <a:t>https://github.com/the-road-to-graphql/fullstack-apollo-subscription-example</a:t>
+            </a:r>
+            <a:endParaRPr lang="en-US" dirty="0"/>
+          </a:p>
+        </p:txBody>
+      </p:sp>
+    </p:spTree>
+    <p:extLst>
+      <p:ext uri="{BB962C8B-B14F-4D97-AF65-F5344CB8AC3E}">
+        <p14:creationId xmlns:p14="http://schemas.microsoft.com/office/powerpoint/2010/main" val="139630469"/>
+      </p:ext>
+    </p:extLst>
+  </p:cSld>
+  <p:clrMapOvr>
+    <a:masterClrMapping/>
+  </p:clrMapOvr>
+</p:sld>
+</file>
+
+<file path=ppt/slides/slide16.xml><?xml version="1.0" encoding="utf-8"?>
+<p:sld xmlns:a="http://schemas.openxmlformats.org/drawingml/2006/main" xmlns:r="http://schemas.openxmlformats.org/officeDocument/2006/relationships" xmlns:p="http://schemas.openxmlformats.org/presentationml/2006/main">
+  <p:cSld>
+    <p:spTree>
+      <p:nvGrpSpPr>
+        <p:cNvPr id="1" name=""/>
+        <p:cNvGrpSpPr/>
+        <p:nvPr/>
+      </p:nvGrpSpPr>
+      <p:grpSpPr>
+        <a:xfrm>
+          <a:off x="0" y="0"/>
+          <a:ext cx="0" cy="0"/>
+          <a:chOff x="0" y="0"/>
+          <a:chExt cx="0" cy="0"/>
+        </a:xfrm>
+      </p:grpSpPr>
+      <p:sp>
+        <p:nvSpPr>
+          <p:cNvPr id="2" name="Title 1">
+            <a:extLst>
+              <a:ext uri="{FF2B5EF4-FFF2-40B4-BE49-F238E27FC236}">
+                <a16:creationId xmlns:a16="http://schemas.microsoft.com/office/drawing/2014/main" id="{D78900CF-3D09-4C9A-83F9-F9DD82856CF0}"/>
+              </a:ext>
+            </a:extLst>
+          </p:cNvPr>
+          <p:cNvSpPr>
+            <a:spLocks noGrp="1"/>
+          </p:cNvSpPr>
+          <p:nvPr>
+            <p:ph type="title"/>
+          </p:nvPr>
+        </p:nvSpPr>
+        <p:spPr/>
+        <p:txBody>
+          <a:bodyPr/>
+          <a:lstStyle/>
+          <a:p>
+            <a:r>
+              <a:rPr lang="en-US" dirty="0"/>
+              <a:t>Development – Data</a:t>
+            </a:r>
+          </a:p>
+        </p:txBody>
+      </p:sp>
+      <p:sp>
+        <p:nvSpPr>
+          <p:cNvPr id="3" name="Content Placeholder 2">
+            <a:extLst>
+              <a:ext uri="{FF2B5EF4-FFF2-40B4-BE49-F238E27FC236}">
+                <a16:creationId xmlns:a16="http://schemas.microsoft.com/office/drawing/2014/main" id="{C9CB44CB-0332-4A88-97F5-5C19C85C52DF}"/>
+              </a:ext>
+            </a:extLst>
+          </p:cNvPr>
+          <p:cNvSpPr>
+            <a:spLocks noGrp="1"/>
+          </p:cNvSpPr>
+          <p:nvPr>
+            <p:ph idx="1"/>
+          </p:nvPr>
+        </p:nvSpPr>
+        <p:spPr/>
+        <p:txBody>
+          <a:bodyPr anchor="t"/>
+          <a:lstStyle/>
+          <a:p>
+            <a:r>
+              <a:rPr lang="en-US" dirty="0"/>
+              <a:t>Pagination:</a:t>
+            </a:r>
+          </a:p>
+          <a:p>
+            <a:pPr lvl="1"/>
+            <a:r>
+              <a:rPr lang="en-US" dirty="0"/>
+              <a:t>Display a list that contains too much data to be either fetched or shown at once.</a:t>
+            </a:r>
+          </a:p>
+          <a:p>
+            <a:pPr lvl="1"/>
+            <a:r>
+              <a:rPr lang="en-US" dirty="0"/>
+              <a:t>2 primary ways: numbered pages (offset), and cursors</a:t>
+            </a:r>
+          </a:p>
+        </p:txBody>
+      </p:sp>
+    </p:spTree>
+    <p:extLst>
+      <p:ext uri="{BB962C8B-B14F-4D97-AF65-F5344CB8AC3E}">
+        <p14:creationId xmlns:p14="http://schemas.microsoft.com/office/powerpoint/2010/main" val="528756136"/>
+      </p:ext>
+    </p:extLst>
+  </p:cSld>
+  <p:clrMapOvr>
+    <a:masterClrMapping/>
+  </p:clrMapOvr>
+</p:sld>
+</file>
+
+<file path=ppt/slides/slide17.xml><?xml version="1.0" encoding="utf-8"?>
+<p:sld xmlns:a="http://schemas.openxmlformats.org/drawingml/2006/main" xmlns:r="http://schemas.openxmlformats.org/officeDocument/2006/relationships" xmlns:p="http://schemas.openxmlformats.org/presentationml/2006/main">
+  <p:cSld>
+    <p:spTree>
+      <p:nvGrpSpPr>
+        <p:cNvPr id="1" name=""/>
+        <p:cNvGrpSpPr/>
+        <p:nvPr/>
+      </p:nvGrpSpPr>
+      <p:grpSpPr>
+        <a:xfrm>
+          <a:off x="0" y="0"/>
+          <a:ext cx="0" cy="0"/>
+          <a:chOff x="0" y="0"/>
+          <a:chExt cx="0" cy="0"/>
+        </a:xfrm>
+      </p:grpSpPr>
+      <p:sp>
+        <p:nvSpPr>
+          <p:cNvPr id="2" name="Title 1">
+            <a:extLst>
+              <a:ext uri="{FF2B5EF4-FFF2-40B4-BE49-F238E27FC236}">
+                <a16:creationId xmlns:a16="http://schemas.microsoft.com/office/drawing/2014/main" id="{D78900CF-3D09-4C9A-83F9-F9DD82856CF0}"/>
+              </a:ext>
+            </a:extLst>
+          </p:cNvPr>
+          <p:cNvSpPr>
+            <a:spLocks noGrp="1"/>
+          </p:cNvSpPr>
+          <p:nvPr>
+            <p:ph type="title"/>
+          </p:nvPr>
+        </p:nvSpPr>
+        <p:spPr/>
+        <p:txBody>
+          <a:bodyPr/>
+          <a:lstStyle/>
+          <a:p>
+            <a:r>
+              <a:rPr lang="en-US" dirty="0"/>
+              <a:t>Development – Data</a:t>
+            </a:r>
+          </a:p>
+        </p:txBody>
+      </p:sp>
+      <p:sp>
+        <p:nvSpPr>
+          <p:cNvPr id="3" name="Content Placeholder 2">
+            <a:extLst>
+              <a:ext uri="{FF2B5EF4-FFF2-40B4-BE49-F238E27FC236}">
+                <a16:creationId xmlns:a16="http://schemas.microsoft.com/office/drawing/2014/main" id="{C9CB44CB-0332-4A88-97F5-5C19C85C52DF}"/>
+              </a:ext>
+            </a:extLst>
+          </p:cNvPr>
+          <p:cNvSpPr>
+            <a:spLocks noGrp="1"/>
+          </p:cNvSpPr>
+          <p:nvPr>
+            <p:ph idx="1"/>
+          </p:nvPr>
+        </p:nvSpPr>
+        <p:spPr/>
+        <p:txBody>
+          <a:bodyPr anchor="t"/>
+          <a:lstStyle/>
+          <a:p>
+            <a:r>
+              <a:rPr lang="en-US" dirty="0"/>
+              <a:t>Pagination - offset:</a:t>
+            </a:r>
+          </a:p>
+          <a:p>
+            <a:pPr lvl="1"/>
+            <a:r>
+              <a:rPr lang="en-US" dirty="0"/>
+              <a:t>Add </a:t>
+            </a:r>
+            <a:r>
+              <a:rPr lang="en-US" dirty="0">
+                <a:solidFill>
+                  <a:srgbClr val="FF0000"/>
+                </a:solidFill>
+              </a:rPr>
+              <a:t>offset</a:t>
+            </a:r>
+            <a:r>
+              <a:rPr lang="en-US" dirty="0"/>
+              <a:t> and </a:t>
+            </a:r>
+            <a:r>
+              <a:rPr lang="en-US" dirty="0">
+                <a:solidFill>
+                  <a:srgbClr val="FF0000"/>
+                </a:solidFill>
+              </a:rPr>
+              <a:t>limit</a:t>
+            </a:r>
+            <a:r>
+              <a:rPr lang="en-US" dirty="0"/>
+              <a:t> to query.</a:t>
+            </a:r>
+          </a:p>
+          <a:p>
+            <a:pPr lvl="1"/>
+            <a:endParaRPr lang="en-US" dirty="0"/>
+          </a:p>
+        </p:txBody>
+      </p:sp>
+      <p:pic>
+        <p:nvPicPr>
+          <p:cNvPr id="7" name="Picture 6" descr="A screenshot of a cell phone&#10;&#10;Description automatically generated">
+            <a:extLst>
+              <a:ext uri="{FF2B5EF4-FFF2-40B4-BE49-F238E27FC236}">
+                <a16:creationId xmlns:a16="http://schemas.microsoft.com/office/drawing/2014/main" id="{2850C3BD-BDE7-4BD7-B2EF-B619BF33AF3F}"/>
+              </a:ext>
+            </a:extLst>
+          </p:cNvPr>
+          <p:cNvPicPr>
+            <a:picLocks noChangeAspect="1"/>
+          </p:cNvPicPr>
+          <p:nvPr/>
+        </p:nvPicPr>
+        <p:blipFill>
+          <a:blip r:embed="rId2">
+            <a:extLst>
+              <a:ext uri="{28A0092B-C50C-407E-A947-70E740481C1C}">
+                <a14:useLocalDpi xmlns:a14="http://schemas.microsoft.com/office/drawing/2010/main" val="0"/>
+              </a:ext>
+            </a:extLst>
+          </a:blip>
+          <a:stretch>
+            <a:fillRect/>
+          </a:stretch>
+        </p:blipFill>
+        <p:spPr>
+          <a:xfrm>
+            <a:off x="6385026" y="3540563"/>
+            <a:ext cx="4610743" cy="2133898"/>
+          </a:xfrm>
+          <a:prstGeom prst="rect">
+            <a:avLst/>
+          </a:prstGeom>
+        </p:spPr>
+      </p:pic>
+      <p:pic>
+        <p:nvPicPr>
+          <p:cNvPr id="9" name="Picture 8" descr="A close up of a screen&#10;&#10;Description automatically generated">
+            <a:extLst>
+              <a:ext uri="{FF2B5EF4-FFF2-40B4-BE49-F238E27FC236}">
+                <a16:creationId xmlns:a16="http://schemas.microsoft.com/office/drawing/2014/main" id="{E2CD5607-88B2-45C5-96E6-B8CE3B6C09FA}"/>
+              </a:ext>
+            </a:extLst>
+          </p:cNvPr>
+          <p:cNvPicPr>
+            <a:picLocks noChangeAspect="1"/>
+          </p:cNvPicPr>
+          <p:nvPr/>
+        </p:nvPicPr>
+        <p:blipFill>
+          <a:blip r:embed="rId3">
+            <a:extLst>
+              <a:ext uri="{28A0092B-C50C-407E-A947-70E740481C1C}">
+                <a14:useLocalDpi xmlns:a14="http://schemas.microsoft.com/office/drawing/2010/main" val="0"/>
+              </a:ext>
+            </a:extLst>
+          </a:blip>
+          <a:stretch>
+            <a:fillRect/>
+          </a:stretch>
+        </p:blipFill>
+        <p:spPr>
+          <a:xfrm>
+            <a:off x="1196231" y="3540563"/>
+            <a:ext cx="4763165" cy="2276793"/>
+          </a:xfrm>
+          <a:prstGeom prst="rect">
+            <a:avLst/>
+          </a:prstGeom>
+        </p:spPr>
+      </p:pic>
+    </p:spTree>
+    <p:extLst>
+      <p:ext uri="{BB962C8B-B14F-4D97-AF65-F5344CB8AC3E}">
+        <p14:creationId xmlns:p14="http://schemas.microsoft.com/office/powerpoint/2010/main" val="2897192024"/>
+      </p:ext>
+    </p:extLst>
+  </p:cSld>
+  <p:clrMapOvr>
+    <a:masterClrMapping/>
+  </p:clrMapOvr>
+</p:sld>
+</file>
+
+<file path=ppt/slides/slide18.xml><?xml version="1.0" encoding="utf-8"?>
+<p:sld xmlns:a="http://schemas.openxmlformats.org/drawingml/2006/main" xmlns:r="http://schemas.openxmlformats.org/officeDocument/2006/relationships" xmlns:p="http://schemas.openxmlformats.org/presentationml/2006/main">
+  <p:cSld>
+    <p:spTree>
+      <p:nvGrpSpPr>
+        <p:cNvPr id="1" name=""/>
+        <p:cNvGrpSpPr/>
+        <p:nvPr/>
+      </p:nvGrpSpPr>
+      <p:grpSpPr>
+        <a:xfrm>
+          <a:off x="0" y="0"/>
+          <a:ext cx="0" cy="0"/>
+          <a:chOff x="0" y="0"/>
+          <a:chExt cx="0" cy="0"/>
+        </a:xfrm>
+      </p:grpSpPr>
+      <p:sp>
+        <p:nvSpPr>
+          <p:cNvPr id="2" name="Title 1">
+            <a:extLst>
+              <a:ext uri="{FF2B5EF4-FFF2-40B4-BE49-F238E27FC236}">
+                <a16:creationId xmlns:a16="http://schemas.microsoft.com/office/drawing/2014/main" id="{D78900CF-3D09-4C9A-83F9-F9DD82856CF0}"/>
+              </a:ext>
+            </a:extLst>
+          </p:cNvPr>
+          <p:cNvSpPr>
+            <a:spLocks noGrp="1"/>
+          </p:cNvSpPr>
+          <p:nvPr>
+            <p:ph type="title"/>
+          </p:nvPr>
+        </p:nvSpPr>
+        <p:spPr/>
+        <p:txBody>
+          <a:bodyPr/>
+          <a:lstStyle/>
+          <a:p>
+            <a:r>
+              <a:rPr lang="en-US" dirty="0"/>
+              <a:t>Development – Data</a:t>
+            </a:r>
+          </a:p>
+        </p:txBody>
+      </p:sp>
+      <p:sp>
+        <p:nvSpPr>
+          <p:cNvPr id="3" name="Content Placeholder 2">
+            <a:extLst>
+              <a:ext uri="{FF2B5EF4-FFF2-40B4-BE49-F238E27FC236}">
+                <a16:creationId xmlns:a16="http://schemas.microsoft.com/office/drawing/2014/main" id="{C9CB44CB-0332-4A88-97F5-5C19C85C52DF}"/>
+              </a:ext>
+            </a:extLst>
+          </p:cNvPr>
+          <p:cNvSpPr>
+            <a:spLocks noGrp="1"/>
+          </p:cNvSpPr>
+          <p:nvPr>
+            <p:ph idx="1"/>
+          </p:nvPr>
+        </p:nvSpPr>
+        <p:spPr/>
+        <p:txBody>
+          <a:bodyPr anchor="t"/>
+          <a:lstStyle/>
+          <a:p>
+            <a:r>
+              <a:rPr lang="en-US" dirty="0"/>
+              <a:t>Pagination - offset:</a:t>
+            </a:r>
+          </a:p>
+        </p:txBody>
+      </p:sp>
+      <p:sp>
+        <p:nvSpPr>
+          <p:cNvPr id="8" name="TextBox 7">
+            <a:extLst>
+              <a:ext uri="{FF2B5EF4-FFF2-40B4-BE49-F238E27FC236}">
+                <a16:creationId xmlns:a16="http://schemas.microsoft.com/office/drawing/2014/main" id="{59B1CC75-6E00-450E-9A12-0464254DA701}"/>
+              </a:ext>
+            </a:extLst>
+          </p:cNvPr>
+          <p:cNvSpPr txBox="1"/>
+          <p:nvPr/>
+        </p:nvSpPr>
+        <p:spPr>
+          <a:xfrm>
+            <a:off x="1501629" y="3244334"/>
+            <a:ext cx="3788217" cy="369332"/>
+          </a:xfrm>
+          <a:prstGeom prst="rect">
+            <a:avLst/>
+          </a:prstGeom>
+          <a:noFill/>
+        </p:spPr>
+        <p:txBody>
+          <a:bodyPr wrap="none" rtlCol="0">
+            <a:spAutoFit/>
+          </a:bodyPr>
+          <a:lstStyle/>
+          <a:p>
+            <a:r>
+              <a:rPr lang="en-US" dirty="0"/>
+              <a:t>Use </a:t>
+            </a:r>
+            <a:r>
+              <a:rPr lang="en-US" dirty="0">
+                <a:solidFill>
+                  <a:srgbClr val="FF0000"/>
+                </a:solidFill>
+              </a:rPr>
+              <a:t>fetchMore</a:t>
+            </a:r>
+            <a:r>
+              <a:rPr lang="en-US" dirty="0"/>
+              <a:t> to load the next part</a:t>
+            </a:r>
+          </a:p>
+        </p:txBody>
+      </p:sp>
+      <p:pic>
+        <p:nvPicPr>
+          <p:cNvPr id="10" name="Picture 9" descr="A close up of a screen&#10;&#10;Description automatically generated">
+            <a:extLst>
+              <a:ext uri="{FF2B5EF4-FFF2-40B4-BE49-F238E27FC236}">
+                <a16:creationId xmlns:a16="http://schemas.microsoft.com/office/drawing/2014/main" id="{72846B0D-5004-4A64-9E5C-B177B7EC1C10}"/>
+              </a:ext>
+            </a:extLst>
+          </p:cNvPr>
+          <p:cNvPicPr>
+            <a:picLocks noChangeAspect="1"/>
+          </p:cNvPicPr>
+          <p:nvPr/>
+        </p:nvPicPr>
+        <p:blipFill>
+          <a:blip r:embed="rId2">
+            <a:extLst>
+              <a:ext uri="{28A0092B-C50C-407E-A947-70E740481C1C}">
+                <a14:useLocalDpi xmlns:a14="http://schemas.microsoft.com/office/drawing/2010/main" val="0"/>
+              </a:ext>
+            </a:extLst>
+          </a:blip>
+          <a:stretch>
+            <a:fillRect/>
+          </a:stretch>
+        </p:blipFill>
+        <p:spPr>
+          <a:xfrm>
+            <a:off x="5786568" y="2636408"/>
+            <a:ext cx="4286848" cy="3229426"/>
+          </a:xfrm>
+          <a:prstGeom prst="rect">
+            <a:avLst/>
+          </a:prstGeom>
+        </p:spPr>
+      </p:pic>
+    </p:spTree>
+    <p:extLst>
+      <p:ext uri="{BB962C8B-B14F-4D97-AF65-F5344CB8AC3E}">
+        <p14:creationId xmlns:p14="http://schemas.microsoft.com/office/powerpoint/2010/main" val="363183883"/>
+      </p:ext>
+    </p:extLst>
+  </p:cSld>
+  <p:clrMapOvr>
+    <a:masterClrMapping/>
+  </p:clrMapOvr>
+</p:sld>
+</file>
+
+<file path=ppt/slides/slide19.xml><?xml version="1.0" encoding="utf-8"?>
+<p:sld xmlns:a="http://schemas.openxmlformats.org/drawingml/2006/main" xmlns:r="http://schemas.openxmlformats.org/officeDocument/2006/relationships" xmlns:p="http://schemas.openxmlformats.org/presentationml/2006/main">
+  <p:cSld>
+    <p:spTree>
+      <p:nvGrpSpPr>
+        <p:cNvPr id="1" name=""/>
+        <p:cNvGrpSpPr/>
+        <p:nvPr/>
+      </p:nvGrpSpPr>
+      <p:grpSpPr>
+        <a:xfrm>
+          <a:off x="0" y="0"/>
+          <a:ext cx="0" cy="0"/>
+          <a:chOff x="0" y="0"/>
+          <a:chExt cx="0" cy="0"/>
+        </a:xfrm>
+      </p:grpSpPr>
+      <p:sp>
+        <p:nvSpPr>
+          <p:cNvPr id="2" name="Title 1">
+            <a:extLst>
+              <a:ext uri="{FF2B5EF4-FFF2-40B4-BE49-F238E27FC236}">
+                <a16:creationId xmlns:a16="http://schemas.microsoft.com/office/drawing/2014/main" id="{D78900CF-3D09-4C9A-83F9-F9DD82856CF0}"/>
+              </a:ext>
+            </a:extLst>
+          </p:cNvPr>
+          <p:cNvSpPr>
+            <a:spLocks noGrp="1"/>
+          </p:cNvSpPr>
+          <p:nvPr>
+            <p:ph type="title"/>
+          </p:nvPr>
+        </p:nvSpPr>
+        <p:spPr/>
+        <p:txBody>
+          <a:bodyPr/>
+          <a:lstStyle/>
+          <a:p>
+            <a:r>
+              <a:rPr lang="en-US" dirty="0"/>
+              <a:t>Development – Data</a:t>
+            </a:r>
+          </a:p>
+        </p:txBody>
+      </p:sp>
+      <p:sp>
+        <p:nvSpPr>
+          <p:cNvPr id="3" name="Content Placeholder 2">
+            <a:extLst>
+              <a:ext uri="{FF2B5EF4-FFF2-40B4-BE49-F238E27FC236}">
+                <a16:creationId xmlns:a16="http://schemas.microsoft.com/office/drawing/2014/main" id="{C9CB44CB-0332-4A88-97F5-5C19C85C52DF}"/>
+              </a:ext>
+            </a:extLst>
+          </p:cNvPr>
+          <p:cNvSpPr>
+            <a:spLocks noGrp="1"/>
+          </p:cNvSpPr>
+          <p:nvPr>
+            <p:ph idx="1"/>
+          </p:nvPr>
+        </p:nvSpPr>
+        <p:spPr/>
+        <p:txBody>
+          <a:bodyPr anchor="t"/>
+          <a:lstStyle/>
+          <a:p>
+            <a:r>
+              <a:rPr lang="en-US" dirty="0"/>
+              <a:t>Pagination - cursor:</a:t>
+            </a:r>
+          </a:p>
+          <a:p>
+            <a:pPr lvl="1"/>
+            <a:r>
+              <a:rPr lang="en-US" dirty="0"/>
+              <a:t>Declare cursor in GraphQL string</a:t>
+            </a:r>
+          </a:p>
+        </p:txBody>
+      </p:sp>
+      <p:pic>
+        <p:nvPicPr>
+          <p:cNvPr id="5" name="Picture 4" descr="A screenshot of a cell phone&#10;&#10;Description automatically generated">
+            <a:extLst>
+              <a:ext uri="{FF2B5EF4-FFF2-40B4-BE49-F238E27FC236}">
+                <a16:creationId xmlns:a16="http://schemas.microsoft.com/office/drawing/2014/main" id="{68D66BA4-9789-48FE-B448-E367293AFD90}"/>
+              </a:ext>
+            </a:extLst>
+          </p:cNvPr>
+          <p:cNvPicPr>
+            <a:picLocks noChangeAspect="1"/>
+          </p:cNvPicPr>
+          <p:nvPr/>
+        </p:nvPicPr>
+        <p:blipFill>
+          <a:blip r:embed="rId2">
+            <a:extLst>
+              <a:ext uri="{28A0092B-C50C-407E-A947-70E740481C1C}">
+                <a14:useLocalDpi xmlns:a14="http://schemas.microsoft.com/office/drawing/2010/main" val="0"/>
+              </a:ext>
+            </a:extLst>
+          </a:blip>
+          <a:stretch>
+            <a:fillRect/>
+          </a:stretch>
+        </p:blipFill>
+        <p:spPr>
+          <a:xfrm>
+            <a:off x="4424129" y="3443681"/>
+            <a:ext cx="3343742" cy="2257740"/>
+          </a:xfrm>
+          <a:prstGeom prst="rect">
+            <a:avLst/>
+          </a:prstGeom>
+        </p:spPr>
+      </p:pic>
+    </p:spTree>
+    <p:extLst>
+      <p:ext uri="{BB962C8B-B14F-4D97-AF65-F5344CB8AC3E}">
+        <p14:creationId xmlns:p14="http://schemas.microsoft.com/office/powerpoint/2010/main" val="3691560595"/>
       </p:ext>
     </p:extLst>
   </p:cSld>
@@ -11305,6 +9627,1336 @@
 </p:sld>
 </file>
 
+<file path=ppt/slides/slide20.xml><?xml version="1.0" encoding="utf-8"?>
+<p:sld xmlns:a="http://schemas.openxmlformats.org/drawingml/2006/main" xmlns:r="http://schemas.openxmlformats.org/officeDocument/2006/relationships" xmlns:p="http://schemas.openxmlformats.org/presentationml/2006/main">
+  <p:cSld>
+    <p:spTree>
+      <p:nvGrpSpPr>
+        <p:cNvPr id="1" name=""/>
+        <p:cNvGrpSpPr/>
+        <p:nvPr/>
+      </p:nvGrpSpPr>
+      <p:grpSpPr>
+        <a:xfrm>
+          <a:off x="0" y="0"/>
+          <a:ext cx="0" cy="0"/>
+          <a:chOff x="0" y="0"/>
+          <a:chExt cx="0" cy="0"/>
+        </a:xfrm>
+      </p:grpSpPr>
+      <p:sp>
+        <p:nvSpPr>
+          <p:cNvPr id="2" name="Title 1">
+            <a:extLst>
+              <a:ext uri="{FF2B5EF4-FFF2-40B4-BE49-F238E27FC236}">
+                <a16:creationId xmlns:a16="http://schemas.microsoft.com/office/drawing/2014/main" id="{D78900CF-3D09-4C9A-83F9-F9DD82856CF0}"/>
+              </a:ext>
+            </a:extLst>
+          </p:cNvPr>
+          <p:cNvSpPr>
+            <a:spLocks noGrp="1"/>
+          </p:cNvSpPr>
+          <p:nvPr>
+            <p:ph type="title"/>
+          </p:nvPr>
+        </p:nvSpPr>
+        <p:spPr/>
+        <p:txBody>
+          <a:bodyPr/>
+          <a:lstStyle/>
+          <a:p>
+            <a:r>
+              <a:rPr lang="en-US" dirty="0"/>
+              <a:t>Development – Data</a:t>
+            </a:r>
+          </a:p>
+        </p:txBody>
+      </p:sp>
+      <p:sp>
+        <p:nvSpPr>
+          <p:cNvPr id="3" name="Content Placeholder 2">
+            <a:extLst>
+              <a:ext uri="{FF2B5EF4-FFF2-40B4-BE49-F238E27FC236}">
+                <a16:creationId xmlns:a16="http://schemas.microsoft.com/office/drawing/2014/main" id="{C9CB44CB-0332-4A88-97F5-5C19C85C52DF}"/>
+              </a:ext>
+            </a:extLst>
+          </p:cNvPr>
+          <p:cNvSpPr>
+            <a:spLocks noGrp="1"/>
+          </p:cNvSpPr>
+          <p:nvPr>
+            <p:ph idx="1"/>
+          </p:nvPr>
+        </p:nvSpPr>
+        <p:spPr/>
+        <p:txBody>
+          <a:bodyPr anchor="t"/>
+          <a:lstStyle/>
+          <a:p>
+            <a:r>
+              <a:rPr lang="en-US" dirty="0"/>
+              <a:t>Pagination - cursor:</a:t>
+            </a:r>
+          </a:p>
+        </p:txBody>
+      </p:sp>
+      <p:pic>
+        <p:nvPicPr>
+          <p:cNvPr id="6" name="Picture 5" descr="A screenshot of a cell phone&#10;&#10;Description automatically generated">
+            <a:extLst>
+              <a:ext uri="{FF2B5EF4-FFF2-40B4-BE49-F238E27FC236}">
+                <a16:creationId xmlns:a16="http://schemas.microsoft.com/office/drawing/2014/main" id="{87D2A4F3-BCD9-4368-B2F2-1712BF145FDF}"/>
+              </a:ext>
+            </a:extLst>
+          </p:cNvPr>
+          <p:cNvPicPr>
+            <a:picLocks noChangeAspect="1"/>
+          </p:cNvPicPr>
+          <p:nvPr/>
+        </p:nvPicPr>
+        <p:blipFill>
+          <a:blip r:embed="rId2">
+            <a:extLst>
+              <a:ext uri="{28A0092B-C50C-407E-A947-70E740481C1C}">
+                <a14:useLocalDpi xmlns:a14="http://schemas.microsoft.com/office/drawing/2010/main" val="0"/>
+              </a:ext>
+            </a:extLst>
+          </a:blip>
+          <a:stretch>
+            <a:fillRect/>
+          </a:stretch>
+        </p:blipFill>
+        <p:spPr>
+          <a:xfrm>
+            <a:off x="5659795" y="1885285"/>
+            <a:ext cx="5389402" cy="4683327"/>
+          </a:xfrm>
+          <a:prstGeom prst="rect">
+            <a:avLst/>
+          </a:prstGeom>
+        </p:spPr>
+      </p:pic>
+      <p:sp>
+        <p:nvSpPr>
+          <p:cNvPr id="7" name="TextBox 6">
+            <a:extLst>
+              <a:ext uri="{FF2B5EF4-FFF2-40B4-BE49-F238E27FC236}">
+                <a16:creationId xmlns:a16="http://schemas.microsoft.com/office/drawing/2014/main" id="{C31E6C21-4D9C-4832-83E0-3CFB76E4134D}"/>
+              </a:ext>
+            </a:extLst>
+          </p:cNvPr>
+          <p:cNvSpPr txBox="1"/>
+          <p:nvPr/>
+        </p:nvSpPr>
+        <p:spPr>
+          <a:xfrm>
+            <a:off x="1812022" y="3244334"/>
+            <a:ext cx="3788217" cy="369332"/>
+          </a:xfrm>
+          <a:prstGeom prst="rect">
+            <a:avLst/>
+          </a:prstGeom>
+          <a:noFill/>
+        </p:spPr>
+        <p:txBody>
+          <a:bodyPr wrap="none" rtlCol="0">
+            <a:spAutoFit/>
+          </a:bodyPr>
+          <a:lstStyle/>
+          <a:p>
+            <a:r>
+              <a:rPr lang="en-US" dirty="0"/>
+              <a:t>Use </a:t>
+            </a:r>
+            <a:r>
+              <a:rPr lang="en-US" dirty="0">
+                <a:solidFill>
+                  <a:srgbClr val="FF0000"/>
+                </a:solidFill>
+              </a:rPr>
+              <a:t>fetchMore</a:t>
+            </a:r>
+            <a:r>
+              <a:rPr lang="en-US" dirty="0"/>
+              <a:t> to load the next part</a:t>
+            </a:r>
+          </a:p>
+        </p:txBody>
+      </p:sp>
+    </p:spTree>
+    <p:extLst>
+      <p:ext uri="{BB962C8B-B14F-4D97-AF65-F5344CB8AC3E}">
+        <p14:creationId xmlns:p14="http://schemas.microsoft.com/office/powerpoint/2010/main" val="2327171324"/>
+      </p:ext>
+    </p:extLst>
+  </p:cSld>
+  <p:clrMapOvr>
+    <a:masterClrMapping/>
+  </p:clrMapOvr>
+</p:sld>
+</file>
+
+<file path=ppt/slides/slide21.xml><?xml version="1.0" encoding="utf-8"?>
+<p:sld xmlns:a="http://schemas.openxmlformats.org/drawingml/2006/main" xmlns:r="http://schemas.openxmlformats.org/officeDocument/2006/relationships" xmlns:p="http://schemas.openxmlformats.org/presentationml/2006/main">
+  <p:cSld>
+    <p:spTree>
+      <p:nvGrpSpPr>
+        <p:cNvPr id="1" name=""/>
+        <p:cNvGrpSpPr/>
+        <p:nvPr/>
+      </p:nvGrpSpPr>
+      <p:grpSpPr>
+        <a:xfrm>
+          <a:off x="0" y="0"/>
+          <a:ext cx="0" cy="0"/>
+          <a:chOff x="0" y="0"/>
+          <a:chExt cx="0" cy="0"/>
+        </a:xfrm>
+      </p:grpSpPr>
+      <p:sp>
+        <p:nvSpPr>
+          <p:cNvPr id="2" name="Title 1">
+            <a:extLst>
+              <a:ext uri="{FF2B5EF4-FFF2-40B4-BE49-F238E27FC236}">
+                <a16:creationId xmlns:a16="http://schemas.microsoft.com/office/drawing/2014/main" id="{D78900CF-3D09-4C9A-83F9-F9DD82856CF0}"/>
+              </a:ext>
+            </a:extLst>
+          </p:cNvPr>
+          <p:cNvSpPr>
+            <a:spLocks noGrp="1"/>
+          </p:cNvSpPr>
+          <p:nvPr>
+            <p:ph type="title"/>
+          </p:nvPr>
+        </p:nvSpPr>
+        <p:spPr/>
+        <p:txBody>
+          <a:bodyPr/>
+          <a:lstStyle/>
+          <a:p>
+            <a:r>
+              <a:rPr lang="en-US" dirty="0"/>
+              <a:t>Development – Data</a:t>
+            </a:r>
+          </a:p>
+        </p:txBody>
+      </p:sp>
+      <p:sp>
+        <p:nvSpPr>
+          <p:cNvPr id="3" name="Content Placeholder 2">
+            <a:extLst>
+              <a:ext uri="{FF2B5EF4-FFF2-40B4-BE49-F238E27FC236}">
+                <a16:creationId xmlns:a16="http://schemas.microsoft.com/office/drawing/2014/main" id="{C9CB44CB-0332-4A88-97F5-5C19C85C52DF}"/>
+              </a:ext>
+            </a:extLst>
+          </p:cNvPr>
+          <p:cNvSpPr>
+            <a:spLocks noGrp="1"/>
+          </p:cNvSpPr>
+          <p:nvPr>
+            <p:ph idx="1"/>
+          </p:nvPr>
+        </p:nvSpPr>
+        <p:spPr/>
+        <p:txBody>
+          <a:bodyPr anchor="t">
+            <a:normAutofit lnSpcReduction="10000"/>
+          </a:bodyPr>
+          <a:lstStyle/>
+          <a:p>
+            <a:r>
+              <a:rPr lang="en-US" dirty="0"/>
+              <a:t>Error handling:</a:t>
+            </a:r>
+          </a:p>
+          <a:p>
+            <a:pPr lvl="1"/>
+            <a:r>
+              <a:rPr lang="en-US" dirty="0">
+                <a:solidFill>
+                  <a:srgbClr val="FF0000"/>
+                </a:solidFill>
+              </a:rPr>
+              <a:t>GraphQL</a:t>
+            </a:r>
+            <a:r>
+              <a:rPr lang="en-US" dirty="0"/>
+              <a:t> errors: errors in the GraphQL results that can appear alongside successful data</a:t>
+            </a:r>
+          </a:p>
+          <a:p>
+            <a:pPr lvl="1"/>
+            <a:r>
+              <a:rPr lang="en-US" dirty="0">
+                <a:solidFill>
+                  <a:srgbClr val="FF0000"/>
+                </a:solidFill>
+              </a:rPr>
+              <a:t>Server</a:t>
+            </a:r>
+            <a:r>
+              <a:rPr lang="en-US" dirty="0"/>
+              <a:t> errors: server internal errors that prevent a successful response from being formed</a:t>
+            </a:r>
+          </a:p>
+          <a:p>
+            <a:pPr lvl="1"/>
+            <a:r>
+              <a:rPr lang="en-US" dirty="0">
+                <a:solidFill>
+                  <a:srgbClr val="FF0000"/>
+                </a:solidFill>
+              </a:rPr>
+              <a:t>Transaction</a:t>
+            </a:r>
+            <a:r>
+              <a:rPr lang="en-US" dirty="0"/>
+              <a:t> errors: errors inside transaction actions like update on mutations</a:t>
+            </a:r>
+          </a:p>
+          <a:p>
+            <a:pPr lvl="1"/>
+            <a:r>
+              <a:rPr lang="en-US" dirty="0">
+                <a:solidFill>
+                  <a:srgbClr val="FF0000"/>
+                </a:solidFill>
+              </a:rPr>
+              <a:t>UI</a:t>
+            </a:r>
+            <a:r>
+              <a:rPr lang="en-US" dirty="0"/>
+              <a:t> errors: errors that occur in your component code</a:t>
+            </a:r>
+          </a:p>
+          <a:p>
+            <a:pPr lvl="1"/>
+            <a:r>
+              <a:rPr lang="en-US" dirty="0">
+                <a:solidFill>
+                  <a:srgbClr val="FF0000"/>
+                </a:solidFill>
+              </a:rPr>
+              <a:t>Apollo Client </a:t>
+            </a:r>
+            <a:r>
+              <a:rPr lang="en-US" dirty="0"/>
+              <a:t>errors: internal errors within the core or corresponding libraries</a:t>
+            </a:r>
+          </a:p>
+        </p:txBody>
+      </p:sp>
+    </p:spTree>
+    <p:extLst>
+      <p:ext uri="{BB962C8B-B14F-4D97-AF65-F5344CB8AC3E}">
+        <p14:creationId xmlns:p14="http://schemas.microsoft.com/office/powerpoint/2010/main" val="1492432551"/>
+      </p:ext>
+    </p:extLst>
+  </p:cSld>
+  <p:clrMapOvr>
+    <a:masterClrMapping/>
+  </p:clrMapOvr>
+</p:sld>
+</file>
+
+<file path=ppt/slides/slide22.xml><?xml version="1.0" encoding="utf-8"?>
+<p:sld xmlns:a="http://schemas.openxmlformats.org/drawingml/2006/main" xmlns:r="http://schemas.openxmlformats.org/officeDocument/2006/relationships" xmlns:p="http://schemas.openxmlformats.org/presentationml/2006/main">
+  <p:cSld>
+    <p:spTree>
+      <p:nvGrpSpPr>
+        <p:cNvPr id="1" name=""/>
+        <p:cNvGrpSpPr/>
+        <p:nvPr/>
+      </p:nvGrpSpPr>
+      <p:grpSpPr>
+        <a:xfrm>
+          <a:off x="0" y="0"/>
+          <a:ext cx="0" cy="0"/>
+          <a:chOff x="0" y="0"/>
+          <a:chExt cx="0" cy="0"/>
+        </a:xfrm>
+      </p:grpSpPr>
+      <p:sp>
+        <p:nvSpPr>
+          <p:cNvPr id="2" name="Title 1">
+            <a:extLst>
+              <a:ext uri="{FF2B5EF4-FFF2-40B4-BE49-F238E27FC236}">
+                <a16:creationId xmlns:a16="http://schemas.microsoft.com/office/drawing/2014/main" id="{D78900CF-3D09-4C9A-83F9-F9DD82856CF0}"/>
+              </a:ext>
+            </a:extLst>
+          </p:cNvPr>
+          <p:cNvSpPr>
+            <a:spLocks noGrp="1"/>
+          </p:cNvSpPr>
+          <p:nvPr>
+            <p:ph type="title"/>
+          </p:nvPr>
+        </p:nvSpPr>
+        <p:spPr/>
+        <p:txBody>
+          <a:bodyPr/>
+          <a:lstStyle/>
+          <a:p>
+            <a:r>
+              <a:rPr lang="en-US" dirty="0"/>
+              <a:t>Development – Data</a:t>
+            </a:r>
+          </a:p>
+        </p:txBody>
+      </p:sp>
+      <p:sp>
+        <p:nvSpPr>
+          <p:cNvPr id="3" name="Content Placeholder 2">
+            <a:extLst>
+              <a:ext uri="{FF2B5EF4-FFF2-40B4-BE49-F238E27FC236}">
+                <a16:creationId xmlns:a16="http://schemas.microsoft.com/office/drawing/2014/main" id="{C9CB44CB-0332-4A88-97F5-5C19C85C52DF}"/>
+              </a:ext>
+            </a:extLst>
+          </p:cNvPr>
+          <p:cNvSpPr>
+            <a:spLocks noGrp="1"/>
+          </p:cNvSpPr>
+          <p:nvPr>
+            <p:ph idx="1"/>
+          </p:nvPr>
+        </p:nvSpPr>
+        <p:spPr/>
+        <p:txBody>
+          <a:bodyPr anchor="t">
+            <a:normAutofit/>
+          </a:bodyPr>
+          <a:lstStyle/>
+          <a:p>
+            <a:r>
+              <a:rPr lang="en-US" dirty="0"/>
+              <a:t>Error handling</a:t>
+            </a:r>
+          </a:p>
+        </p:txBody>
+      </p:sp>
+      <p:pic>
+        <p:nvPicPr>
+          <p:cNvPr id="7" name="Picture 6" descr="A screenshot of a cell phone&#10;&#10;Description automatically generated">
+            <a:extLst>
+              <a:ext uri="{FF2B5EF4-FFF2-40B4-BE49-F238E27FC236}">
+                <a16:creationId xmlns:a16="http://schemas.microsoft.com/office/drawing/2014/main" id="{C7AAFE2C-7654-40CD-A1E0-BB44EE61C4DC}"/>
+              </a:ext>
+            </a:extLst>
+          </p:cNvPr>
+          <p:cNvPicPr>
+            <a:picLocks noChangeAspect="1"/>
+          </p:cNvPicPr>
+          <p:nvPr/>
+        </p:nvPicPr>
+        <p:blipFill>
+          <a:blip r:embed="rId2">
+            <a:extLst>
+              <a:ext uri="{28A0092B-C50C-407E-A947-70E740481C1C}">
+                <a14:useLocalDpi xmlns:a14="http://schemas.microsoft.com/office/drawing/2010/main" val="0"/>
+              </a:ext>
+            </a:extLst>
+          </a:blip>
+          <a:stretch>
+            <a:fillRect/>
+          </a:stretch>
+        </p:blipFill>
+        <p:spPr>
+          <a:xfrm>
+            <a:off x="4910144" y="1885285"/>
+            <a:ext cx="6163535" cy="4010585"/>
+          </a:xfrm>
+          <a:prstGeom prst="rect">
+            <a:avLst/>
+          </a:prstGeom>
+        </p:spPr>
+      </p:pic>
+    </p:spTree>
+    <p:extLst>
+      <p:ext uri="{BB962C8B-B14F-4D97-AF65-F5344CB8AC3E}">
+        <p14:creationId xmlns:p14="http://schemas.microsoft.com/office/powerpoint/2010/main" val="4265102958"/>
+      </p:ext>
+    </p:extLst>
+  </p:cSld>
+  <p:clrMapOvr>
+    <a:masterClrMapping/>
+  </p:clrMapOvr>
+</p:sld>
+</file>
+
+<file path=ppt/slides/slide23.xml><?xml version="1.0" encoding="utf-8"?>
+<p:sld xmlns:a="http://schemas.openxmlformats.org/drawingml/2006/main" xmlns:r="http://schemas.openxmlformats.org/officeDocument/2006/relationships" xmlns:p="http://schemas.openxmlformats.org/presentationml/2006/main">
+  <p:cSld>
+    <p:spTree>
+      <p:nvGrpSpPr>
+        <p:cNvPr id="1" name=""/>
+        <p:cNvGrpSpPr/>
+        <p:nvPr/>
+      </p:nvGrpSpPr>
+      <p:grpSpPr>
+        <a:xfrm>
+          <a:off x="0" y="0"/>
+          <a:ext cx="0" cy="0"/>
+          <a:chOff x="0" y="0"/>
+          <a:chExt cx="0" cy="0"/>
+        </a:xfrm>
+      </p:grpSpPr>
+      <p:sp>
+        <p:nvSpPr>
+          <p:cNvPr id="2" name="Title 1">
+            <a:extLst>
+              <a:ext uri="{FF2B5EF4-FFF2-40B4-BE49-F238E27FC236}">
+                <a16:creationId xmlns:a16="http://schemas.microsoft.com/office/drawing/2014/main" id="{7DAA2B9A-2033-41C5-AC34-7AE7841D47AD}"/>
+              </a:ext>
+            </a:extLst>
+          </p:cNvPr>
+          <p:cNvSpPr>
+            <a:spLocks noGrp="1"/>
+          </p:cNvSpPr>
+          <p:nvPr>
+            <p:ph type="title"/>
+          </p:nvPr>
+        </p:nvSpPr>
+        <p:spPr/>
+        <p:txBody>
+          <a:bodyPr/>
+          <a:lstStyle/>
+          <a:p>
+            <a:r>
+              <a:rPr lang="en-US" dirty="0"/>
+              <a:t>Development – Caching</a:t>
+            </a:r>
+          </a:p>
+        </p:txBody>
+      </p:sp>
+      <p:sp>
+        <p:nvSpPr>
+          <p:cNvPr id="3" name="Content Placeholder 2">
+            <a:extLst>
+              <a:ext uri="{FF2B5EF4-FFF2-40B4-BE49-F238E27FC236}">
+                <a16:creationId xmlns:a16="http://schemas.microsoft.com/office/drawing/2014/main" id="{6BD6949E-202D-426F-B07E-B156C2903FEA}"/>
+              </a:ext>
+            </a:extLst>
+          </p:cNvPr>
+          <p:cNvSpPr>
+            <a:spLocks noGrp="1"/>
+          </p:cNvSpPr>
+          <p:nvPr>
+            <p:ph idx="1"/>
+          </p:nvPr>
+        </p:nvSpPr>
+        <p:spPr/>
+        <p:txBody>
+          <a:bodyPr anchor="t"/>
+          <a:lstStyle/>
+          <a:p>
+            <a:r>
+              <a:rPr lang="en-US" dirty="0"/>
+              <a:t>Install package apollo-cache-</a:t>
+            </a:r>
+            <a:r>
+              <a:rPr lang="en-US" dirty="0" err="1"/>
+              <a:t>inmemory</a:t>
+            </a:r>
+            <a:endParaRPr lang="en-US" dirty="0"/>
+          </a:p>
+          <a:p>
+            <a:r>
+              <a:rPr lang="en-US" dirty="0"/>
+              <a:t>Add cache to Apollo Client</a:t>
+            </a:r>
+          </a:p>
+        </p:txBody>
+      </p:sp>
+      <p:pic>
+        <p:nvPicPr>
+          <p:cNvPr id="6" name="Picture 5" descr="A screenshot of a cell phone&#10;&#10;Description automatically generated">
+            <a:extLst>
+              <a:ext uri="{FF2B5EF4-FFF2-40B4-BE49-F238E27FC236}">
+                <a16:creationId xmlns:a16="http://schemas.microsoft.com/office/drawing/2014/main" id="{88089979-393F-4FFE-B2C0-3A8841E445A4}"/>
+              </a:ext>
+            </a:extLst>
+          </p:cNvPr>
+          <p:cNvPicPr>
+            <a:picLocks noChangeAspect="1"/>
+          </p:cNvPicPr>
+          <p:nvPr/>
+        </p:nvPicPr>
+        <p:blipFill>
+          <a:blip r:embed="rId2">
+            <a:extLst>
+              <a:ext uri="{28A0092B-C50C-407E-A947-70E740481C1C}">
+                <a14:useLocalDpi xmlns:a14="http://schemas.microsoft.com/office/drawing/2010/main" val="0"/>
+              </a:ext>
+            </a:extLst>
+          </a:blip>
+          <a:stretch>
+            <a:fillRect/>
+          </a:stretch>
+        </p:blipFill>
+        <p:spPr>
+          <a:xfrm>
+            <a:off x="3695365" y="3335242"/>
+            <a:ext cx="4801270" cy="1781424"/>
+          </a:xfrm>
+          <a:prstGeom prst="rect">
+            <a:avLst/>
+          </a:prstGeom>
+        </p:spPr>
+      </p:pic>
+    </p:spTree>
+    <p:extLst>
+      <p:ext uri="{BB962C8B-B14F-4D97-AF65-F5344CB8AC3E}">
+        <p14:creationId xmlns:p14="http://schemas.microsoft.com/office/powerpoint/2010/main" val="351601293"/>
+      </p:ext>
+    </p:extLst>
+  </p:cSld>
+  <p:clrMapOvr>
+    <a:masterClrMapping/>
+  </p:clrMapOvr>
+</p:sld>
+</file>
+
+<file path=ppt/slides/slide24.xml><?xml version="1.0" encoding="utf-8"?>
+<p:sld xmlns:a="http://schemas.openxmlformats.org/drawingml/2006/main" xmlns:r="http://schemas.openxmlformats.org/officeDocument/2006/relationships" xmlns:p="http://schemas.openxmlformats.org/presentationml/2006/main">
+  <p:cSld>
+    <p:spTree>
+      <p:nvGrpSpPr>
+        <p:cNvPr id="1" name=""/>
+        <p:cNvGrpSpPr/>
+        <p:nvPr/>
+      </p:nvGrpSpPr>
+      <p:grpSpPr>
+        <a:xfrm>
+          <a:off x="0" y="0"/>
+          <a:ext cx="0" cy="0"/>
+          <a:chOff x="0" y="0"/>
+          <a:chExt cx="0" cy="0"/>
+        </a:xfrm>
+      </p:grpSpPr>
+      <p:sp>
+        <p:nvSpPr>
+          <p:cNvPr id="2" name="Title 1">
+            <a:extLst>
+              <a:ext uri="{FF2B5EF4-FFF2-40B4-BE49-F238E27FC236}">
+                <a16:creationId xmlns:a16="http://schemas.microsoft.com/office/drawing/2014/main" id="{7DAA2B9A-2033-41C5-AC34-7AE7841D47AD}"/>
+              </a:ext>
+            </a:extLst>
+          </p:cNvPr>
+          <p:cNvSpPr>
+            <a:spLocks noGrp="1"/>
+          </p:cNvSpPr>
+          <p:nvPr>
+            <p:ph type="title"/>
+          </p:nvPr>
+        </p:nvSpPr>
+        <p:spPr/>
+        <p:txBody>
+          <a:bodyPr/>
+          <a:lstStyle/>
+          <a:p>
+            <a:r>
+              <a:rPr lang="en-US" dirty="0"/>
+              <a:t>Development – Caching</a:t>
+            </a:r>
+          </a:p>
+        </p:txBody>
+      </p:sp>
+      <p:sp>
+        <p:nvSpPr>
+          <p:cNvPr id="3" name="Content Placeholder 2">
+            <a:extLst>
+              <a:ext uri="{FF2B5EF4-FFF2-40B4-BE49-F238E27FC236}">
+                <a16:creationId xmlns:a16="http://schemas.microsoft.com/office/drawing/2014/main" id="{6BD6949E-202D-426F-B07E-B156C2903FEA}"/>
+              </a:ext>
+            </a:extLst>
+          </p:cNvPr>
+          <p:cNvSpPr>
+            <a:spLocks noGrp="1"/>
+          </p:cNvSpPr>
+          <p:nvPr>
+            <p:ph idx="1"/>
+          </p:nvPr>
+        </p:nvSpPr>
+        <p:spPr/>
+        <p:txBody>
+          <a:bodyPr anchor="t"/>
+          <a:lstStyle/>
+          <a:p>
+            <a:r>
+              <a:rPr lang="en-US" dirty="0"/>
+              <a:t>The InMemoryCache normalizes query results before saving them to the cache by</a:t>
+            </a:r>
+          </a:p>
+          <a:p>
+            <a:pPr lvl="1"/>
+            <a:r>
+              <a:rPr lang="en-US" dirty="0"/>
+              <a:t>Splitting the results into individual objects</a:t>
+            </a:r>
+          </a:p>
+          <a:p>
+            <a:pPr lvl="1"/>
+            <a:endParaRPr lang="en-US" dirty="0"/>
+          </a:p>
+          <a:p>
+            <a:pPr lvl="1"/>
+            <a:r>
+              <a:rPr lang="en-US" dirty="0"/>
+              <a:t>Assigning a unique identifier to each object</a:t>
+            </a:r>
+          </a:p>
+          <a:p>
+            <a:pPr lvl="1"/>
+            <a:endParaRPr lang="en-US" dirty="0"/>
+          </a:p>
+          <a:p>
+            <a:pPr lvl="1"/>
+            <a:r>
+              <a:rPr lang="en-US" dirty="0"/>
+              <a:t>Storing the objects in a flattened data structure</a:t>
+            </a:r>
+          </a:p>
+        </p:txBody>
+      </p:sp>
+    </p:spTree>
+    <p:extLst>
+      <p:ext uri="{BB962C8B-B14F-4D97-AF65-F5344CB8AC3E}">
+        <p14:creationId xmlns:p14="http://schemas.microsoft.com/office/powerpoint/2010/main" val="1156561009"/>
+      </p:ext>
+    </p:extLst>
+  </p:cSld>
+  <p:clrMapOvr>
+    <a:masterClrMapping/>
+  </p:clrMapOvr>
+</p:sld>
+</file>
+
+<file path=ppt/slides/slide25.xml><?xml version="1.0" encoding="utf-8"?>
+<p:sld xmlns:a="http://schemas.openxmlformats.org/drawingml/2006/main" xmlns:r="http://schemas.openxmlformats.org/officeDocument/2006/relationships" xmlns:p="http://schemas.openxmlformats.org/presentationml/2006/main">
+  <p:cSld>
+    <p:spTree>
+      <p:nvGrpSpPr>
+        <p:cNvPr id="1" name=""/>
+        <p:cNvGrpSpPr/>
+        <p:nvPr/>
+      </p:nvGrpSpPr>
+      <p:grpSpPr>
+        <a:xfrm>
+          <a:off x="0" y="0"/>
+          <a:ext cx="0" cy="0"/>
+          <a:chOff x="0" y="0"/>
+          <a:chExt cx="0" cy="0"/>
+        </a:xfrm>
+      </p:grpSpPr>
+      <p:sp>
+        <p:nvSpPr>
+          <p:cNvPr id="2" name="Title 1">
+            <a:extLst>
+              <a:ext uri="{FF2B5EF4-FFF2-40B4-BE49-F238E27FC236}">
+                <a16:creationId xmlns:a16="http://schemas.microsoft.com/office/drawing/2014/main" id="{7DAA2B9A-2033-41C5-AC34-7AE7841D47AD}"/>
+              </a:ext>
+            </a:extLst>
+          </p:cNvPr>
+          <p:cNvSpPr>
+            <a:spLocks noGrp="1"/>
+          </p:cNvSpPr>
+          <p:nvPr>
+            <p:ph type="title"/>
+          </p:nvPr>
+        </p:nvSpPr>
+        <p:spPr/>
+        <p:txBody>
+          <a:bodyPr/>
+          <a:lstStyle/>
+          <a:p>
+            <a:r>
+              <a:rPr lang="en-US" dirty="0"/>
+              <a:t>Development – Caching</a:t>
+            </a:r>
+          </a:p>
+        </p:txBody>
+      </p:sp>
+      <p:sp>
+        <p:nvSpPr>
+          <p:cNvPr id="3" name="Content Placeholder 2">
+            <a:extLst>
+              <a:ext uri="{FF2B5EF4-FFF2-40B4-BE49-F238E27FC236}">
+                <a16:creationId xmlns:a16="http://schemas.microsoft.com/office/drawing/2014/main" id="{6BD6949E-202D-426F-B07E-B156C2903FEA}"/>
+              </a:ext>
+            </a:extLst>
+          </p:cNvPr>
+          <p:cNvSpPr>
+            <a:spLocks noGrp="1"/>
+          </p:cNvSpPr>
+          <p:nvPr>
+            <p:ph idx="1"/>
+          </p:nvPr>
+        </p:nvSpPr>
+        <p:spPr/>
+        <p:txBody>
+          <a:bodyPr anchor="t"/>
+          <a:lstStyle/>
+          <a:p>
+            <a:r>
+              <a:rPr lang="en-US" dirty="0"/>
+              <a:t>The InMemoryCache customization for configuration sample</a:t>
+            </a:r>
+          </a:p>
+        </p:txBody>
+      </p:sp>
+      <p:pic>
+        <p:nvPicPr>
+          <p:cNvPr id="5" name="Picture 4" descr="A close up of a screen&#10;&#10;Description automatically generated">
+            <a:extLst>
+              <a:ext uri="{FF2B5EF4-FFF2-40B4-BE49-F238E27FC236}">
+                <a16:creationId xmlns:a16="http://schemas.microsoft.com/office/drawing/2014/main" id="{2743624B-96F7-4C11-BC87-01484231807C}"/>
+              </a:ext>
+            </a:extLst>
+          </p:cNvPr>
+          <p:cNvPicPr>
+            <a:picLocks noChangeAspect="1"/>
+          </p:cNvPicPr>
+          <p:nvPr/>
+        </p:nvPicPr>
+        <p:blipFill>
+          <a:blip r:embed="rId2">
+            <a:extLst>
+              <a:ext uri="{28A0092B-C50C-407E-A947-70E740481C1C}">
+                <a14:useLocalDpi xmlns:a14="http://schemas.microsoft.com/office/drawing/2010/main" val="0"/>
+              </a:ext>
+            </a:extLst>
+          </a:blip>
+          <a:stretch>
+            <a:fillRect/>
+          </a:stretch>
+        </p:blipFill>
+        <p:spPr>
+          <a:xfrm>
+            <a:off x="3071390" y="2889351"/>
+            <a:ext cx="6049219" cy="2505425"/>
+          </a:xfrm>
+          <a:prstGeom prst="rect">
+            <a:avLst/>
+          </a:prstGeom>
+        </p:spPr>
+      </p:pic>
+    </p:spTree>
+    <p:extLst>
+      <p:ext uri="{BB962C8B-B14F-4D97-AF65-F5344CB8AC3E}">
+        <p14:creationId xmlns:p14="http://schemas.microsoft.com/office/powerpoint/2010/main" val="934778021"/>
+      </p:ext>
+    </p:extLst>
+  </p:cSld>
+  <p:clrMapOvr>
+    <a:masterClrMapping/>
+  </p:clrMapOvr>
+</p:sld>
+</file>
+
+<file path=ppt/slides/slide26.xml><?xml version="1.0" encoding="utf-8"?>
+<p:sld xmlns:a="http://schemas.openxmlformats.org/drawingml/2006/main" xmlns:r="http://schemas.openxmlformats.org/officeDocument/2006/relationships" xmlns:p="http://schemas.openxmlformats.org/presentationml/2006/main">
+  <p:cSld>
+    <p:spTree>
+      <p:nvGrpSpPr>
+        <p:cNvPr id="1" name=""/>
+        <p:cNvGrpSpPr/>
+        <p:nvPr/>
+      </p:nvGrpSpPr>
+      <p:grpSpPr>
+        <a:xfrm>
+          <a:off x="0" y="0"/>
+          <a:ext cx="0" cy="0"/>
+          <a:chOff x="0" y="0"/>
+          <a:chExt cx="0" cy="0"/>
+        </a:xfrm>
+      </p:grpSpPr>
+      <p:sp>
+        <p:nvSpPr>
+          <p:cNvPr id="2" name="Title 1">
+            <a:extLst>
+              <a:ext uri="{FF2B5EF4-FFF2-40B4-BE49-F238E27FC236}">
+                <a16:creationId xmlns:a16="http://schemas.microsoft.com/office/drawing/2014/main" id="{7DAA2B9A-2033-41C5-AC34-7AE7841D47AD}"/>
+              </a:ext>
+            </a:extLst>
+          </p:cNvPr>
+          <p:cNvSpPr>
+            <a:spLocks noGrp="1"/>
+          </p:cNvSpPr>
+          <p:nvPr>
+            <p:ph type="title"/>
+          </p:nvPr>
+        </p:nvSpPr>
+        <p:spPr/>
+        <p:txBody>
+          <a:bodyPr/>
+          <a:lstStyle/>
+          <a:p>
+            <a:r>
+              <a:rPr lang="en-US" dirty="0"/>
+              <a:t>Development – Caching</a:t>
+            </a:r>
+          </a:p>
+        </p:txBody>
+      </p:sp>
+      <p:sp>
+        <p:nvSpPr>
+          <p:cNvPr id="3" name="Content Placeholder 2">
+            <a:extLst>
+              <a:ext uri="{FF2B5EF4-FFF2-40B4-BE49-F238E27FC236}">
+                <a16:creationId xmlns:a16="http://schemas.microsoft.com/office/drawing/2014/main" id="{6BD6949E-202D-426F-B07E-B156C2903FEA}"/>
+              </a:ext>
+            </a:extLst>
+          </p:cNvPr>
+          <p:cNvSpPr>
+            <a:spLocks noGrp="1"/>
+          </p:cNvSpPr>
+          <p:nvPr>
+            <p:ph idx="1"/>
+          </p:nvPr>
+        </p:nvSpPr>
+        <p:spPr/>
+        <p:txBody>
+          <a:bodyPr anchor="t"/>
+          <a:lstStyle/>
+          <a:p>
+            <a:r>
+              <a:rPr lang="en-US" dirty="0"/>
+              <a:t>Method to interact with cache:</a:t>
+            </a:r>
+          </a:p>
+          <a:p>
+            <a:pPr lvl="1"/>
+            <a:r>
+              <a:rPr lang="en-US" dirty="0"/>
+              <a:t>readQuery</a:t>
+            </a:r>
+          </a:p>
+          <a:p>
+            <a:pPr lvl="1"/>
+            <a:r>
+              <a:rPr lang="en-US" dirty="0"/>
+              <a:t>readFragment</a:t>
+            </a:r>
+          </a:p>
+          <a:p>
+            <a:pPr lvl="1"/>
+            <a:r>
+              <a:rPr lang="en-US" dirty="0"/>
+              <a:t>writeQuery</a:t>
+            </a:r>
+          </a:p>
+          <a:p>
+            <a:pPr lvl="1"/>
+            <a:r>
+              <a:rPr lang="en-US" dirty="0"/>
+              <a:t>writeFragment</a:t>
+            </a:r>
+          </a:p>
+        </p:txBody>
+      </p:sp>
+    </p:spTree>
+    <p:extLst>
+      <p:ext uri="{BB962C8B-B14F-4D97-AF65-F5344CB8AC3E}">
+        <p14:creationId xmlns:p14="http://schemas.microsoft.com/office/powerpoint/2010/main" val="2140627226"/>
+      </p:ext>
+    </p:extLst>
+  </p:cSld>
+  <p:clrMapOvr>
+    <a:masterClrMapping/>
+  </p:clrMapOvr>
+</p:sld>
+</file>
+
+<file path=ppt/slides/slide27.xml><?xml version="1.0" encoding="utf-8"?>
+<p:sld xmlns:a="http://schemas.openxmlformats.org/drawingml/2006/main" xmlns:r="http://schemas.openxmlformats.org/officeDocument/2006/relationships" xmlns:p="http://schemas.openxmlformats.org/presentationml/2006/main">
+  <p:cSld>
+    <p:spTree>
+      <p:nvGrpSpPr>
+        <p:cNvPr id="1" name=""/>
+        <p:cNvGrpSpPr/>
+        <p:nvPr/>
+      </p:nvGrpSpPr>
+      <p:grpSpPr>
+        <a:xfrm>
+          <a:off x="0" y="0"/>
+          <a:ext cx="0" cy="0"/>
+          <a:chOff x="0" y="0"/>
+          <a:chExt cx="0" cy="0"/>
+        </a:xfrm>
+      </p:grpSpPr>
+      <p:sp>
+        <p:nvSpPr>
+          <p:cNvPr id="2" name="Title 1">
+            <a:extLst>
+              <a:ext uri="{FF2B5EF4-FFF2-40B4-BE49-F238E27FC236}">
+                <a16:creationId xmlns:a16="http://schemas.microsoft.com/office/drawing/2014/main" id="{7DAA2B9A-2033-41C5-AC34-7AE7841D47AD}"/>
+              </a:ext>
+            </a:extLst>
+          </p:cNvPr>
+          <p:cNvSpPr>
+            <a:spLocks noGrp="1"/>
+          </p:cNvSpPr>
+          <p:nvPr>
+            <p:ph type="title"/>
+          </p:nvPr>
+        </p:nvSpPr>
+        <p:spPr/>
+        <p:txBody>
+          <a:bodyPr/>
+          <a:lstStyle/>
+          <a:p>
+            <a:r>
+              <a:rPr lang="en-US" dirty="0"/>
+              <a:t>Development – Caching</a:t>
+            </a:r>
+          </a:p>
+        </p:txBody>
+      </p:sp>
+      <p:sp>
+        <p:nvSpPr>
+          <p:cNvPr id="3" name="Content Placeholder 2">
+            <a:extLst>
+              <a:ext uri="{FF2B5EF4-FFF2-40B4-BE49-F238E27FC236}">
+                <a16:creationId xmlns:a16="http://schemas.microsoft.com/office/drawing/2014/main" id="{6BD6949E-202D-426F-B07E-B156C2903FEA}"/>
+              </a:ext>
+            </a:extLst>
+          </p:cNvPr>
+          <p:cNvSpPr>
+            <a:spLocks noGrp="1"/>
+          </p:cNvSpPr>
+          <p:nvPr>
+            <p:ph idx="1"/>
+          </p:nvPr>
+        </p:nvSpPr>
+        <p:spPr/>
+        <p:txBody>
+          <a:bodyPr anchor="t"/>
+          <a:lstStyle/>
+          <a:p>
+            <a:r>
+              <a:rPr lang="en-US" dirty="0"/>
+              <a:t>Method readQuery runs GraphQL queries directly on your cache</a:t>
+            </a:r>
+          </a:p>
+        </p:txBody>
+      </p:sp>
+      <p:pic>
+        <p:nvPicPr>
+          <p:cNvPr id="5" name="Picture 4" descr="A screenshot of a cell phone&#10;&#10;Description automatically generated">
+            <a:extLst>
+              <a:ext uri="{FF2B5EF4-FFF2-40B4-BE49-F238E27FC236}">
+                <a16:creationId xmlns:a16="http://schemas.microsoft.com/office/drawing/2014/main" id="{91D3FD3D-709D-4672-A307-082DB5589C04}"/>
+              </a:ext>
+            </a:extLst>
+          </p:cNvPr>
+          <p:cNvPicPr>
+            <a:picLocks noChangeAspect="1"/>
+          </p:cNvPicPr>
+          <p:nvPr/>
+        </p:nvPicPr>
+        <p:blipFill>
+          <a:blip r:embed="rId2">
+            <a:extLst>
+              <a:ext uri="{28A0092B-C50C-407E-A947-70E740481C1C}">
+                <a14:useLocalDpi xmlns:a14="http://schemas.microsoft.com/office/drawing/2010/main" val="0"/>
+              </a:ext>
+            </a:extLst>
+          </a:blip>
+          <a:stretch>
+            <a:fillRect/>
+          </a:stretch>
+        </p:blipFill>
+        <p:spPr>
+          <a:xfrm>
+            <a:off x="4614656" y="2712542"/>
+            <a:ext cx="2962688" cy="2305372"/>
+          </a:xfrm>
+          <a:prstGeom prst="rect">
+            <a:avLst/>
+          </a:prstGeom>
+        </p:spPr>
+      </p:pic>
+    </p:spTree>
+    <p:extLst>
+      <p:ext uri="{BB962C8B-B14F-4D97-AF65-F5344CB8AC3E}">
+        <p14:creationId xmlns:p14="http://schemas.microsoft.com/office/powerpoint/2010/main" val="1803353519"/>
+      </p:ext>
+    </p:extLst>
+  </p:cSld>
+  <p:clrMapOvr>
+    <a:masterClrMapping/>
+  </p:clrMapOvr>
+</p:sld>
+</file>
+
+<file path=ppt/slides/slide28.xml><?xml version="1.0" encoding="utf-8"?>
+<p:sld xmlns:a="http://schemas.openxmlformats.org/drawingml/2006/main" xmlns:r="http://schemas.openxmlformats.org/officeDocument/2006/relationships" xmlns:p="http://schemas.openxmlformats.org/presentationml/2006/main">
+  <p:cSld>
+    <p:spTree>
+      <p:nvGrpSpPr>
+        <p:cNvPr id="1" name=""/>
+        <p:cNvGrpSpPr/>
+        <p:nvPr/>
+      </p:nvGrpSpPr>
+      <p:grpSpPr>
+        <a:xfrm>
+          <a:off x="0" y="0"/>
+          <a:ext cx="0" cy="0"/>
+          <a:chOff x="0" y="0"/>
+          <a:chExt cx="0" cy="0"/>
+        </a:xfrm>
+      </p:grpSpPr>
+      <p:sp>
+        <p:nvSpPr>
+          <p:cNvPr id="2" name="Title 1">
+            <a:extLst>
+              <a:ext uri="{FF2B5EF4-FFF2-40B4-BE49-F238E27FC236}">
+                <a16:creationId xmlns:a16="http://schemas.microsoft.com/office/drawing/2014/main" id="{7DAA2B9A-2033-41C5-AC34-7AE7841D47AD}"/>
+              </a:ext>
+            </a:extLst>
+          </p:cNvPr>
+          <p:cNvSpPr>
+            <a:spLocks noGrp="1"/>
+          </p:cNvSpPr>
+          <p:nvPr>
+            <p:ph type="title"/>
+          </p:nvPr>
+        </p:nvSpPr>
+        <p:spPr/>
+        <p:txBody>
+          <a:bodyPr/>
+          <a:lstStyle/>
+          <a:p>
+            <a:r>
+              <a:rPr lang="en-US" dirty="0"/>
+              <a:t>Development – Caching</a:t>
+            </a:r>
+          </a:p>
+        </p:txBody>
+      </p:sp>
+      <p:sp>
+        <p:nvSpPr>
+          <p:cNvPr id="3" name="Content Placeholder 2">
+            <a:extLst>
+              <a:ext uri="{FF2B5EF4-FFF2-40B4-BE49-F238E27FC236}">
+                <a16:creationId xmlns:a16="http://schemas.microsoft.com/office/drawing/2014/main" id="{6BD6949E-202D-426F-B07E-B156C2903FEA}"/>
+              </a:ext>
+            </a:extLst>
+          </p:cNvPr>
+          <p:cNvSpPr>
+            <a:spLocks noGrp="1"/>
+          </p:cNvSpPr>
+          <p:nvPr>
+            <p:ph idx="1"/>
+          </p:nvPr>
+        </p:nvSpPr>
+        <p:spPr/>
+        <p:txBody>
+          <a:bodyPr anchor="t"/>
+          <a:lstStyle/>
+          <a:p>
+            <a:r>
+              <a:rPr lang="en-US" dirty="0"/>
+              <a:t>Method readFragment reads data from </a:t>
+            </a:r>
+            <a:r>
+              <a:rPr lang="en-US" dirty="0">
+                <a:solidFill>
+                  <a:srgbClr val="C00000"/>
+                </a:solidFill>
+              </a:rPr>
+              <a:t>any</a:t>
+            </a:r>
+            <a:r>
+              <a:rPr lang="en-US" dirty="0"/>
+              <a:t> normalized cache object that was stored as part of </a:t>
+            </a:r>
+            <a:r>
+              <a:rPr lang="en-US" dirty="0">
+                <a:solidFill>
+                  <a:srgbClr val="C00000"/>
+                </a:solidFill>
+              </a:rPr>
+              <a:t>any</a:t>
+            </a:r>
+            <a:r>
+              <a:rPr lang="en-US" dirty="0"/>
+              <a:t> query result.</a:t>
+            </a:r>
+          </a:p>
+        </p:txBody>
+      </p:sp>
+      <p:pic>
+        <p:nvPicPr>
+          <p:cNvPr id="5" name="Picture 4" descr="A screenshot of a cell phone&#10;&#10;Description automatically generated">
+            <a:extLst>
+              <a:ext uri="{FF2B5EF4-FFF2-40B4-BE49-F238E27FC236}">
+                <a16:creationId xmlns:a16="http://schemas.microsoft.com/office/drawing/2014/main" id="{A590B83B-B16F-41A1-8942-DDE9F40735D5}"/>
+              </a:ext>
+            </a:extLst>
+          </p:cNvPr>
+          <p:cNvPicPr>
+            <a:picLocks noChangeAspect="1"/>
+          </p:cNvPicPr>
+          <p:nvPr/>
+        </p:nvPicPr>
+        <p:blipFill>
+          <a:blip r:embed="rId2">
+            <a:extLst>
+              <a:ext uri="{28A0092B-C50C-407E-A947-70E740481C1C}">
+                <a14:useLocalDpi xmlns:a14="http://schemas.microsoft.com/office/drawing/2010/main" val="0"/>
+              </a:ext>
+            </a:extLst>
+          </a:blip>
+          <a:stretch>
+            <a:fillRect/>
+          </a:stretch>
+        </p:blipFill>
+        <p:spPr>
+          <a:xfrm>
+            <a:off x="3314312" y="3144502"/>
+            <a:ext cx="5563376" cy="2095792"/>
+          </a:xfrm>
+          <a:prstGeom prst="rect">
+            <a:avLst/>
+          </a:prstGeom>
+        </p:spPr>
+      </p:pic>
+    </p:spTree>
+    <p:extLst>
+      <p:ext uri="{BB962C8B-B14F-4D97-AF65-F5344CB8AC3E}">
+        <p14:creationId xmlns:p14="http://schemas.microsoft.com/office/powerpoint/2010/main" val="2475971226"/>
+      </p:ext>
+    </p:extLst>
+  </p:cSld>
+  <p:clrMapOvr>
+    <a:masterClrMapping/>
+  </p:clrMapOvr>
+</p:sld>
+</file>
+
+<file path=ppt/slides/slide29.xml><?xml version="1.0" encoding="utf-8"?>
+<p:sld xmlns:a="http://schemas.openxmlformats.org/drawingml/2006/main" xmlns:r="http://schemas.openxmlformats.org/officeDocument/2006/relationships" xmlns:p="http://schemas.openxmlformats.org/presentationml/2006/main">
+  <p:cSld>
+    <p:spTree>
+      <p:nvGrpSpPr>
+        <p:cNvPr id="1" name=""/>
+        <p:cNvGrpSpPr/>
+        <p:nvPr/>
+      </p:nvGrpSpPr>
+      <p:grpSpPr>
+        <a:xfrm>
+          <a:off x="0" y="0"/>
+          <a:ext cx="0" cy="0"/>
+          <a:chOff x="0" y="0"/>
+          <a:chExt cx="0" cy="0"/>
+        </a:xfrm>
+      </p:grpSpPr>
+      <p:sp>
+        <p:nvSpPr>
+          <p:cNvPr id="2" name="Title 1">
+            <a:extLst>
+              <a:ext uri="{FF2B5EF4-FFF2-40B4-BE49-F238E27FC236}">
+                <a16:creationId xmlns:a16="http://schemas.microsoft.com/office/drawing/2014/main" id="{7DAA2B9A-2033-41C5-AC34-7AE7841D47AD}"/>
+              </a:ext>
+            </a:extLst>
+          </p:cNvPr>
+          <p:cNvSpPr>
+            <a:spLocks noGrp="1"/>
+          </p:cNvSpPr>
+          <p:nvPr>
+            <p:ph type="title"/>
+          </p:nvPr>
+        </p:nvSpPr>
+        <p:spPr/>
+        <p:txBody>
+          <a:bodyPr/>
+          <a:lstStyle/>
+          <a:p>
+            <a:r>
+              <a:rPr lang="en-US" dirty="0"/>
+              <a:t>Development – Caching</a:t>
+            </a:r>
+          </a:p>
+        </p:txBody>
+      </p:sp>
+      <p:sp>
+        <p:nvSpPr>
+          <p:cNvPr id="3" name="Content Placeholder 2">
+            <a:extLst>
+              <a:ext uri="{FF2B5EF4-FFF2-40B4-BE49-F238E27FC236}">
+                <a16:creationId xmlns:a16="http://schemas.microsoft.com/office/drawing/2014/main" id="{6BD6949E-202D-426F-B07E-B156C2903FEA}"/>
+              </a:ext>
+            </a:extLst>
+          </p:cNvPr>
+          <p:cNvSpPr>
+            <a:spLocks noGrp="1"/>
+          </p:cNvSpPr>
+          <p:nvPr>
+            <p:ph idx="1"/>
+          </p:nvPr>
+        </p:nvSpPr>
+        <p:spPr/>
+        <p:txBody>
+          <a:bodyPr anchor="t"/>
+          <a:lstStyle/>
+          <a:p>
+            <a:r>
+              <a:rPr lang="en-US" dirty="0"/>
+              <a:t>Method writeQuery &amp; writeFragment write arbitrary data to the cache</a:t>
+            </a:r>
+          </a:p>
+        </p:txBody>
+      </p:sp>
+      <p:pic>
+        <p:nvPicPr>
+          <p:cNvPr id="5" name="Picture 4" descr="Screen of a cell phone&#10;&#10;Description automatically generated">
+            <a:extLst>
+              <a:ext uri="{FF2B5EF4-FFF2-40B4-BE49-F238E27FC236}">
+                <a16:creationId xmlns:a16="http://schemas.microsoft.com/office/drawing/2014/main" id="{847B7DAD-118E-4F4E-89C9-E8203F94262E}"/>
+              </a:ext>
+            </a:extLst>
+          </p:cNvPr>
+          <p:cNvPicPr>
+            <a:picLocks noChangeAspect="1"/>
+          </p:cNvPicPr>
+          <p:nvPr/>
+        </p:nvPicPr>
+        <p:blipFill>
+          <a:blip r:embed="rId2">
+            <a:extLst>
+              <a:ext uri="{28A0092B-C50C-407E-A947-70E740481C1C}">
+                <a14:useLocalDpi xmlns:a14="http://schemas.microsoft.com/office/drawing/2010/main" val="0"/>
+              </a:ext>
+            </a:extLst>
+          </a:blip>
+          <a:stretch>
+            <a:fillRect/>
+          </a:stretch>
+        </p:blipFill>
+        <p:spPr>
+          <a:xfrm>
+            <a:off x="4843287" y="2950739"/>
+            <a:ext cx="2505425" cy="2200582"/>
+          </a:xfrm>
+          <a:prstGeom prst="rect">
+            <a:avLst/>
+          </a:prstGeom>
+        </p:spPr>
+      </p:pic>
+    </p:spTree>
+    <p:extLst>
+      <p:ext uri="{BB962C8B-B14F-4D97-AF65-F5344CB8AC3E}">
+        <p14:creationId xmlns:p14="http://schemas.microsoft.com/office/powerpoint/2010/main" val="2545135486"/>
+      </p:ext>
+    </p:extLst>
+  </p:cSld>
+  <p:clrMapOvr>
+    <a:masterClrMapping/>
+  </p:clrMapOvr>
+</p:sld>
+</file>
+
 <file path=ppt/slides/slide3.xml><?xml version="1.0" encoding="utf-8"?>
 <p:sld xmlns:a="http://schemas.openxmlformats.org/drawingml/2006/main" xmlns:r="http://schemas.openxmlformats.org/officeDocument/2006/relationships" xmlns:p="http://schemas.openxmlformats.org/presentationml/2006/main">
   <p:cSld>
@@ -11359,6 +11011,858 @@
     <p:extLst>
       <p:ext uri="{BB962C8B-B14F-4D97-AF65-F5344CB8AC3E}">
         <p14:creationId xmlns:p14="http://schemas.microsoft.com/office/powerpoint/2010/main" val="1032501503"/>
+      </p:ext>
+    </p:extLst>
+  </p:cSld>
+  <p:clrMapOvr>
+    <a:masterClrMapping/>
+  </p:clrMapOvr>
+</p:sld>
+</file>
+
+<file path=ppt/slides/slide30.xml><?xml version="1.0" encoding="utf-8"?>
+<p:sld xmlns:a="http://schemas.openxmlformats.org/drawingml/2006/main" xmlns:r="http://schemas.openxmlformats.org/officeDocument/2006/relationships" xmlns:p="http://schemas.openxmlformats.org/presentationml/2006/main">
+  <p:cSld>
+    <p:spTree>
+      <p:nvGrpSpPr>
+        <p:cNvPr id="1" name=""/>
+        <p:cNvGrpSpPr/>
+        <p:nvPr/>
+      </p:nvGrpSpPr>
+      <p:grpSpPr>
+        <a:xfrm>
+          <a:off x="0" y="0"/>
+          <a:ext cx="0" cy="0"/>
+          <a:chOff x="0" y="0"/>
+          <a:chExt cx="0" cy="0"/>
+        </a:xfrm>
+      </p:grpSpPr>
+      <p:sp>
+        <p:nvSpPr>
+          <p:cNvPr id="2" name="Title 1">
+            <a:extLst>
+              <a:ext uri="{FF2B5EF4-FFF2-40B4-BE49-F238E27FC236}">
+                <a16:creationId xmlns:a16="http://schemas.microsoft.com/office/drawing/2014/main" id="{7DAA2B9A-2033-41C5-AC34-7AE7841D47AD}"/>
+              </a:ext>
+            </a:extLst>
+          </p:cNvPr>
+          <p:cNvSpPr>
+            <a:spLocks noGrp="1"/>
+          </p:cNvSpPr>
+          <p:nvPr>
+            <p:ph type="title"/>
+          </p:nvPr>
+        </p:nvSpPr>
+        <p:spPr/>
+        <p:txBody>
+          <a:bodyPr/>
+          <a:lstStyle/>
+          <a:p>
+            <a:r>
+              <a:rPr lang="en-US" dirty="0"/>
+              <a:t>Development – Caching</a:t>
+            </a:r>
+          </a:p>
+        </p:txBody>
+      </p:sp>
+      <p:sp>
+        <p:nvSpPr>
+          <p:cNvPr id="3" name="Content Placeholder 2">
+            <a:extLst>
+              <a:ext uri="{FF2B5EF4-FFF2-40B4-BE49-F238E27FC236}">
+                <a16:creationId xmlns:a16="http://schemas.microsoft.com/office/drawing/2014/main" id="{6BD6949E-202D-426F-B07E-B156C2903FEA}"/>
+              </a:ext>
+            </a:extLst>
+          </p:cNvPr>
+          <p:cNvSpPr>
+            <a:spLocks noGrp="1"/>
+          </p:cNvSpPr>
+          <p:nvPr>
+            <p:ph idx="1"/>
+          </p:nvPr>
+        </p:nvSpPr>
+        <p:spPr/>
+        <p:txBody>
+          <a:bodyPr anchor="t"/>
+          <a:lstStyle/>
+          <a:p>
+            <a:r>
+              <a:rPr lang="en-US" dirty="0"/>
+              <a:t>Combine readQuery </a:t>
+            </a:r>
+          </a:p>
+          <a:p>
+            <a:pPr marL="0" indent="0">
+              <a:buNone/>
+            </a:pPr>
+            <a:r>
+              <a:rPr lang="en-US" dirty="0"/>
+              <a:t>and writeQuery</a:t>
+            </a:r>
+          </a:p>
+        </p:txBody>
+      </p:sp>
+      <p:pic>
+        <p:nvPicPr>
+          <p:cNvPr id="6" name="Picture 5" descr="A screenshot of a cell phone&#10;&#10;Description automatically generated">
+            <a:extLst>
+              <a:ext uri="{FF2B5EF4-FFF2-40B4-BE49-F238E27FC236}">
+                <a16:creationId xmlns:a16="http://schemas.microsoft.com/office/drawing/2014/main" id="{33D33D08-60C6-411E-93AE-3D8375798448}"/>
+              </a:ext>
+            </a:extLst>
+          </p:cNvPr>
+          <p:cNvPicPr>
+            <a:picLocks noChangeAspect="1"/>
+          </p:cNvPicPr>
+          <p:nvPr/>
+        </p:nvPicPr>
+        <p:blipFill>
+          <a:blip r:embed="rId2">
+            <a:extLst>
+              <a:ext uri="{28A0092B-C50C-407E-A947-70E740481C1C}">
+                <a14:useLocalDpi xmlns:a14="http://schemas.microsoft.com/office/drawing/2010/main" val="0"/>
+              </a:ext>
+            </a:extLst>
+          </a:blip>
+          <a:stretch>
+            <a:fillRect/>
+          </a:stretch>
+        </p:blipFill>
+        <p:spPr>
+          <a:xfrm>
+            <a:off x="6473527" y="1885285"/>
+            <a:ext cx="4306326" cy="4847840"/>
+          </a:xfrm>
+          <a:prstGeom prst="rect">
+            <a:avLst/>
+          </a:prstGeom>
+        </p:spPr>
+      </p:pic>
+    </p:spTree>
+    <p:extLst>
+      <p:ext uri="{BB962C8B-B14F-4D97-AF65-F5344CB8AC3E}">
+        <p14:creationId xmlns:p14="http://schemas.microsoft.com/office/powerpoint/2010/main" val="250755514"/>
+      </p:ext>
+    </p:extLst>
+  </p:cSld>
+  <p:clrMapOvr>
+    <a:masterClrMapping/>
+  </p:clrMapOvr>
+</p:sld>
+</file>
+
+<file path=ppt/slides/slide31.xml><?xml version="1.0" encoding="utf-8"?>
+<p:sld xmlns:a="http://schemas.openxmlformats.org/drawingml/2006/main" xmlns:r="http://schemas.openxmlformats.org/officeDocument/2006/relationships" xmlns:p="http://schemas.openxmlformats.org/presentationml/2006/main">
+  <p:cSld>
+    <p:spTree>
+      <p:nvGrpSpPr>
+        <p:cNvPr id="1" name=""/>
+        <p:cNvGrpSpPr/>
+        <p:nvPr/>
+      </p:nvGrpSpPr>
+      <p:grpSpPr>
+        <a:xfrm>
+          <a:off x="0" y="0"/>
+          <a:ext cx="0" cy="0"/>
+          <a:chOff x="0" y="0"/>
+          <a:chExt cx="0" cy="0"/>
+        </a:xfrm>
+      </p:grpSpPr>
+      <p:sp>
+        <p:nvSpPr>
+          <p:cNvPr id="2" name="Title 1">
+            <a:extLst>
+              <a:ext uri="{FF2B5EF4-FFF2-40B4-BE49-F238E27FC236}">
+                <a16:creationId xmlns:a16="http://schemas.microsoft.com/office/drawing/2014/main" id="{7DAA2B9A-2033-41C5-AC34-7AE7841D47AD}"/>
+              </a:ext>
+            </a:extLst>
+          </p:cNvPr>
+          <p:cNvSpPr>
+            <a:spLocks noGrp="1"/>
+          </p:cNvSpPr>
+          <p:nvPr>
+            <p:ph type="title"/>
+          </p:nvPr>
+        </p:nvSpPr>
+        <p:spPr/>
+        <p:txBody>
+          <a:bodyPr/>
+          <a:lstStyle/>
+          <a:p>
+            <a:r>
+              <a:rPr lang="en-US" dirty="0"/>
+              <a:t>Development – Testing</a:t>
+            </a:r>
+          </a:p>
+        </p:txBody>
+      </p:sp>
+      <p:sp>
+        <p:nvSpPr>
+          <p:cNvPr id="3" name="Content Placeholder 2">
+            <a:extLst>
+              <a:ext uri="{FF2B5EF4-FFF2-40B4-BE49-F238E27FC236}">
+                <a16:creationId xmlns:a16="http://schemas.microsoft.com/office/drawing/2014/main" id="{6BD6949E-202D-426F-B07E-B156C2903FEA}"/>
+              </a:ext>
+            </a:extLst>
+          </p:cNvPr>
+          <p:cNvSpPr>
+            <a:spLocks noGrp="1"/>
+          </p:cNvSpPr>
+          <p:nvPr>
+            <p:ph idx="1"/>
+          </p:nvPr>
+        </p:nvSpPr>
+        <p:spPr/>
+        <p:txBody>
+          <a:bodyPr anchor="t"/>
+          <a:lstStyle/>
+          <a:p>
+            <a:r>
+              <a:rPr lang="en-US" dirty="0"/>
+              <a:t>Install package @apollo/react-testing</a:t>
+            </a:r>
+          </a:p>
+          <a:p>
+            <a:endParaRPr lang="en-US" dirty="0"/>
+          </a:p>
+          <a:p>
+            <a:r>
+              <a:rPr lang="en-US" dirty="0"/>
+              <a:t>Using Test-renderer: </a:t>
+            </a:r>
+            <a:r>
+              <a:rPr lang="en-US" dirty="0">
+                <a:hlinkClick r:id="rId2"/>
+              </a:rPr>
+              <a:t>https://reactjs.org/docs/test-renderer.html</a:t>
+            </a:r>
+            <a:r>
+              <a:rPr lang="en-US" dirty="0"/>
+              <a:t> </a:t>
+            </a:r>
+          </a:p>
+          <a:p>
+            <a:endParaRPr lang="en-US" dirty="0"/>
+          </a:p>
+          <a:p>
+            <a:r>
+              <a:rPr lang="en-US" dirty="0"/>
+              <a:t>In order to test component which use features from Apollo Client</a:t>
+            </a:r>
+          </a:p>
+          <a:p>
+            <a:pPr lvl="1"/>
+            <a:r>
+              <a:rPr lang="en-US" dirty="0"/>
+              <a:t>Use a mock provider from @apollo/react-testing</a:t>
+            </a:r>
+          </a:p>
+        </p:txBody>
+      </p:sp>
+    </p:spTree>
+    <p:extLst>
+      <p:ext uri="{BB962C8B-B14F-4D97-AF65-F5344CB8AC3E}">
+        <p14:creationId xmlns:p14="http://schemas.microsoft.com/office/powerpoint/2010/main" val="295490250"/>
+      </p:ext>
+    </p:extLst>
+  </p:cSld>
+  <p:clrMapOvr>
+    <a:masterClrMapping/>
+  </p:clrMapOvr>
+</p:sld>
+</file>
+
+<file path=ppt/slides/slide32.xml><?xml version="1.0" encoding="utf-8"?>
+<p:sld xmlns:a="http://schemas.openxmlformats.org/drawingml/2006/main" xmlns:r="http://schemas.openxmlformats.org/officeDocument/2006/relationships" xmlns:p="http://schemas.openxmlformats.org/presentationml/2006/main">
+  <p:cSld>
+    <p:spTree>
+      <p:nvGrpSpPr>
+        <p:cNvPr id="1" name=""/>
+        <p:cNvGrpSpPr/>
+        <p:nvPr/>
+      </p:nvGrpSpPr>
+      <p:grpSpPr>
+        <a:xfrm>
+          <a:off x="0" y="0"/>
+          <a:ext cx="0" cy="0"/>
+          <a:chOff x="0" y="0"/>
+          <a:chExt cx="0" cy="0"/>
+        </a:xfrm>
+      </p:grpSpPr>
+      <p:sp>
+        <p:nvSpPr>
+          <p:cNvPr id="2" name="Title 1">
+            <a:extLst>
+              <a:ext uri="{FF2B5EF4-FFF2-40B4-BE49-F238E27FC236}">
+                <a16:creationId xmlns:a16="http://schemas.microsoft.com/office/drawing/2014/main" id="{7DAA2B9A-2033-41C5-AC34-7AE7841D47AD}"/>
+              </a:ext>
+            </a:extLst>
+          </p:cNvPr>
+          <p:cNvSpPr>
+            <a:spLocks noGrp="1"/>
+          </p:cNvSpPr>
+          <p:nvPr>
+            <p:ph type="title"/>
+          </p:nvPr>
+        </p:nvSpPr>
+        <p:spPr/>
+        <p:txBody>
+          <a:bodyPr/>
+          <a:lstStyle/>
+          <a:p>
+            <a:r>
+              <a:rPr lang="en-US" dirty="0"/>
+              <a:t>Development – Testing</a:t>
+            </a:r>
+          </a:p>
+        </p:txBody>
+      </p:sp>
+      <p:sp>
+        <p:nvSpPr>
+          <p:cNvPr id="3" name="Content Placeholder 2">
+            <a:extLst>
+              <a:ext uri="{FF2B5EF4-FFF2-40B4-BE49-F238E27FC236}">
+                <a16:creationId xmlns:a16="http://schemas.microsoft.com/office/drawing/2014/main" id="{6BD6949E-202D-426F-B07E-B156C2903FEA}"/>
+              </a:ext>
+            </a:extLst>
+          </p:cNvPr>
+          <p:cNvSpPr>
+            <a:spLocks noGrp="1"/>
+          </p:cNvSpPr>
+          <p:nvPr>
+            <p:ph idx="1"/>
+          </p:nvPr>
+        </p:nvSpPr>
+        <p:spPr/>
+        <p:txBody>
+          <a:bodyPr anchor="t"/>
+          <a:lstStyle/>
+          <a:p>
+            <a:r>
+              <a:rPr lang="en-US" dirty="0"/>
+              <a:t>Sample</a:t>
+            </a:r>
+          </a:p>
+        </p:txBody>
+      </p:sp>
+      <p:pic>
+        <p:nvPicPr>
+          <p:cNvPr id="5" name="Picture 4" descr="A screenshot of a cell phone&#10;&#10;Description automatically generated">
+            <a:extLst>
+              <a:ext uri="{FF2B5EF4-FFF2-40B4-BE49-F238E27FC236}">
+                <a16:creationId xmlns:a16="http://schemas.microsoft.com/office/drawing/2014/main" id="{E0B72F9F-5079-4B97-8C4B-BCCCC6A0854D}"/>
+              </a:ext>
+            </a:extLst>
+          </p:cNvPr>
+          <p:cNvPicPr>
+            <a:picLocks noChangeAspect="1"/>
+          </p:cNvPicPr>
+          <p:nvPr/>
+        </p:nvPicPr>
+        <p:blipFill>
+          <a:blip r:embed="rId2">
+            <a:extLst>
+              <a:ext uri="{28A0092B-C50C-407E-A947-70E740481C1C}">
+                <a14:useLocalDpi xmlns:a14="http://schemas.microsoft.com/office/drawing/2010/main" val="0"/>
+              </a:ext>
+            </a:extLst>
+          </a:blip>
+          <a:stretch>
+            <a:fillRect/>
+          </a:stretch>
+        </p:blipFill>
+        <p:spPr>
+          <a:xfrm>
+            <a:off x="5380665" y="1734364"/>
+            <a:ext cx="3743540" cy="4633332"/>
+          </a:xfrm>
+          <a:prstGeom prst="rect">
+            <a:avLst/>
+          </a:prstGeom>
+        </p:spPr>
+      </p:pic>
+    </p:spTree>
+    <p:extLst>
+      <p:ext uri="{BB962C8B-B14F-4D97-AF65-F5344CB8AC3E}">
+        <p14:creationId xmlns:p14="http://schemas.microsoft.com/office/powerpoint/2010/main" val="1369178210"/>
+      </p:ext>
+    </p:extLst>
+  </p:cSld>
+  <p:clrMapOvr>
+    <a:masterClrMapping/>
+  </p:clrMapOvr>
+</p:sld>
+</file>
+
+<file path=ppt/slides/slide33.xml><?xml version="1.0" encoding="utf-8"?>
+<p:sld xmlns:a="http://schemas.openxmlformats.org/drawingml/2006/main" xmlns:r="http://schemas.openxmlformats.org/officeDocument/2006/relationships" xmlns:p="http://schemas.openxmlformats.org/presentationml/2006/main">
+  <p:cSld>
+    <p:spTree>
+      <p:nvGrpSpPr>
+        <p:cNvPr id="1" name=""/>
+        <p:cNvGrpSpPr/>
+        <p:nvPr/>
+      </p:nvGrpSpPr>
+      <p:grpSpPr>
+        <a:xfrm>
+          <a:off x="0" y="0"/>
+          <a:ext cx="0" cy="0"/>
+          <a:chOff x="0" y="0"/>
+          <a:chExt cx="0" cy="0"/>
+        </a:xfrm>
+      </p:grpSpPr>
+      <p:sp>
+        <p:nvSpPr>
+          <p:cNvPr id="2" name="Title 1">
+            <a:extLst>
+              <a:ext uri="{FF2B5EF4-FFF2-40B4-BE49-F238E27FC236}">
+                <a16:creationId xmlns:a16="http://schemas.microsoft.com/office/drawing/2014/main" id="{A0E6B26E-2CF5-4D3B-9BBE-FA0A43A888FE}"/>
+              </a:ext>
+            </a:extLst>
+          </p:cNvPr>
+          <p:cNvSpPr>
+            <a:spLocks noGrp="1"/>
+          </p:cNvSpPr>
+          <p:nvPr>
+            <p:ph type="title"/>
+          </p:nvPr>
+        </p:nvSpPr>
+        <p:spPr/>
+        <p:txBody>
+          <a:bodyPr/>
+          <a:lstStyle/>
+          <a:p>
+            <a:pPr algn="ctr"/>
+            <a:r>
+              <a:rPr lang="en-US" dirty="0">
+                <a:solidFill>
+                  <a:srgbClr val="FFFF00"/>
+                </a:solidFill>
+              </a:rPr>
+              <a:t>PRODUCTION</a:t>
+            </a:r>
+          </a:p>
+        </p:txBody>
+      </p:sp>
+    </p:spTree>
+    <p:extLst>
+      <p:ext uri="{BB962C8B-B14F-4D97-AF65-F5344CB8AC3E}">
+        <p14:creationId xmlns:p14="http://schemas.microsoft.com/office/powerpoint/2010/main" val="4200618044"/>
+      </p:ext>
+    </p:extLst>
+  </p:cSld>
+  <p:clrMapOvr>
+    <a:masterClrMapping/>
+  </p:clrMapOvr>
+</p:sld>
+</file>
+
+<file path=ppt/slides/slide34.xml><?xml version="1.0" encoding="utf-8"?>
+<p:sld xmlns:a="http://schemas.openxmlformats.org/drawingml/2006/main" xmlns:r="http://schemas.openxmlformats.org/officeDocument/2006/relationships" xmlns:p="http://schemas.openxmlformats.org/presentationml/2006/main">
+  <p:cSld>
+    <p:spTree>
+      <p:nvGrpSpPr>
+        <p:cNvPr id="1" name=""/>
+        <p:cNvGrpSpPr/>
+        <p:nvPr/>
+      </p:nvGrpSpPr>
+      <p:grpSpPr>
+        <a:xfrm>
+          <a:off x="0" y="0"/>
+          <a:ext cx="0" cy="0"/>
+          <a:chOff x="0" y="0"/>
+          <a:chExt cx="0" cy="0"/>
+        </a:xfrm>
+      </p:grpSpPr>
+      <p:sp>
+        <p:nvSpPr>
+          <p:cNvPr id="6" name="Title 5">
+            <a:extLst>
+              <a:ext uri="{FF2B5EF4-FFF2-40B4-BE49-F238E27FC236}">
+                <a16:creationId xmlns:a16="http://schemas.microsoft.com/office/drawing/2014/main" id="{4483E157-A5BA-4595-8F81-42FE95530350}"/>
+              </a:ext>
+            </a:extLst>
+          </p:cNvPr>
+          <p:cNvSpPr>
+            <a:spLocks noGrp="1"/>
+          </p:cNvSpPr>
+          <p:nvPr>
+            <p:ph type="title"/>
+          </p:nvPr>
+        </p:nvSpPr>
+        <p:spPr/>
+        <p:txBody>
+          <a:bodyPr/>
+          <a:lstStyle/>
+          <a:p>
+            <a:r>
+              <a:rPr lang="en-US" dirty="0"/>
+              <a:t>Production – Performance</a:t>
+            </a:r>
+          </a:p>
+        </p:txBody>
+      </p:sp>
+      <p:sp>
+        <p:nvSpPr>
+          <p:cNvPr id="7" name="Content Placeholder 6">
+            <a:extLst>
+              <a:ext uri="{FF2B5EF4-FFF2-40B4-BE49-F238E27FC236}">
+                <a16:creationId xmlns:a16="http://schemas.microsoft.com/office/drawing/2014/main" id="{BC19E8C1-280C-4A6E-B956-E776D978D872}"/>
+              </a:ext>
+            </a:extLst>
+          </p:cNvPr>
+          <p:cNvSpPr>
+            <a:spLocks noGrp="1"/>
+          </p:cNvSpPr>
+          <p:nvPr>
+            <p:ph idx="1"/>
+          </p:nvPr>
+        </p:nvSpPr>
+        <p:spPr/>
+        <p:txBody>
+          <a:bodyPr anchor="t"/>
+          <a:lstStyle/>
+          <a:p>
+            <a:r>
+              <a:rPr lang="en-US" dirty="0"/>
+              <a:t>Redirecting to cached data</a:t>
+            </a:r>
+          </a:p>
+          <a:p>
+            <a:r>
+              <a:rPr lang="en-US" dirty="0"/>
+              <a:t>Prefetching data</a:t>
+            </a:r>
+          </a:p>
+          <a:p>
+            <a:r>
+              <a:rPr lang="en-US" dirty="0"/>
+              <a:t>Query splitting</a:t>
+            </a:r>
+          </a:p>
+          <a:p>
+            <a:r>
+              <a:rPr lang="en-US" dirty="0"/>
+              <a:t>Automatic persisted queries</a:t>
+            </a:r>
+          </a:p>
+          <a:p>
+            <a:endParaRPr lang="en-US" dirty="0"/>
+          </a:p>
+        </p:txBody>
+      </p:sp>
+    </p:spTree>
+    <p:extLst>
+      <p:ext uri="{BB962C8B-B14F-4D97-AF65-F5344CB8AC3E}">
+        <p14:creationId xmlns:p14="http://schemas.microsoft.com/office/powerpoint/2010/main" val="2982627848"/>
+      </p:ext>
+    </p:extLst>
+  </p:cSld>
+  <p:clrMapOvr>
+    <a:masterClrMapping/>
+  </p:clrMapOvr>
+</p:sld>
+</file>
+
+<file path=ppt/slides/slide35.xml><?xml version="1.0" encoding="utf-8"?>
+<p:sld xmlns:a="http://schemas.openxmlformats.org/drawingml/2006/main" xmlns:r="http://schemas.openxmlformats.org/officeDocument/2006/relationships" xmlns:p="http://schemas.openxmlformats.org/presentationml/2006/main">
+  <p:cSld>
+    <p:spTree>
+      <p:nvGrpSpPr>
+        <p:cNvPr id="1" name=""/>
+        <p:cNvGrpSpPr/>
+        <p:nvPr/>
+      </p:nvGrpSpPr>
+      <p:grpSpPr>
+        <a:xfrm>
+          <a:off x="0" y="0"/>
+          <a:ext cx="0" cy="0"/>
+          <a:chOff x="0" y="0"/>
+          <a:chExt cx="0" cy="0"/>
+        </a:xfrm>
+      </p:grpSpPr>
+      <p:sp>
+        <p:nvSpPr>
+          <p:cNvPr id="6" name="Title 5">
+            <a:extLst>
+              <a:ext uri="{FF2B5EF4-FFF2-40B4-BE49-F238E27FC236}">
+                <a16:creationId xmlns:a16="http://schemas.microsoft.com/office/drawing/2014/main" id="{4483E157-A5BA-4595-8F81-42FE95530350}"/>
+              </a:ext>
+            </a:extLst>
+          </p:cNvPr>
+          <p:cNvSpPr>
+            <a:spLocks noGrp="1"/>
+          </p:cNvSpPr>
+          <p:nvPr>
+            <p:ph type="title"/>
+          </p:nvPr>
+        </p:nvSpPr>
+        <p:spPr/>
+        <p:txBody>
+          <a:bodyPr/>
+          <a:lstStyle/>
+          <a:p>
+            <a:r>
+              <a:rPr lang="en-US" dirty="0"/>
+              <a:t>Production – Integration</a:t>
+            </a:r>
+          </a:p>
+        </p:txBody>
+      </p:sp>
+      <p:sp>
+        <p:nvSpPr>
+          <p:cNvPr id="7" name="Content Placeholder 6">
+            <a:extLst>
+              <a:ext uri="{FF2B5EF4-FFF2-40B4-BE49-F238E27FC236}">
+                <a16:creationId xmlns:a16="http://schemas.microsoft.com/office/drawing/2014/main" id="{BC19E8C1-280C-4A6E-B956-E776D978D872}"/>
+              </a:ext>
+            </a:extLst>
+          </p:cNvPr>
+          <p:cNvSpPr>
+            <a:spLocks noGrp="1"/>
+          </p:cNvSpPr>
+          <p:nvPr>
+            <p:ph idx="1"/>
+          </p:nvPr>
+        </p:nvSpPr>
+        <p:spPr/>
+        <p:txBody>
+          <a:bodyPr anchor="t"/>
+          <a:lstStyle/>
+          <a:p>
+            <a:r>
+              <a:rPr lang="en-US" dirty="0"/>
+              <a:t>The list of integrated client:</a:t>
+            </a:r>
+          </a:p>
+          <a:p>
+            <a:pPr lvl="1"/>
+            <a:r>
+              <a:rPr lang="en-US" dirty="0"/>
+              <a:t>React</a:t>
+            </a:r>
+          </a:p>
+          <a:p>
+            <a:pPr lvl="1"/>
+            <a:r>
+              <a:rPr lang="en-US" dirty="0"/>
+              <a:t>Vue</a:t>
+            </a:r>
+          </a:p>
+          <a:p>
+            <a:pPr lvl="1"/>
+            <a:r>
+              <a:rPr lang="en-US" dirty="0"/>
+              <a:t>Angular</a:t>
+            </a:r>
+          </a:p>
+          <a:p>
+            <a:pPr lvl="1"/>
+            <a:r>
+              <a:rPr lang="en-US" dirty="0"/>
+              <a:t>Ember</a:t>
+            </a:r>
+          </a:p>
+          <a:p>
+            <a:pPr lvl="1"/>
+            <a:r>
+              <a:rPr lang="en-US" dirty="0"/>
+              <a:t>Web components</a:t>
+            </a:r>
+          </a:p>
+          <a:p>
+            <a:r>
+              <a:rPr lang="en-US" dirty="0"/>
+              <a:t>Store queries in a file and load it with Webpack</a:t>
+            </a:r>
+          </a:p>
+        </p:txBody>
+      </p:sp>
+    </p:spTree>
+    <p:extLst>
+      <p:ext uri="{BB962C8B-B14F-4D97-AF65-F5344CB8AC3E}">
+        <p14:creationId xmlns:p14="http://schemas.microsoft.com/office/powerpoint/2010/main" val="483139214"/>
+      </p:ext>
+    </p:extLst>
+  </p:cSld>
+  <p:clrMapOvr>
+    <a:masterClrMapping/>
+  </p:clrMapOvr>
+</p:sld>
+</file>
+
+<file path=ppt/slides/slide36.xml><?xml version="1.0" encoding="utf-8"?>
+<p:sld xmlns:a="http://schemas.openxmlformats.org/drawingml/2006/main" xmlns:r="http://schemas.openxmlformats.org/officeDocument/2006/relationships" xmlns:p="http://schemas.openxmlformats.org/presentationml/2006/main">
+  <p:cSld>
+    <p:spTree>
+      <p:nvGrpSpPr>
+        <p:cNvPr id="1" name=""/>
+        <p:cNvGrpSpPr/>
+        <p:nvPr/>
+      </p:nvGrpSpPr>
+      <p:grpSpPr>
+        <a:xfrm>
+          <a:off x="0" y="0"/>
+          <a:ext cx="0" cy="0"/>
+          <a:chOff x="0" y="0"/>
+          <a:chExt cx="0" cy="0"/>
+        </a:xfrm>
+      </p:grpSpPr>
+      <p:sp>
+        <p:nvSpPr>
+          <p:cNvPr id="6" name="Title 5">
+            <a:extLst>
+              <a:ext uri="{FF2B5EF4-FFF2-40B4-BE49-F238E27FC236}">
+                <a16:creationId xmlns:a16="http://schemas.microsoft.com/office/drawing/2014/main" id="{4483E157-A5BA-4595-8F81-42FE95530350}"/>
+              </a:ext>
+            </a:extLst>
+          </p:cNvPr>
+          <p:cNvSpPr>
+            <a:spLocks noGrp="1"/>
+          </p:cNvSpPr>
+          <p:nvPr>
+            <p:ph type="title"/>
+          </p:nvPr>
+        </p:nvSpPr>
+        <p:spPr/>
+        <p:txBody>
+          <a:bodyPr/>
+          <a:lstStyle/>
+          <a:p>
+            <a:r>
+              <a:rPr lang="en-US" dirty="0"/>
+              <a:t>Production - Networking</a:t>
+            </a:r>
+          </a:p>
+        </p:txBody>
+      </p:sp>
+      <p:sp>
+        <p:nvSpPr>
+          <p:cNvPr id="7" name="Content Placeholder 6">
+            <a:extLst>
+              <a:ext uri="{FF2B5EF4-FFF2-40B4-BE49-F238E27FC236}">
+                <a16:creationId xmlns:a16="http://schemas.microsoft.com/office/drawing/2014/main" id="{BC19E8C1-280C-4A6E-B956-E776D978D872}"/>
+              </a:ext>
+            </a:extLst>
+          </p:cNvPr>
+          <p:cNvSpPr>
+            <a:spLocks noGrp="1"/>
+          </p:cNvSpPr>
+          <p:nvPr>
+            <p:ph idx="1"/>
+          </p:nvPr>
+        </p:nvSpPr>
+        <p:spPr/>
+        <p:txBody>
+          <a:bodyPr anchor="t"/>
+          <a:lstStyle/>
+          <a:p>
+            <a:r>
+              <a:rPr lang="en-US" dirty="0"/>
+              <a:t>Using Apollo Link to config network layer (header, context, authorization, …)</a:t>
+            </a:r>
+          </a:p>
+        </p:txBody>
+      </p:sp>
+      <p:pic>
+        <p:nvPicPr>
+          <p:cNvPr id="3" name="Picture 2" descr="A screenshot of a social media post&#10;&#10;Description automatically generated">
+            <a:extLst>
+              <a:ext uri="{FF2B5EF4-FFF2-40B4-BE49-F238E27FC236}">
+                <a16:creationId xmlns:a16="http://schemas.microsoft.com/office/drawing/2014/main" id="{B57E9CA9-B30B-4F9A-AAE2-C810FF51BD09}"/>
+              </a:ext>
+            </a:extLst>
+          </p:cNvPr>
+          <p:cNvPicPr>
+            <a:picLocks noChangeAspect="1"/>
+          </p:cNvPicPr>
+          <p:nvPr/>
+        </p:nvPicPr>
+        <p:blipFill>
+          <a:blip r:embed="rId2">
+            <a:extLst>
+              <a:ext uri="{28A0092B-C50C-407E-A947-70E740481C1C}">
+                <a14:useLocalDpi xmlns:a14="http://schemas.microsoft.com/office/drawing/2010/main" val="0"/>
+              </a:ext>
+            </a:extLst>
+          </a:blip>
+          <a:stretch>
+            <a:fillRect/>
+          </a:stretch>
+        </p:blipFill>
+        <p:spPr>
+          <a:xfrm>
+            <a:off x="5484797" y="2643172"/>
+            <a:ext cx="4976275" cy="3850689"/>
+          </a:xfrm>
+          <a:prstGeom prst="rect">
+            <a:avLst/>
+          </a:prstGeom>
+        </p:spPr>
+      </p:pic>
+    </p:spTree>
+    <p:extLst>
+      <p:ext uri="{BB962C8B-B14F-4D97-AF65-F5344CB8AC3E}">
+        <p14:creationId xmlns:p14="http://schemas.microsoft.com/office/powerpoint/2010/main" val="2220707847"/>
+      </p:ext>
+    </p:extLst>
+  </p:cSld>
+  <p:clrMapOvr>
+    <a:masterClrMapping/>
+  </p:clrMapOvr>
+</p:sld>
+</file>
+
+<file path=ppt/slides/slide37.xml><?xml version="1.0" encoding="utf-8"?>
+<p:sld xmlns:a="http://schemas.openxmlformats.org/drawingml/2006/main" xmlns:r="http://schemas.openxmlformats.org/officeDocument/2006/relationships" xmlns:p="http://schemas.openxmlformats.org/presentationml/2006/main">
+  <p:cSld>
+    <p:spTree>
+      <p:nvGrpSpPr>
+        <p:cNvPr id="1" name=""/>
+        <p:cNvGrpSpPr/>
+        <p:nvPr/>
+      </p:nvGrpSpPr>
+      <p:grpSpPr>
+        <a:xfrm>
+          <a:off x="0" y="0"/>
+          <a:ext cx="0" cy="0"/>
+          <a:chOff x="0" y="0"/>
+          <a:chExt cx="0" cy="0"/>
+        </a:xfrm>
+      </p:grpSpPr>
+      <p:sp>
+        <p:nvSpPr>
+          <p:cNvPr id="4" name="Title 3">
+            <a:extLst>
+              <a:ext uri="{FF2B5EF4-FFF2-40B4-BE49-F238E27FC236}">
+                <a16:creationId xmlns:a16="http://schemas.microsoft.com/office/drawing/2014/main" id="{AE6FE9D2-9C7E-497C-90C4-E6199C7CA3CD}"/>
+              </a:ext>
+            </a:extLst>
+          </p:cNvPr>
+          <p:cNvSpPr>
+            <a:spLocks noGrp="1"/>
+          </p:cNvSpPr>
+          <p:nvPr>
+            <p:ph type="title"/>
+          </p:nvPr>
+        </p:nvSpPr>
+        <p:spPr/>
+        <p:txBody>
+          <a:bodyPr/>
+          <a:lstStyle/>
+          <a:p>
+            <a:pPr algn="ctr"/>
+            <a:r>
+              <a:rPr lang="en-US" dirty="0"/>
+              <a:t>END</a:t>
+            </a:r>
+          </a:p>
+        </p:txBody>
+      </p:sp>
+    </p:spTree>
+    <p:extLst>
+      <p:ext uri="{BB962C8B-B14F-4D97-AF65-F5344CB8AC3E}">
+        <p14:creationId xmlns:p14="http://schemas.microsoft.com/office/powerpoint/2010/main" val="557842199"/>
       </p:ext>
     </p:extLst>
   </p:cSld>
@@ -11734,13 +12238,21 @@
         <p:spPr/>
         <p:txBody>
           <a:bodyPr anchor="t">
-            <a:normAutofit lnSpcReduction="10000"/>
+            <a:normAutofit/>
           </a:bodyPr>
           <a:lstStyle/>
           <a:p>
             <a:r>
               <a:rPr lang="en-US" dirty="0"/>
-              <a:t>Create a ReactJS app</a:t>
+              <a:t>Create a ReactJS app: </a:t>
+            </a:r>
+            <a:r>
+              <a:rPr lang="en-US" dirty="0" err="1"/>
+              <a:t>npx</a:t>
+            </a:r>
+            <a:r>
+              <a:rPr lang="en-US" dirty="0"/>
+              <a:t> create-react-app my-app</a:t>
             </a:r>
           </a:p>
           <a:p>
@@ -11773,14 +12285,7 @@
           <a:p>
             <a:r>
               <a:rPr lang="en-US" dirty="0"/>
-              <a:t>Optional components:</a:t>
-            </a:r>
-          </a:p>
-          <a:p>
-            <a:pPr lvl="1"/>
-            <a:r>
-              <a:rPr lang="en-US" dirty="0"/>
-              <a:t>Apollo-Link and et al: control flow of GraphQL requests and fetching GraphQL results, e.g. using automatic persisted queries</a:t>
+              <a:t>Add a component from Apollo Provider to wrap the react app</a:t>
             </a:r>
           </a:p>
         </p:txBody>
@@ -11820,7 +12325,7 @@
           <p:cNvPr id="2" name="Title 1">
             <a:extLst>
               <a:ext uri="{FF2B5EF4-FFF2-40B4-BE49-F238E27FC236}">
-                <a16:creationId xmlns:a16="http://schemas.microsoft.com/office/drawing/2014/main" id="{E227D6C4-FB3F-4304-8C4F-49F37285E269}"/>
+                <a16:creationId xmlns:a16="http://schemas.microsoft.com/office/drawing/2014/main" id="{7DAA2B9A-2033-41C5-AC34-7AE7841D47AD}"/>
               </a:ext>
             </a:extLst>
           </p:cNvPr>
@@ -11836,7 +12341,10 @@
           <a:bodyPr/>
           <a:lstStyle/>
           <a:p>
-            <a:endParaRPr lang="en-US"/>
+            <a:r>
+              <a:rPr lang="en-US" dirty="0"/>
+              <a:t>Development – Setup</a:t>
+            </a:r>
           </a:p>
         </p:txBody>
       </p:sp>
@@ -11845,7 +12353,7 @@
           <p:cNvPr id="3" name="Content Placeholder 2">
             <a:extLst>
               <a:ext uri="{FF2B5EF4-FFF2-40B4-BE49-F238E27FC236}">
-                <a16:creationId xmlns:a16="http://schemas.microsoft.com/office/drawing/2014/main" id="{5DD7ADB9-860C-49CF-9362-BE4EB4E004DD}"/>
+                <a16:creationId xmlns:a16="http://schemas.microsoft.com/office/drawing/2014/main" id="{6BD6949E-202D-426F-B07E-B156C2903FEA}"/>
               </a:ext>
             </a:extLst>
           </p:cNvPr>
@@ -11858,17 +12366,59 @@
         </p:nvSpPr>
         <p:spPr/>
         <p:txBody>
-          <a:bodyPr/>
-          <a:lstStyle/>
-          <a:p>
-            <a:endParaRPr lang="en-US"/>
-          </a:p>
-        </p:txBody>
-      </p:sp>
+          <a:bodyPr anchor="t"/>
+          <a:lstStyle/>
+          <a:p>
+            <a:r>
+              <a:rPr lang="en-US" dirty="0"/>
+              <a:t>Add a component from Apollo Provider to wrap the react app</a:t>
+            </a:r>
+          </a:p>
+          <a:p>
+            <a:endParaRPr lang="en-US" dirty="0"/>
+          </a:p>
+        </p:txBody>
+      </p:sp>
+      <p:pic>
+        <p:nvPicPr>
+          <p:cNvPr id="6" name="Picture 5" descr="A screenshot of a cell phone&#10;&#10;Description automatically generated">
+            <a:extLst>
+              <a:ext uri="{FF2B5EF4-FFF2-40B4-BE49-F238E27FC236}">
+                <a16:creationId xmlns:a16="http://schemas.microsoft.com/office/drawing/2014/main" id="{B2169F6C-02C4-4E2F-9A27-AF3CC64D673D}"/>
+              </a:ext>
+            </a:extLst>
+          </p:cNvPr>
+          <p:cNvPicPr>
+            <a:picLocks noChangeAspect="1"/>
+          </p:cNvPicPr>
+          <p:nvPr/>
+        </p:nvPicPr>
+        <p:blipFill>
+          <a:blip r:embed="rId2">
+            <a:extLst>
+              <a:ext uri="{28A0092B-C50C-407E-A947-70E740481C1C}">
+                <a14:useLocalDpi xmlns:a14="http://schemas.microsoft.com/office/drawing/2010/main" val="0"/>
+              </a:ext>
+            </a:extLst>
+          </a:blip>
+          <a:stretch>
+            <a:fillRect/>
+          </a:stretch>
+        </p:blipFill>
+        <p:spPr>
+          <a:xfrm>
+            <a:off x="3409575" y="2659874"/>
+            <a:ext cx="5372850" cy="3820058"/>
+          </a:xfrm>
+          <a:prstGeom prst="rect">
+            <a:avLst/>
+          </a:prstGeom>
+        </p:spPr>
+      </p:pic>
     </p:spTree>
     <p:extLst>
       <p:ext uri="{BB962C8B-B14F-4D97-AF65-F5344CB8AC3E}">
-        <p14:creationId xmlns:p14="http://schemas.microsoft.com/office/powerpoint/2010/main" val="4109665489"/>
+        <p14:creationId xmlns:p14="http://schemas.microsoft.com/office/powerpoint/2010/main" val="2438761969"/>
       </p:ext>
     </p:extLst>
   </p:cSld>
@@ -11916,7 +12466,10 @@
           <a:bodyPr/>
           <a:lstStyle/>
           <a:p>
-            <a:endParaRPr lang="en-US"/>
+            <a:r>
+              <a:rPr lang="en-US" dirty="0"/>
+              <a:t>Development – Data</a:t>
+            </a:r>
           </a:p>
         </p:txBody>
       </p:sp>
@@ -11938,13 +12491,88 @@
         </p:nvSpPr>
         <p:spPr/>
         <p:txBody>
-          <a:bodyPr/>
-          <a:lstStyle/>
-          <a:p>
-            <a:endParaRPr lang="en-US"/>
-          </a:p>
-        </p:txBody>
-      </p:sp>
+          <a:bodyPr anchor="t"/>
+          <a:lstStyle/>
+          <a:p>
+            <a:r>
+              <a:rPr lang="en-US" dirty="0"/>
+              <a:t>Query</a:t>
+            </a:r>
+          </a:p>
+        </p:txBody>
+      </p:sp>
+      <p:pic>
+        <p:nvPicPr>
+          <p:cNvPr id="5" name="Picture 4" descr="A screenshot of a cell phone&#10;&#10;Description automatically generated">
+            <a:extLst>
+              <a:ext uri="{FF2B5EF4-FFF2-40B4-BE49-F238E27FC236}">
+                <a16:creationId xmlns:a16="http://schemas.microsoft.com/office/drawing/2014/main" id="{281CAD5A-199C-486E-9E54-B511DC5B6FD1}"/>
+              </a:ext>
+            </a:extLst>
+          </p:cNvPr>
+          <p:cNvPicPr>
+            <a:picLocks noChangeAspect="1"/>
+          </p:cNvPicPr>
+          <p:nvPr/>
+        </p:nvPicPr>
+        <p:blipFill>
+          <a:blip r:embed="rId2">
+            <a:extLst>
+              <a:ext uri="{28A0092B-C50C-407E-A947-70E740481C1C}">
+                <a14:useLocalDpi xmlns:a14="http://schemas.microsoft.com/office/drawing/2010/main" val="0"/>
+              </a:ext>
+            </a:extLst>
+          </a:blip>
+          <a:stretch>
+            <a:fillRect/>
+          </a:stretch>
+        </p:blipFill>
+        <p:spPr>
+          <a:xfrm>
+            <a:off x="6369527" y="1534820"/>
+            <a:ext cx="4599882" cy="5032420"/>
+          </a:xfrm>
+          <a:prstGeom prst="rect">
+            <a:avLst/>
+          </a:prstGeom>
+        </p:spPr>
+      </p:pic>
+      <p:pic>
+        <p:nvPicPr>
+          <p:cNvPr id="9" name="Picture 8" descr="A screenshot of a cell phone&#10;&#10;Description automatically generated">
+            <a:extLst>
+              <a:ext uri="{FF2B5EF4-FFF2-40B4-BE49-F238E27FC236}">
+                <a16:creationId xmlns:a16="http://schemas.microsoft.com/office/drawing/2014/main" id="{1EDE5440-AF8C-454F-90D5-05546A8F867F}"/>
+              </a:ext>
+            </a:extLst>
+          </p:cNvPr>
+          <p:cNvPicPr>
+            <a:picLocks noChangeAspect="1"/>
+          </p:cNvPicPr>
+          <p:nvPr/>
+        </p:nvPicPr>
+        <p:blipFill>
+          <a:blip r:embed="rId3">
+            <a:extLst>
+              <a:ext uri="{28A0092B-C50C-407E-A947-70E740481C1C}">
+                <a14:useLocalDpi xmlns:a14="http://schemas.microsoft.com/office/drawing/2010/main" val="0"/>
+              </a:ext>
+            </a:extLst>
+          </a:blip>
+          <a:stretch>
+            <a:fillRect/>
+          </a:stretch>
+        </p:blipFill>
+        <p:spPr>
+          <a:xfrm>
+            <a:off x="2480226" y="2772887"/>
+            <a:ext cx="2953162" cy="3277057"/>
+          </a:xfrm>
+          <a:prstGeom prst="rect">
+            <a:avLst/>
+          </a:prstGeom>
+        </p:spPr>
+      </p:pic>
     </p:spTree>
     <p:extLst>
       <p:ext uri="{BB962C8B-B14F-4D97-AF65-F5344CB8AC3E}">
@@ -12177,265 +12805,4 @@
     </a:ext>
   </a:extLst>
 </a:theme>
-</file>
-
-<file path=ppt/theme/theme2.xml><?xml version="1.0" encoding="utf-8"?>
-<a:theme xmlns:a="http://schemas.openxmlformats.org/drawingml/2006/main" name="Office Theme">
-  <a:themeElements>
-    <a:clrScheme name="Office Theme">
-      <a:dk1>
-        <a:sysClr val="windowText" lastClr="000000"/>
-      </a:dk1>
-      <a:lt1>
-        <a:sysClr val="window" lastClr="FFFFFF"/>
-      </a:lt1>
-      <a:dk2>
-        <a:srgbClr val="44546A"/>
-      </a:dk2>
-      <a:lt2>
-        <a:srgbClr val="E7E6E6"/>
-      </a:lt2>
-      <a:accent1>
-        <a:srgbClr val="4472C4"/>
-      </a:accent1>
-      <a:accent2>
-        <a:srgbClr val="ED7D31"/>
-      </a:accent2>
-      <a:accent3>
-        <a:srgbClr val="A5A5A5"/>
-      </a:accent3>
-      <a:accent4>
-        <a:srgbClr val="FFC000"/>
-      </a:accent4>
-      <a:accent5>
-        <a:srgbClr val="5B9BD5"/>
-      </a:accent5>
-      <a:accent6>
-        <a:srgbClr val="70AD47"/>
-      </a:accent6>
-      <a:hlink>
-        <a:srgbClr val="0563C1"/>
-      </a:hlink>
-      <a:folHlink>
-        <a:srgbClr val="954F72"/>
-      </a:folHlink>
-    </a:clrScheme>
-    <a:fontScheme name="Office Theme">
-      <a:majorFont>
-        <a:latin typeface="Calibri Light" panose="020F0302020204030204"/>
-        <a:ea typeface=""/>
-        <a:cs typeface=""/>
-        <a:font script="Jpan" typeface="游ゴシック Light"/>
-        <a:font script="Hang" typeface="맑은 고딕"/>
-        <a:font script="Hans" typeface="等线 Light"/>
-        <a:font script="Hant" typeface="新細明體"/>
-        <a:font script="Arab" typeface="Times New Roman"/>
-        <a:font script="Hebr" typeface="Times New Roman"/>
-        <a:font script="Thai" typeface="Angsana New"/>
-        <a:font script="Ethi" typeface="Nyala"/>
-        <a:font script="Beng" typeface="Vrinda"/>
-        <a:font script="Gujr" typeface="Shruti"/>
-        <a:font script="Khmr" typeface="MoolBoran"/>
-        <a:font script="Knda" typeface="Tunga"/>
-        <a:font script="Guru" typeface="Raavi"/>
-        <a:font script="Cans" typeface="Euphemia"/>
-        <a:font script="Cher" typeface="Plantagenet Cherokee"/>
-        <a:font script="Yiii" typeface="Microsoft Yi Baiti"/>
-        <a:font script="Tibt" typeface="Microsoft Himalaya"/>
-        <a:font script="Thaa" typeface="MV Boli"/>
-        <a:font script="Deva" typeface="Mangal"/>
-        <a:font script="Telu" typeface="Gautami"/>
-        <a:font script="Taml" typeface="Latha"/>
-        <a:font script="Syrc" typeface="Estrangelo Edessa"/>
-        <a:font script="Orya" typeface="Kalinga"/>
-        <a:font script="Mlym" typeface="Kartika"/>
-        <a:font script="Laoo" typeface="DokChampa"/>
-        <a:font script="Sinh" typeface="Iskoola Pota"/>
-        <a:font script="Mong" typeface="Mongolian Baiti"/>
-        <a:font script="Viet" typeface="Times New Roman"/>
-        <a:font script="Uigh" typeface="Microsoft Uighur"/>
-        <a:font script="Geor" typeface="Sylfaen"/>
-      </a:majorFont>
-      <a:minorFont>
-        <a:latin typeface="Calibri" panose="020F0502020204030204"/>
-        <a:ea typeface=""/>
-        <a:cs typeface=""/>
-        <a:font script="Jpan" typeface="游ゴシック"/>
-        <a:font script="Hang" typeface="맑은 고딕"/>
-        <a:font script="Hans" typeface="等线"/>
-        <a:font script="Hant" typeface="新細明體"/>
-        <a:font script="Arab" typeface="Arial"/>
-        <a:font script="Hebr" typeface="Arial"/>
-        <a:font script="Thai" typeface="Cordia New"/>
-        <a:font script="Ethi" typeface="Nyala"/>
-        <a:font script="Beng" typeface="Vrinda"/>
-        <a:font script="Gujr" typeface="Shruti"/>
-        <a:font script="Khmr" typeface="DaunPenh"/>
-        <a:font script="Knda" typeface="Tunga"/>
-        <a:font script="Guru" typeface="Raavi"/>
-        <a:font script="Cans" typeface="Euphemia"/>
-        <a:font script="Cher" typeface="Plantagenet Cherokee"/>
-        <a:font script="Yiii" typeface="Microsoft Yi Baiti"/>
-        <a:font script="Tibt" typeface="Microsoft Himalaya"/>
-        <a:font script="Thaa" typeface="MV Boli"/>
-        <a:font script="Deva" typeface="Mangal"/>
-        <a:font script="Telu" typeface="Gautami"/>
-        <a:font script="Taml" typeface="Latha"/>
-        <a:font script="Syrc" typeface="Estrangelo Edessa"/>
-        <a:font script="Orya" typeface="Kalinga"/>
-        <a:font script="Mlym" typeface="Kartika"/>
-        <a:font script="Laoo" typeface="DokChampa"/>
-        <a:font script="Sinh" typeface="Iskoola Pota"/>
-        <a:font script="Mong" typeface="Mongolian Baiti"/>
-        <a:font script="Viet" typeface="Arial"/>
-        <a:font script="Uigh" typeface="Microsoft Uighur"/>
-        <a:font script="Geor" typeface="Sylfaen"/>
-      </a:minorFont>
-    </a:fontScheme>
-    <a:fmtScheme name="Office Theme">
-      <a:fillStyleLst>
-        <a:solidFill>
-          <a:schemeClr val="phClr"/>
-        </a:solidFill>
-        <a:gradFill rotWithShape="1">
-          <a:gsLst>
-            <a:gs pos="0">
-              <a:schemeClr val="phClr">
-                <a:lumMod val="110000"/>
-                <a:satMod val="105000"/>
-                <a:tint val="67000"/>
-              </a:schemeClr>
-            </a:gs>
-            <a:gs pos="50000">
-              <a:schemeClr val="phClr">
-                <a:lumMod val="105000"/>
-                <a:satMod val="103000"/>
-                <a:tint val="73000"/>
-              </a:schemeClr>
-            </a:gs>
-            <a:gs pos="100000">
-              <a:schemeClr val="phClr">
-                <a:lumMod val="105000"/>
-                <a:satMod val="109000"/>
-                <a:tint val="81000"/>
-              </a:schemeClr>
-            </a:gs>
-          </a:gsLst>
-          <a:lin ang="5400000" scaled="0"/>
-        </a:gradFill>
-        <a:gradFill rotWithShape="1">
-          <a:gsLst>
-            <a:gs pos="0">
-              <a:schemeClr val="phClr">
-                <a:satMod val="103000"/>
-                <a:lumMod val="102000"/>
-                <a:tint val="94000"/>
-              </a:schemeClr>
-            </a:gs>
-            <a:gs pos="50000">
-              <a:schemeClr val="phClr">
-                <a:satMod val="110000"/>
-                <a:lumMod val="100000"/>
-                <a:shade val="100000"/>
-              </a:schemeClr>
-            </a:gs>
-            <a:gs pos="100000">
-              <a:schemeClr val="phClr">
-                <a:lumMod val="99000"/>
-                <a:satMod val="120000"/>
-                <a:shade val="78000"/>
-              </a:schemeClr>
-            </a:gs>
-          </a:gsLst>
-          <a:lin ang="5400000" scaled="0"/>
-        </a:gradFill>
-      </a:fillStyleLst>
-      <a:lnStyleLst>
-        <a:ln w="6350" cap="flat" cmpd="sng" algn="ctr">
-          <a:solidFill>
-            <a:schemeClr val="phClr"/>
-          </a:solidFill>
-          <a:prstDash val="solid"/>
-          <a:miter lim="800000"/>
-        </a:ln>
-        <a:ln w="12700" cap="flat" cmpd="sng" algn="ctr">
-          <a:solidFill>
-            <a:schemeClr val="phClr"/>
-          </a:solidFill>
-          <a:prstDash val="solid"/>
-          <a:miter lim="800000"/>
-        </a:ln>
-        <a:ln w="19050" cap="flat" cmpd="sng" algn="ctr">
-          <a:solidFill>
-            <a:schemeClr val="phClr"/>
-          </a:solidFill>
-          <a:prstDash val="solid"/>
-          <a:miter lim="800000"/>
-        </a:ln>
-      </a:lnStyleLst>
-      <a:effectStyleLst>
-        <a:effectStyle>
-          <a:effectLst/>
-        </a:effectStyle>
-        <a:effectStyle>
-          <a:effectLst/>
-        </a:effectStyle>
-        <a:effectStyle>
-          <a:effectLst>
-            <a:outerShdw blurRad="57150" dist="19050" dir="5400000" algn="ctr" rotWithShape="0">
-              <a:srgbClr val="000000">
-                <a:alpha val="63000"/>
-              </a:srgbClr>
-            </a:outerShdw>
-          </a:effectLst>
-        </a:effectStyle>
-      </a:effectStyleLst>
-      <a:bgFillStyleLst>
-        <a:solidFill>
-          <a:schemeClr val="phClr"/>
-        </a:solidFill>
-        <a:solidFill>
-          <a:schemeClr val="phClr">
-            <a:tint val="95000"/>
-            <a:satMod val="170000"/>
-          </a:schemeClr>
-        </a:solidFill>
-        <a:gradFill rotWithShape="1">
-          <a:gsLst>
-            <a:gs pos="0">
-              <a:schemeClr val="phClr">
-                <a:tint val="93000"/>
-                <a:satMod val="150000"/>
-                <a:shade val="98000"/>
-                <a:lumMod val="102000"/>
-              </a:schemeClr>
-            </a:gs>
-            <a:gs pos="50000">
-              <a:schemeClr val="phClr">
-                <a:tint val="98000"/>
-                <a:satMod val="130000"/>
-                <a:shade val="90000"/>
-                <a:lumMod val="103000"/>
-              </a:schemeClr>
-            </a:gs>
-            <a:gs pos="100000">
-              <a:schemeClr val="phClr">
-                <a:shade val="63000"/>
-                <a:satMod val="120000"/>
-              </a:schemeClr>
-            </a:gs>
-          </a:gsLst>
-          <a:lin ang="5400000" scaled="0"/>
-        </a:gradFill>
-      </a:bgFillStyleLst>
-    </a:fmtScheme>
-  </a:themeElements>
-  <a:objectDefaults/>
-  <a:extraClrSchemeLst/>
-  <a:extLst>
-    <a:ext uri="{05A4C25C-085E-4340-85A3-A5531E510DB2}">
-      <thm15:themeFamily xmlns:thm15="http://schemas.microsoft.com/office/thememl/2012/main" name="Office Theme" id="{62F939B6-93AF-4DB8-9C6B-D6C7DFDC589F}" vid="{4F46216B-77A9-411A-B9D3-5023FCB70208}"/>
-    </a:ext>
-  </a:extLst>
-</a:theme>
 </file>